--- a/Results/performance_chart.pptx
+++ b/Results/performance_chart.pptx
@@ -9,6 +9,7 @@
     <p:sldId id="259" r:id="rId3"/>
     <p:sldId id="258" r:id="rId4"/>
     <p:sldId id="260" r:id="rId5"/>
+    <p:sldId id="261" r:id="rId6"/>
   </p:sldIdLst>
   <p:sldSz cx="12801600" cy="9601200" type="A3"/>
   <p:notesSz cx="6858000" cy="9144000"/>
@@ -168,7 +169,7 @@
           </a:lstStyle>
           <a:p>
             <a:r>
-              <a:rPr lang="en-US" smtClean="0"/>
+              <a:rPr lang="en-US"/>
               <a:t>Click to edit Master title style</a:t>
             </a:r>
             <a:endParaRPr lang="en-US" dirty="0"/>
@@ -233,7 +234,7 @@
           </a:lstStyle>
           <a:p>
             <a:r>
-              <a:rPr lang="en-US" smtClean="0"/>
+              <a:rPr lang="en-US"/>
               <a:t>Click to edit Master subtitle style</a:t>
             </a:r>
             <a:endParaRPr lang="en-US" dirty="0"/>
@@ -257,7 +258,7 @@
           <a:p>
             <a:fld id="{59527988-A51A-4AB1-B7F9-3124AAF4C4FA}" type="datetimeFigureOut">
               <a:rPr lang="en-GB" smtClean="0"/>
-              <a:t>19/03/2019</a:t>
+              <a:t>18/07/2019</a:t>
             </a:fld>
             <a:endParaRPr lang="en-GB"/>
           </a:p>
@@ -351,7 +352,7 @@
           <a:lstStyle/>
           <a:p>
             <a:r>
-              <a:rPr lang="en-US" smtClean="0"/>
+              <a:rPr lang="en-US"/>
               <a:t>Click to edit Master title style</a:t>
             </a:r>
             <a:endParaRPr lang="en-US" dirty="0"/>
@@ -375,35 +376,35 @@
           <a:p>
             <a:pPr lvl="0"/>
             <a:r>
-              <a:rPr lang="en-US" smtClean="0"/>
+              <a:rPr lang="en-US"/>
               <a:t>Edit Master text styles</a:t>
             </a:r>
           </a:p>
           <a:p>
             <a:pPr lvl="1"/>
             <a:r>
-              <a:rPr lang="en-US" smtClean="0"/>
+              <a:rPr lang="en-US"/>
               <a:t>Second level</a:t>
             </a:r>
           </a:p>
           <a:p>
             <a:pPr lvl="2"/>
             <a:r>
-              <a:rPr lang="en-US" smtClean="0"/>
+              <a:rPr lang="en-US"/>
               <a:t>Third level</a:t>
             </a:r>
           </a:p>
           <a:p>
             <a:pPr lvl="3"/>
             <a:r>
-              <a:rPr lang="en-US" smtClean="0"/>
+              <a:rPr lang="en-US"/>
               <a:t>Fourth level</a:t>
             </a:r>
           </a:p>
           <a:p>
             <a:pPr lvl="4"/>
             <a:r>
-              <a:rPr lang="en-US" smtClean="0"/>
+              <a:rPr lang="en-US"/>
               <a:t>Fifth level</a:t>
             </a:r>
             <a:endParaRPr lang="en-US" dirty="0"/>
@@ -427,7 +428,7 @@
           <a:p>
             <a:fld id="{59527988-A51A-4AB1-B7F9-3124AAF4C4FA}" type="datetimeFigureOut">
               <a:rPr lang="en-GB" smtClean="0"/>
-              <a:t>19/03/2019</a:t>
+              <a:t>18/07/2019</a:t>
             </a:fld>
             <a:endParaRPr lang="en-GB"/>
           </a:p>
@@ -526,7 +527,7 @@
           <a:lstStyle/>
           <a:p>
             <a:r>
-              <a:rPr lang="en-US" smtClean="0"/>
+              <a:rPr lang="en-US"/>
               <a:t>Click to edit Master title style</a:t>
             </a:r>
             <a:endParaRPr lang="en-US" dirty="0"/>
@@ -555,35 +556,35 @@
           <a:p>
             <a:pPr lvl="0"/>
             <a:r>
-              <a:rPr lang="en-US" smtClean="0"/>
+              <a:rPr lang="en-US"/>
               <a:t>Edit Master text styles</a:t>
             </a:r>
           </a:p>
           <a:p>
             <a:pPr lvl="1"/>
             <a:r>
-              <a:rPr lang="en-US" smtClean="0"/>
+              <a:rPr lang="en-US"/>
               <a:t>Second level</a:t>
             </a:r>
           </a:p>
           <a:p>
             <a:pPr lvl="2"/>
             <a:r>
-              <a:rPr lang="en-US" smtClean="0"/>
+              <a:rPr lang="en-US"/>
               <a:t>Third level</a:t>
             </a:r>
           </a:p>
           <a:p>
             <a:pPr lvl="3"/>
             <a:r>
-              <a:rPr lang="en-US" smtClean="0"/>
+              <a:rPr lang="en-US"/>
               <a:t>Fourth level</a:t>
             </a:r>
           </a:p>
           <a:p>
             <a:pPr lvl="4"/>
             <a:r>
-              <a:rPr lang="en-US" smtClean="0"/>
+              <a:rPr lang="en-US"/>
               <a:t>Fifth level</a:t>
             </a:r>
             <a:endParaRPr lang="en-US" dirty="0"/>
@@ -607,7 +608,7 @@
           <a:p>
             <a:fld id="{59527988-A51A-4AB1-B7F9-3124AAF4C4FA}" type="datetimeFigureOut">
               <a:rPr lang="en-GB" smtClean="0"/>
-              <a:t>19/03/2019</a:t>
+              <a:t>18/07/2019</a:t>
             </a:fld>
             <a:endParaRPr lang="en-GB"/>
           </a:p>
@@ -701,7 +702,7 @@
           <a:lstStyle/>
           <a:p>
             <a:r>
-              <a:rPr lang="en-US" smtClean="0"/>
+              <a:rPr lang="en-US"/>
               <a:t>Click to edit Master title style</a:t>
             </a:r>
             <a:endParaRPr lang="en-US" dirty="0"/>
@@ -725,35 +726,35 @@
           <a:p>
             <a:pPr lvl="0"/>
             <a:r>
-              <a:rPr lang="en-US" smtClean="0"/>
+              <a:rPr lang="en-US"/>
               <a:t>Edit Master text styles</a:t>
             </a:r>
           </a:p>
           <a:p>
             <a:pPr lvl="1"/>
             <a:r>
-              <a:rPr lang="en-US" smtClean="0"/>
+              <a:rPr lang="en-US"/>
               <a:t>Second level</a:t>
             </a:r>
           </a:p>
           <a:p>
             <a:pPr lvl="2"/>
             <a:r>
-              <a:rPr lang="en-US" smtClean="0"/>
+              <a:rPr lang="en-US"/>
               <a:t>Third level</a:t>
             </a:r>
           </a:p>
           <a:p>
             <a:pPr lvl="3"/>
             <a:r>
-              <a:rPr lang="en-US" smtClean="0"/>
+              <a:rPr lang="en-US"/>
               <a:t>Fourth level</a:t>
             </a:r>
           </a:p>
           <a:p>
             <a:pPr lvl="4"/>
             <a:r>
-              <a:rPr lang="en-US" smtClean="0"/>
+              <a:rPr lang="en-US"/>
               <a:t>Fifth level</a:t>
             </a:r>
             <a:endParaRPr lang="en-US" dirty="0"/>
@@ -777,7 +778,7 @@
           <a:p>
             <a:fld id="{59527988-A51A-4AB1-B7F9-3124AAF4C4FA}" type="datetimeFigureOut">
               <a:rPr lang="en-GB" smtClean="0"/>
-              <a:t>19/03/2019</a:t>
+              <a:t>18/07/2019</a:t>
             </a:fld>
             <a:endParaRPr lang="en-GB"/>
           </a:p>
@@ -880,7 +881,7 @@
           </a:lstStyle>
           <a:p>
             <a:r>
-              <a:rPr lang="en-US" smtClean="0"/>
+              <a:rPr lang="en-US"/>
               <a:t>Click to edit Master title style</a:t>
             </a:r>
             <a:endParaRPr lang="en-US" dirty="0"/>
@@ -998,7 +999,7 @@
           <a:p>
             <a:pPr lvl="0"/>
             <a:r>
-              <a:rPr lang="en-US" smtClean="0"/>
+              <a:rPr lang="en-US"/>
               <a:t>Edit Master text styles</a:t>
             </a:r>
           </a:p>
@@ -1021,7 +1022,7 @@
           <a:p>
             <a:fld id="{59527988-A51A-4AB1-B7F9-3124AAF4C4FA}" type="datetimeFigureOut">
               <a:rPr lang="en-GB" smtClean="0"/>
-              <a:t>19/03/2019</a:t>
+              <a:t>18/07/2019</a:t>
             </a:fld>
             <a:endParaRPr lang="en-GB"/>
           </a:p>
@@ -1115,7 +1116,7 @@
           <a:lstStyle/>
           <a:p>
             <a:r>
-              <a:rPr lang="en-US" smtClean="0"/>
+              <a:rPr lang="en-US"/>
               <a:t>Click to edit Master title style</a:t>
             </a:r>
             <a:endParaRPr lang="en-US" dirty="0"/>
@@ -1144,35 +1145,35 @@
           <a:p>
             <a:pPr lvl="0"/>
             <a:r>
-              <a:rPr lang="en-US" smtClean="0"/>
+              <a:rPr lang="en-US"/>
               <a:t>Edit Master text styles</a:t>
             </a:r>
           </a:p>
           <a:p>
             <a:pPr lvl="1"/>
             <a:r>
-              <a:rPr lang="en-US" smtClean="0"/>
+              <a:rPr lang="en-US"/>
               <a:t>Second level</a:t>
             </a:r>
           </a:p>
           <a:p>
             <a:pPr lvl="2"/>
             <a:r>
-              <a:rPr lang="en-US" smtClean="0"/>
+              <a:rPr lang="en-US"/>
               <a:t>Third level</a:t>
             </a:r>
           </a:p>
           <a:p>
             <a:pPr lvl="3"/>
             <a:r>
-              <a:rPr lang="en-US" smtClean="0"/>
+              <a:rPr lang="en-US"/>
               <a:t>Fourth level</a:t>
             </a:r>
           </a:p>
           <a:p>
             <a:pPr lvl="4"/>
             <a:r>
-              <a:rPr lang="en-US" smtClean="0"/>
+              <a:rPr lang="en-US"/>
               <a:t>Fifth level</a:t>
             </a:r>
             <a:endParaRPr lang="en-US" dirty="0"/>
@@ -1201,35 +1202,35 @@
           <a:p>
             <a:pPr lvl="0"/>
             <a:r>
-              <a:rPr lang="en-US" smtClean="0"/>
+              <a:rPr lang="en-US"/>
               <a:t>Edit Master text styles</a:t>
             </a:r>
           </a:p>
           <a:p>
             <a:pPr lvl="1"/>
             <a:r>
-              <a:rPr lang="en-US" smtClean="0"/>
+              <a:rPr lang="en-US"/>
               <a:t>Second level</a:t>
             </a:r>
           </a:p>
           <a:p>
             <a:pPr lvl="2"/>
             <a:r>
-              <a:rPr lang="en-US" smtClean="0"/>
+              <a:rPr lang="en-US"/>
               <a:t>Third level</a:t>
             </a:r>
           </a:p>
           <a:p>
             <a:pPr lvl="3"/>
             <a:r>
-              <a:rPr lang="en-US" smtClean="0"/>
+              <a:rPr lang="en-US"/>
               <a:t>Fourth level</a:t>
             </a:r>
           </a:p>
           <a:p>
             <a:pPr lvl="4"/>
             <a:r>
-              <a:rPr lang="en-US" smtClean="0"/>
+              <a:rPr lang="en-US"/>
               <a:t>Fifth level</a:t>
             </a:r>
             <a:endParaRPr lang="en-US" dirty="0"/>
@@ -1253,7 +1254,7 @@
           <a:p>
             <a:fld id="{59527988-A51A-4AB1-B7F9-3124AAF4C4FA}" type="datetimeFigureOut">
               <a:rPr lang="en-GB" smtClean="0"/>
-              <a:t>19/03/2019</a:t>
+              <a:t>18/07/2019</a:t>
             </a:fld>
             <a:endParaRPr lang="en-GB"/>
           </a:p>
@@ -1352,7 +1353,7 @@
           <a:lstStyle/>
           <a:p>
             <a:r>
-              <a:rPr lang="en-US" smtClean="0"/>
+              <a:rPr lang="en-US"/>
               <a:t>Click to edit Master title style</a:t>
             </a:r>
             <a:endParaRPr lang="en-US" dirty="0"/>
@@ -1418,7 +1419,7 @@
           <a:p>
             <a:pPr lvl="0"/>
             <a:r>
-              <a:rPr lang="en-US" smtClean="0"/>
+              <a:rPr lang="en-US"/>
               <a:t>Edit Master text styles</a:t>
             </a:r>
           </a:p>
@@ -1446,35 +1447,35 @@
           <a:p>
             <a:pPr lvl="0"/>
             <a:r>
-              <a:rPr lang="en-US" smtClean="0"/>
+              <a:rPr lang="en-US"/>
               <a:t>Edit Master text styles</a:t>
             </a:r>
           </a:p>
           <a:p>
             <a:pPr lvl="1"/>
             <a:r>
-              <a:rPr lang="en-US" smtClean="0"/>
+              <a:rPr lang="en-US"/>
               <a:t>Second level</a:t>
             </a:r>
           </a:p>
           <a:p>
             <a:pPr lvl="2"/>
             <a:r>
-              <a:rPr lang="en-US" smtClean="0"/>
+              <a:rPr lang="en-US"/>
               <a:t>Third level</a:t>
             </a:r>
           </a:p>
           <a:p>
             <a:pPr lvl="3"/>
             <a:r>
-              <a:rPr lang="en-US" smtClean="0"/>
+              <a:rPr lang="en-US"/>
               <a:t>Fourth level</a:t>
             </a:r>
           </a:p>
           <a:p>
             <a:pPr lvl="4"/>
             <a:r>
-              <a:rPr lang="en-US" smtClean="0"/>
+              <a:rPr lang="en-US"/>
               <a:t>Fifth level</a:t>
             </a:r>
             <a:endParaRPr lang="en-US" dirty="0"/>
@@ -1540,7 +1541,7 @@
           <a:p>
             <a:pPr lvl="0"/>
             <a:r>
-              <a:rPr lang="en-US" smtClean="0"/>
+              <a:rPr lang="en-US"/>
               <a:t>Edit Master text styles</a:t>
             </a:r>
           </a:p>
@@ -1568,35 +1569,35 @@
           <a:p>
             <a:pPr lvl="0"/>
             <a:r>
-              <a:rPr lang="en-US" smtClean="0"/>
+              <a:rPr lang="en-US"/>
               <a:t>Edit Master text styles</a:t>
             </a:r>
           </a:p>
           <a:p>
             <a:pPr lvl="1"/>
             <a:r>
-              <a:rPr lang="en-US" smtClean="0"/>
+              <a:rPr lang="en-US"/>
               <a:t>Second level</a:t>
             </a:r>
           </a:p>
           <a:p>
             <a:pPr lvl="2"/>
             <a:r>
-              <a:rPr lang="en-US" smtClean="0"/>
+              <a:rPr lang="en-US"/>
               <a:t>Third level</a:t>
             </a:r>
           </a:p>
           <a:p>
             <a:pPr lvl="3"/>
             <a:r>
-              <a:rPr lang="en-US" smtClean="0"/>
+              <a:rPr lang="en-US"/>
               <a:t>Fourth level</a:t>
             </a:r>
           </a:p>
           <a:p>
             <a:pPr lvl="4"/>
             <a:r>
-              <a:rPr lang="en-US" smtClean="0"/>
+              <a:rPr lang="en-US"/>
               <a:t>Fifth level</a:t>
             </a:r>
             <a:endParaRPr lang="en-US" dirty="0"/>
@@ -1620,7 +1621,7 @@
           <a:p>
             <a:fld id="{59527988-A51A-4AB1-B7F9-3124AAF4C4FA}" type="datetimeFigureOut">
               <a:rPr lang="en-GB" smtClean="0"/>
-              <a:t>19/03/2019</a:t>
+              <a:t>18/07/2019</a:t>
             </a:fld>
             <a:endParaRPr lang="en-GB"/>
           </a:p>
@@ -1714,7 +1715,7 @@
           <a:lstStyle/>
           <a:p>
             <a:r>
-              <a:rPr lang="en-US" smtClean="0"/>
+              <a:rPr lang="en-US"/>
               <a:t>Click to edit Master title style</a:t>
             </a:r>
             <a:endParaRPr lang="en-US" dirty="0"/>
@@ -1738,7 +1739,7 @@
           <a:p>
             <a:fld id="{59527988-A51A-4AB1-B7F9-3124AAF4C4FA}" type="datetimeFigureOut">
               <a:rPr lang="en-GB" smtClean="0"/>
-              <a:t>19/03/2019</a:t>
+              <a:t>18/07/2019</a:t>
             </a:fld>
             <a:endParaRPr lang="en-GB"/>
           </a:p>
@@ -1833,7 +1834,7 @@
           <a:p>
             <a:fld id="{59527988-A51A-4AB1-B7F9-3124AAF4C4FA}" type="datetimeFigureOut">
               <a:rPr lang="en-GB" smtClean="0"/>
-              <a:t>19/03/2019</a:t>
+              <a:t>18/07/2019</a:t>
             </a:fld>
             <a:endParaRPr lang="en-GB"/>
           </a:p>
@@ -1936,7 +1937,7 @@
           </a:lstStyle>
           <a:p>
             <a:r>
-              <a:rPr lang="en-US" smtClean="0"/>
+              <a:rPr lang="en-US"/>
               <a:t>Click to edit Master title style</a:t>
             </a:r>
             <a:endParaRPr lang="en-US" dirty="0"/>
@@ -1993,35 +1994,35 @@
           <a:p>
             <a:pPr lvl="0"/>
             <a:r>
-              <a:rPr lang="en-US" smtClean="0"/>
+              <a:rPr lang="en-US"/>
               <a:t>Edit Master text styles</a:t>
             </a:r>
           </a:p>
           <a:p>
             <a:pPr lvl="1"/>
             <a:r>
-              <a:rPr lang="en-US" smtClean="0"/>
+              <a:rPr lang="en-US"/>
               <a:t>Second level</a:t>
             </a:r>
           </a:p>
           <a:p>
             <a:pPr lvl="2"/>
             <a:r>
-              <a:rPr lang="en-US" smtClean="0"/>
+              <a:rPr lang="en-US"/>
               <a:t>Third level</a:t>
             </a:r>
           </a:p>
           <a:p>
             <a:pPr lvl="3"/>
             <a:r>
-              <a:rPr lang="en-US" smtClean="0"/>
+              <a:rPr lang="en-US"/>
               <a:t>Fourth level</a:t>
             </a:r>
           </a:p>
           <a:p>
             <a:pPr lvl="4"/>
             <a:r>
-              <a:rPr lang="en-US" smtClean="0"/>
+              <a:rPr lang="en-US"/>
               <a:t>Fifth level</a:t>
             </a:r>
             <a:endParaRPr lang="en-US" dirty="0"/>
@@ -2087,7 +2088,7 @@
           <a:p>
             <a:pPr lvl="0"/>
             <a:r>
-              <a:rPr lang="en-US" smtClean="0"/>
+              <a:rPr lang="en-US"/>
               <a:t>Edit Master text styles</a:t>
             </a:r>
           </a:p>
@@ -2110,7 +2111,7 @@
           <a:p>
             <a:fld id="{59527988-A51A-4AB1-B7F9-3124AAF4C4FA}" type="datetimeFigureOut">
               <a:rPr lang="en-GB" smtClean="0"/>
-              <a:t>19/03/2019</a:t>
+              <a:t>18/07/2019</a:t>
             </a:fld>
             <a:endParaRPr lang="en-GB"/>
           </a:p>
@@ -2213,7 +2214,7 @@
           </a:lstStyle>
           <a:p>
             <a:r>
-              <a:rPr lang="en-US" smtClean="0"/>
+              <a:rPr lang="en-US"/>
               <a:t>Click to edit Master title style</a:t>
             </a:r>
             <a:endParaRPr lang="en-US" dirty="0"/>
@@ -2278,7 +2279,7 @@
           </a:lstStyle>
           <a:p>
             <a:r>
-              <a:rPr lang="en-US" smtClean="0"/>
+              <a:rPr lang="en-US"/>
               <a:t>Click icon to add picture</a:t>
             </a:r>
             <a:endParaRPr lang="en-US" dirty="0"/>
@@ -2344,7 +2345,7 @@
           <a:p>
             <a:pPr lvl="0"/>
             <a:r>
-              <a:rPr lang="en-US" smtClean="0"/>
+              <a:rPr lang="en-US"/>
               <a:t>Edit Master text styles</a:t>
             </a:r>
           </a:p>
@@ -2367,7 +2368,7 @@
           <a:p>
             <a:fld id="{59527988-A51A-4AB1-B7F9-3124AAF4C4FA}" type="datetimeFigureOut">
               <a:rPr lang="en-GB" smtClean="0"/>
-              <a:t>19/03/2019</a:t>
+              <a:t>18/07/2019</a:t>
             </a:fld>
             <a:endParaRPr lang="en-GB"/>
           </a:p>
@@ -2476,7 +2477,7 @@
           <a:lstStyle/>
           <a:p>
             <a:r>
-              <a:rPr lang="en-US" smtClean="0"/>
+              <a:rPr lang="en-US"/>
               <a:t>Click to edit Master title style</a:t>
             </a:r>
             <a:endParaRPr lang="en-US" dirty="0"/>
@@ -2510,35 +2511,35 @@
           <a:p>
             <a:pPr lvl="0"/>
             <a:r>
-              <a:rPr lang="en-US" smtClean="0"/>
+              <a:rPr lang="en-US"/>
               <a:t>Edit Master text styles</a:t>
             </a:r>
           </a:p>
           <a:p>
             <a:pPr lvl="1"/>
             <a:r>
-              <a:rPr lang="en-US" smtClean="0"/>
+              <a:rPr lang="en-US"/>
               <a:t>Second level</a:t>
             </a:r>
           </a:p>
           <a:p>
             <a:pPr lvl="2"/>
             <a:r>
-              <a:rPr lang="en-US" smtClean="0"/>
+              <a:rPr lang="en-US"/>
               <a:t>Third level</a:t>
             </a:r>
           </a:p>
           <a:p>
             <a:pPr lvl="3"/>
             <a:r>
-              <a:rPr lang="en-US" smtClean="0"/>
+              <a:rPr lang="en-US"/>
               <a:t>Fourth level</a:t>
             </a:r>
           </a:p>
           <a:p>
             <a:pPr lvl="4"/>
             <a:r>
-              <a:rPr lang="en-US" smtClean="0"/>
+              <a:rPr lang="en-US"/>
               <a:t>Fifth level</a:t>
             </a:r>
             <a:endParaRPr lang="en-US" dirty="0"/>
@@ -2580,7 +2581,7 @@
           <a:p>
             <a:fld id="{59527988-A51A-4AB1-B7F9-3124AAF4C4FA}" type="datetimeFigureOut">
               <a:rPr lang="en-GB" smtClean="0"/>
-              <a:t>19/03/2019</a:t>
+              <a:t>18/07/2019</a:t>
             </a:fld>
             <a:endParaRPr lang="en-GB"/>
           </a:p>
@@ -9508,7 +9509,7 @@
                     <a:p>
                       <a:pPr algn="r"/>
                       <a:r>
-                        <a:rPr lang="en-GB" sz="1500" smtClean="0"/>
+                        <a:rPr lang="en-GB" sz="1500"/>
                         <a:t>7</a:t>
                       </a:r>
                       <a:endParaRPr lang="en-GB" sz="1500" dirty="0"/>
@@ -9563,7 +9564,7 @@
                     <a:p>
                       <a:pPr algn="r"/>
                       <a:r>
-                        <a:rPr lang="en-GB" sz="1500" smtClean="0"/>
+                        <a:rPr lang="en-GB" sz="1500"/>
                         <a:t>14</a:t>
                       </a:r>
                       <a:endParaRPr lang="en-GB" sz="1500" dirty="0"/>
@@ -9618,7 +9619,7 @@
                     <a:p>
                       <a:pPr algn="r"/>
                       <a:r>
-                        <a:rPr lang="en-GB" sz="1500" smtClean="0"/>
+                        <a:rPr lang="en-GB" sz="1500"/>
                         <a:t>21</a:t>
                       </a:r>
                       <a:endParaRPr lang="en-GB" sz="1500" dirty="0"/>
@@ -9673,7 +9674,7 @@
                     <a:p>
                       <a:pPr algn="r"/>
                       <a:r>
-                        <a:rPr lang="en-GB" sz="1500" smtClean="0"/>
+                        <a:rPr lang="en-GB" sz="1500"/>
                         <a:t>28</a:t>
                       </a:r>
                       <a:endParaRPr lang="en-GB" sz="1500" dirty="0"/>
@@ -9728,7 +9729,7 @@
                     <a:p>
                       <a:pPr algn="r"/>
                       <a:r>
-                        <a:rPr lang="en-GB" sz="1500" smtClean="0"/>
+                        <a:rPr lang="en-GB" sz="1500"/>
                         <a:t>35</a:t>
                       </a:r>
                       <a:endParaRPr lang="en-GB" sz="1500" dirty="0"/>
@@ -9783,7 +9784,7 @@
                     <a:p>
                       <a:pPr algn="r"/>
                       <a:r>
-                        <a:rPr lang="en-GB" sz="1500" smtClean="0"/>
+                        <a:rPr lang="en-GB" sz="1500"/>
                         <a:t>42</a:t>
                       </a:r>
                       <a:endParaRPr lang="en-GB" sz="1500" dirty="0"/>
@@ -9838,7 +9839,7 @@
                     <a:p>
                       <a:pPr algn="r"/>
                       <a:r>
-                        <a:rPr lang="en-GB" sz="1500" smtClean="0"/>
+                        <a:rPr lang="en-GB" sz="1500"/>
                         <a:t>49</a:t>
                       </a:r>
                       <a:endParaRPr lang="en-GB" sz="1500" dirty="0"/>
@@ -9893,7 +9894,7 @@
                     <a:p>
                       <a:pPr algn="r"/>
                       <a:r>
-                        <a:rPr lang="en-GB" sz="1500" smtClean="0"/>
+                        <a:rPr lang="en-GB" sz="1500"/>
                         <a:t>56</a:t>
                       </a:r>
                       <a:endParaRPr lang="en-GB" sz="1500" dirty="0"/>
@@ -9948,7 +9949,7 @@
                     <a:p>
                       <a:pPr algn="r"/>
                       <a:r>
-                        <a:rPr lang="en-GB" sz="1500" smtClean="0"/>
+                        <a:rPr lang="en-GB" sz="1500"/>
                         <a:t>63</a:t>
                       </a:r>
                       <a:endParaRPr lang="en-GB" sz="1500" dirty="0"/>
@@ -10003,7 +10004,7 @@
                     <a:p>
                       <a:pPr algn="r"/>
                       <a:r>
-                        <a:rPr lang="en-GB" sz="1500" smtClean="0"/>
+                        <a:rPr lang="en-GB" sz="1500"/>
                         <a:t>70</a:t>
                       </a:r>
                       <a:endParaRPr lang="en-GB" sz="1500" dirty="0"/>
@@ -10058,7 +10059,7 @@
                     <a:p>
                       <a:pPr algn="r"/>
                       <a:r>
-                        <a:rPr lang="en-GB" sz="1500" smtClean="0"/>
+                        <a:rPr lang="en-GB" sz="1500"/>
                         <a:t>77</a:t>
                       </a:r>
                       <a:endParaRPr lang="en-GB" sz="1500" dirty="0"/>
@@ -10113,7 +10114,7 @@
                     <a:p>
                       <a:pPr algn="r"/>
                       <a:r>
-                        <a:rPr lang="en-GB" sz="1500" smtClean="0"/>
+                        <a:rPr lang="en-GB" sz="1500"/>
                         <a:t>84</a:t>
                       </a:r>
                       <a:endParaRPr lang="en-GB" sz="1500" dirty="0"/>
@@ -10168,7 +10169,7 @@
                     <a:p>
                       <a:pPr algn="r"/>
                       <a:r>
-                        <a:rPr lang="en-GB" sz="1500" smtClean="0"/>
+                        <a:rPr lang="en-GB" sz="1500"/>
                         <a:t>91</a:t>
                       </a:r>
                       <a:endParaRPr lang="en-GB" sz="1500" dirty="0"/>
@@ -10223,10 +10224,9 @@
                     <a:p>
                       <a:pPr algn="r"/>
                       <a:r>
-                        <a:rPr lang="en-GB" sz="1500" dirty="0" smtClean="0"/>
+                        <a:rPr lang="en-GB" sz="1500" dirty="0"/>
                         <a:t>98</a:t>
                       </a:r>
-                      <a:endParaRPr lang="en-GB" sz="1500" dirty="0"/>
                     </a:p>
                   </a:txBody>
                   <a:tcPr marL="78287" marR="78287" marT="39144" marB="39144" anchor="b">
@@ -10278,10 +10278,9 @@
                     <a:p>
                       <a:pPr algn="r"/>
                       <a:r>
-                        <a:rPr lang="en-GB" sz="1500" dirty="0" smtClean="0"/>
+                        <a:rPr lang="en-GB" sz="1500" dirty="0"/>
                         <a:t>105</a:t>
                       </a:r>
-                      <a:endParaRPr lang="en-GB" sz="1500" dirty="0"/>
                     </a:p>
                   </a:txBody>
                   <a:tcPr marL="78287" marR="78287" marT="39144" marB="39144" anchor="b">
@@ -10333,10 +10332,9 @@
                     <a:p>
                       <a:pPr algn="r"/>
                       <a:r>
-                        <a:rPr lang="en-GB" sz="1500" dirty="0" smtClean="0"/>
+                        <a:rPr lang="en-GB" sz="1500" dirty="0"/>
                         <a:t>112</a:t>
                       </a:r>
-                      <a:endParaRPr lang="en-GB" sz="1500" dirty="0"/>
                     </a:p>
                   </a:txBody>
                   <a:tcPr marL="78287" marR="78287" marT="39144" marB="39144" anchor="b">
@@ -10388,10 +10386,9 @@
                     <a:p>
                       <a:pPr algn="r"/>
                       <a:r>
-                        <a:rPr lang="en-GB" sz="1500" dirty="0" smtClean="0"/>
+                        <a:rPr lang="en-GB" sz="1500" dirty="0"/>
                         <a:t>119</a:t>
                       </a:r>
-                      <a:endParaRPr lang="en-GB" sz="1500" dirty="0"/>
                     </a:p>
                   </a:txBody>
                   <a:tcPr marL="78287" marR="78287" marT="39144" marB="39144" anchor="b">
@@ -10443,10 +10440,9 @@
                     <a:p>
                       <a:pPr algn="r"/>
                       <a:r>
-                        <a:rPr lang="en-GB" sz="1500" dirty="0" smtClean="0"/>
+                        <a:rPr lang="en-GB" sz="1500" dirty="0"/>
                         <a:t>126</a:t>
                       </a:r>
-                      <a:endParaRPr lang="en-GB" sz="1500" dirty="0"/>
                     </a:p>
                   </a:txBody>
                   <a:tcPr marL="78287" marR="78287" marT="39144" marB="39144" anchor="b">
@@ -10498,10 +10494,9 @@
                     <a:p>
                       <a:pPr algn="r"/>
                       <a:r>
-                        <a:rPr lang="en-GB" sz="1500" dirty="0" smtClean="0"/>
+                        <a:rPr lang="en-GB" sz="1500" dirty="0"/>
                         <a:t>133</a:t>
                       </a:r>
-                      <a:endParaRPr lang="en-GB" sz="1500" dirty="0"/>
                     </a:p>
                   </a:txBody>
                   <a:tcPr marL="78287" marR="78287" marT="39144" marB="39144" anchor="b">
@@ -10553,10 +10548,9 @@
                     <a:p>
                       <a:pPr algn="r"/>
                       <a:r>
-                        <a:rPr lang="en-GB" sz="1500" dirty="0" smtClean="0"/>
+                        <a:rPr lang="en-GB" sz="1500" dirty="0"/>
                         <a:t>140</a:t>
                       </a:r>
-                      <a:endParaRPr lang="en-GB" sz="1500" dirty="0"/>
                     </a:p>
                   </a:txBody>
                   <a:tcPr marL="78287" marR="78287" marT="39144" marB="39144" anchor="b">
@@ -10608,10 +10602,9 @@
                     <a:p>
                       <a:pPr algn="r"/>
                       <a:r>
-                        <a:rPr lang="en-GB" sz="1500" dirty="0" smtClean="0"/>
+                        <a:rPr lang="en-GB" sz="1500" dirty="0"/>
                         <a:t>147</a:t>
                       </a:r>
-                      <a:endParaRPr lang="en-GB" sz="1500" dirty="0"/>
                     </a:p>
                   </a:txBody>
                   <a:tcPr marL="78287" marR="78287" marT="39144" marB="39144" anchor="b">
@@ -10689,10 +10682,9 @@
           <a:lstStyle/>
           <a:p>
             <a:r>
-              <a:rPr lang="en-GB" sz="2400" dirty="0" smtClean="0"/>
+              <a:rPr lang="en-GB" sz="2400" dirty="0"/>
               <a:t>Human wins per set ⬇️</a:t>
             </a:r>
-            <a:endParaRPr lang="en-GB" sz="2400" dirty="0"/>
           </a:p>
         </p:txBody>
       </p:sp>
@@ -14822,10 +14814,9 @@
                     <a:p>
                       <a:pPr algn="r"/>
                       <a:r>
-                        <a:rPr lang="en-GB" sz="1500" dirty="0" smtClean="0"/>
+                        <a:rPr lang="en-GB" sz="1500" dirty="0"/>
                         <a:t>7</a:t>
                       </a:r>
-                      <a:endParaRPr lang="en-GB" sz="1500" dirty="0"/>
                     </a:p>
                   </a:txBody>
                   <a:tcPr marL="78287" marR="78287" marT="39144" marB="39144" anchor="b">
@@ -14877,10 +14868,9 @@
                     <a:p>
                       <a:pPr algn="r"/>
                       <a:r>
-                        <a:rPr lang="en-GB" sz="1500" dirty="0" smtClean="0"/>
+                        <a:rPr lang="en-GB" sz="1500" dirty="0"/>
                         <a:t>14</a:t>
                       </a:r>
-                      <a:endParaRPr lang="en-GB" sz="1500" dirty="0"/>
                     </a:p>
                   </a:txBody>
                   <a:tcPr marL="78287" marR="78287" marT="39144" marB="39144" anchor="b">
@@ -14932,7 +14922,7 @@
                     <a:p>
                       <a:pPr algn="r"/>
                       <a:r>
-                        <a:rPr lang="en-GB" sz="1500" smtClean="0"/>
+                        <a:rPr lang="en-GB" sz="1500"/>
                         <a:t>21</a:t>
                       </a:r>
                       <a:endParaRPr lang="en-GB" sz="1500" dirty="0"/>
@@ -14987,7 +14977,7 @@
                     <a:p>
                       <a:pPr algn="r"/>
                       <a:r>
-                        <a:rPr lang="en-GB" sz="1500" smtClean="0"/>
+                        <a:rPr lang="en-GB" sz="1500"/>
                         <a:t>28</a:t>
                       </a:r>
                       <a:endParaRPr lang="en-GB" sz="1500" dirty="0"/>
@@ -15042,7 +15032,7 @@
                     <a:p>
                       <a:pPr algn="r"/>
                       <a:r>
-                        <a:rPr lang="en-GB" sz="1500" smtClean="0"/>
+                        <a:rPr lang="en-GB" sz="1500"/>
                         <a:t>35</a:t>
                       </a:r>
                       <a:endParaRPr lang="en-GB" sz="1500" dirty="0"/>
@@ -15097,7 +15087,7 @@
                     <a:p>
                       <a:pPr algn="r"/>
                       <a:r>
-                        <a:rPr lang="en-GB" sz="1500" smtClean="0"/>
+                        <a:rPr lang="en-GB" sz="1500"/>
                         <a:t>42</a:t>
                       </a:r>
                       <a:endParaRPr lang="en-GB" sz="1500" dirty="0"/>
@@ -15152,7 +15142,7 @@
                     <a:p>
                       <a:pPr algn="r"/>
                       <a:r>
-                        <a:rPr lang="en-GB" sz="1500" smtClean="0"/>
+                        <a:rPr lang="en-GB" sz="1500"/>
                         <a:t>49</a:t>
                       </a:r>
                       <a:endParaRPr lang="en-GB" sz="1500" dirty="0"/>
@@ -15207,7 +15197,7 @@
                     <a:p>
                       <a:pPr algn="r"/>
                       <a:r>
-                        <a:rPr lang="en-GB" sz="1500" smtClean="0"/>
+                        <a:rPr lang="en-GB" sz="1500"/>
                         <a:t>56</a:t>
                       </a:r>
                       <a:endParaRPr lang="en-GB" sz="1500" dirty="0"/>
@@ -15262,7 +15252,7 @@
                     <a:p>
                       <a:pPr algn="r"/>
                       <a:r>
-                        <a:rPr lang="en-GB" sz="1500" smtClean="0"/>
+                        <a:rPr lang="en-GB" sz="1500"/>
                         <a:t>63</a:t>
                       </a:r>
                       <a:endParaRPr lang="en-GB" sz="1500" dirty="0"/>
@@ -15317,7 +15307,7 @@
                     <a:p>
                       <a:pPr algn="r"/>
                       <a:r>
-                        <a:rPr lang="en-GB" sz="1500" smtClean="0"/>
+                        <a:rPr lang="en-GB" sz="1500"/>
                         <a:t>70</a:t>
                       </a:r>
                       <a:endParaRPr lang="en-GB" sz="1500" dirty="0"/>
@@ -15372,10 +15362,9 @@
                     <a:p>
                       <a:pPr algn="r"/>
                       <a:r>
-                        <a:rPr lang="en-GB" sz="1500" dirty="0" smtClean="0"/>
+                        <a:rPr lang="en-GB" sz="1500" dirty="0"/>
                         <a:t>77</a:t>
                       </a:r>
-                      <a:endParaRPr lang="en-GB" sz="1500" dirty="0"/>
                     </a:p>
                   </a:txBody>
                   <a:tcPr marL="78287" marR="78287" marT="39144" marB="39144" anchor="b">
@@ -15427,10 +15416,9 @@
                     <a:p>
                       <a:pPr algn="r"/>
                       <a:r>
-                        <a:rPr lang="en-GB" sz="1500" dirty="0" smtClean="0"/>
+                        <a:rPr lang="en-GB" sz="1500" dirty="0"/>
                         <a:t>84</a:t>
                       </a:r>
-                      <a:endParaRPr lang="en-GB" sz="1500" dirty="0"/>
                     </a:p>
                   </a:txBody>
                   <a:tcPr marL="78287" marR="78287" marT="39144" marB="39144" anchor="b">
@@ -15482,10 +15470,9 @@
                     <a:p>
                       <a:pPr algn="r"/>
                       <a:r>
-                        <a:rPr lang="en-GB" sz="1500" dirty="0" smtClean="0"/>
+                        <a:rPr lang="en-GB" sz="1500" dirty="0"/>
                         <a:t>91</a:t>
                       </a:r>
-                      <a:endParaRPr lang="en-GB" sz="1500" dirty="0"/>
                     </a:p>
                   </a:txBody>
                   <a:tcPr marL="78287" marR="78287" marT="39144" marB="39144" anchor="b">
@@ -15563,10 +15550,9 @@
           <a:lstStyle/>
           <a:p>
             <a:r>
-              <a:rPr lang="en-GB" sz="2400" dirty="0" smtClean="0"/>
+              <a:rPr lang="en-GB" sz="2400" dirty="0"/>
               <a:t>Human wins per set ⬇️</a:t>
             </a:r>
-            <a:endParaRPr lang="en-GB" sz="2400" dirty="0"/>
           </a:p>
         </p:txBody>
       </p:sp>
@@ -15622,7 +15608,7 @@
           <a:lstStyle/>
           <a:p>
             <a:r>
-              <a:rPr lang="en-GB" sz="3200" dirty="0" smtClean="0"/>
+              <a:rPr lang="en-GB" sz="3200" dirty="0"/>
               <a:t>Bringing Research to Life Roadshow:  March-May 2018</a:t>
             </a:r>
           </a:p>
@@ -22181,10 +22167,9 @@
                     <a:p>
                       <a:pPr algn="r"/>
                       <a:r>
-                        <a:rPr lang="en-GB" sz="1500" dirty="0" smtClean="0"/>
+                        <a:rPr lang="en-GB" sz="1500" dirty="0"/>
                         <a:t>7</a:t>
                       </a:r>
-                      <a:endParaRPr lang="en-GB" sz="1500" dirty="0"/>
                     </a:p>
                   </a:txBody>
                   <a:tcPr marL="78287" marR="78287" marT="39144" marB="39144" anchor="b">
@@ -22236,10 +22221,9 @@
                     <a:p>
                       <a:pPr algn="r"/>
                       <a:r>
-                        <a:rPr lang="en-GB" sz="1500" dirty="0" smtClean="0"/>
+                        <a:rPr lang="en-GB" sz="1500" dirty="0"/>
                         <a:t>14</a:t>
                       </a:r>
-                      <a:endParaRPr lang="en-GB" sz="1500" dirty="0"/>
                     </a:p>
                   </a:txBody>
                   <a:tcPr marL="78287" marR="78287" marT="39144" marB="39144" anchor="b">
@@ -22291,10 +22275,9 @@
                     <a:p>
                       <a:pPr algn="r"/>
                       <a:r>
-                        <a:rPr lang="en-GB" sz="1500" dirty="0" smtClean="0"/>
+                        <a:rPr lang="en-GB" sz="1500" dirty="0"/>
                         <a:t>21</a:t>
                       </a:r>
-                      <a:endParaRPr lang="en-GB" sz="1500" dirty="0"/>
                     </a:p>
                   </a:txBody>
                   <a:tcPr marL="78287" marR="78287" marT="39144" marB="39144" anchor="b">
@@ -22346,10 +22329,9 @@
                     <a:p>
                       <a:pPr algn="r"/>
                       <a:r>
-                        <a:rPr lang="en-GB" sz="1500" dirty="0" smtClean="0"/>
+                        <a:rPr lang="en-GB" sz="1500" dirty="0"/>
                         <a:t>28</a:t>
                       </a:r>
-                      <a:endParaRPr lang="en-GB" sz="1500" dirty="0"/>
                     </a:p>
                   </a:txBody>
                   <a:tcPr marL="78287" marR="78287" marT="39144" marB="39144" anchor="b">
@@ -22401,10 +22383,9 @@
                     <a:p>
                       <a:pPr algn="r"/>
                       <a:r>
-                        <a:rPr lang="en-GB" sz="1500" dirty="0" smtClean="0"/>
+                        <a:rPr lang="en-GB" sz="1500" dirty="0"/>
                         <a:t>35</a:t>
                       </a:r>
-                      <a:endParaRPr lang="en-GB" sz="1500" dirty="0"/>
                     </a:p>
                   </a:txBody>
                   <a:tcPr marL="78287" marR="78287" marT="39144" marB="39144" anchor="b">
@@ -22456,10 +22437,9 @@
                     <a:p>
                       <a:pPr algn="r"/>
                       <a:r>
-                        <a:rPr lang="en-GB" sz="1500" dirty="0" smtClean="0"/>
+                        <a:rPr lang="en-GB" sz="1500" dirty="0"/>
                         <a:t>42</a:t>
                       </a:r>
-                      <a:endParaRPr lang="en-GB" sz="1500" dirty="0"/>
                     </a:p>
                   </a:txBody>
                   <a:tcPr marL="78287" marR="78287" marT="39144" marB="39144" anchor="b">
@@ -22511,10 +22491,9 @@
                     <a:p>
                       <a:pPr algn="r"/>
                       <a:r>
-                        <a:rPr lang="en-GB" sz="1500" dirty="0" smtClean="0"/>
+                        <a:rPr lang="en-GB" sz="1500" dirty="0"/>
                         <a:t>49</a:t>
                       </a:r>
-                      <a:endParaRPr lang="en-GB" sz="1500" dirty="0"/>
                     </a:p>
                   </a:txBody>
                   <a:tcPr marL="78287" marR="78287" marT="39144" marB="39144" anchor="b">
@@ -22566,10 +22545,9 @@
                     <a:p>
                       <a:pPr algn="r"/>
                       <a:r>
-                        <a:rPr lang="en-GB" sz="1500" dirty="0" smtClean="0"/>
+                        <a:rPr lang="en-GB" sz="1500" dirty="0"/>
                         <a:t>56</a:t>
                       </a:r>
-                      <a:endParaRPr lang="en-GB" sz="1500" dirty="0"/>
                     </a:p>
                   </a:txBody>
                   <a:tcPr marL="78287" marR="78287" marT="39144" marB="39144" anchor="b">
@@ -22621,10 +22599,9 @@
                     <a:p>
                       <a:pPr algn="r"/>
                       <a:r>
-                        <a:rPr lang="en-GB" sz="1500" dirty="0" smtClean="0"/>
+                        <a:rPr lang="en-GB" sz="1500" dirty="0"/>
                         <a:t>63</a:t>
                       </a:r>
-                      <a:endParaRPr lang="en-GB" sz="1500" dirty="0"/>
                     </a:p>
                   </a:txBody>
                   <a:tcPr marL="78287" marR="78287" marT="39144" marB="39144" anchor="b">
@@ -22676,10 +22653,9 @@
                     <a:p>
                       <a:pPr algn="r"/>
                       <a:r>
-                        <a:rPr lang="en-GB" sz="1500" dirty="0" smtClean="0"/>
+                        <a:rPr lang="en-GB" sz="1500" dirty="0"/>
                         <a:t>70</a:t>
                       </a:r>
-                      <a:endParaRPr lang="en-GB" sz="1500" dirty="0"/>
                     </a:p>
                   </a:txBody>
                   <a:tcPr marL="78287" marR="78287" marT="39144" marB="39144" anchor="b">
@@ -22731,10 +22707,9 @@
                     <a:p>
                       <a:pPr algn="r"/>
                       <a:r>
-                        <a:rPr lang="en-GB" sz="1500" dirty="0" smtClean="0"/>
+                        <a:rPr lang="en-GB" sz="1500" dirty="0"/>
                         <a:t>77</a:t>
                       </a:r>
-                      <a:endParaRPr lang="en-GB" sz="1500" dirty="0"/>
                     </a:p>
                   </a:txBody>
                   <a:tcPr marL="78287" marR="78287" marT="39144" marB="39144" anchor="b">
@@ -22786,10 +22761,9 @@
                     <a:p>
                       <a:pPr algn="r"/>
                       <a:r>
-                        <a:rPr lang="en-GB" sz="1500" dirty="0" smtClean="0"/>
+                        <a:rPr lang="en-GB" sz="1500" dirty="0"/>
                         <a:t>84</a:t>
                       </a:r>
-                      <a:endParaRPr lang="en-GB" sz="1500" dirty="0"/>
                     </a:p>
                   </a:txBody>
                   <a:tcPr marL="78287" marR="78287" marT="39144" marB="39144" anchor="b">
@@ -22841,10 +22815,9 @@
                     <a:p>
                       <a:pPr algn="r"/>
                       <a:r>
-                        <a:rPr lang="en-GB" sz="1500" dirty="0" smtClean="0"/>
+                        <a:rPr lang="en-GB" sz="1500" dirty="0"/>
                         <a:t>91</a:t>
                       </a:r>
-                      <a:endParaRPr lang="en-GB" sz="1500" dirty="0"/>
                     </a:p>
                   </a:txBody>
                   <a:tcPr marL="78287" marR="78287" marT="39144" marB="39144" anchor="b">
@@ -22896,10 +22869,9 @@
                     <a:p>
                       <a:pPr algn="r"/>
                       <a:r>
-                        <a:rPr lang="en-GB" sz="1500" dirty="0" smtClean="0"/>
+                        <a:rPr lang="en-GB" sz="1500" dirty="0"/>
                         <a:t>98</a:t>
                       </a:r>
-                      <a:endParaRPr lang="en-GB" sz="1500" dirty="0"/>
                     </a:p>
                   </a:txBody>
                   <a:tcPr marL="78287" marR="78287" marT="39144" marB="39144" anchor="b">
@@ -22951,10 +22923,9 @@
                     <a:p>
                       <a:pPr algn="r"/>
                       <a:r>
-                        <a:rPr lang="en-GB" sz="1500" dirty="0" smtClean="0"/>
+                        <a:rPr lang="en-GB" sz="1500" dirty="0"/>
                         <a:t>105</a:t>
                       </a:r>
-                      <a:endParaRPr lang="en-GB" sz="1500" dirty="0"/>
                     </a:p>
                   </a:txBody>
                   <a:tcPr marL="78287" marR="78287" marT="39144" marB="39144" anchor="b">
@@ -23006,10 +22977,9 @@
                     <a:p>
                       <a:pPr algn="r"/>
                       <a:r>
-                        <a:rPr lang="en-GB" sz="1500" dirty="0" smtClean="0"/>
+                        <a:rPr lang="en-GB" sz="1500" dirty="0"/>
                         <a:t>112</a:t>
                       </a:r>
-                      <a:endParaRPr lang="en-GB" sz="1500" dirty="0"/>
                     </a:p>
                   </a:txBody>
                   <a:tcPr marL="78287" marR="78287" marT="39144" marB="39144" anchor="b">
@@ -23061,10 +23031,9 @@
                     <a:p>
                       <a:pPr algn="r"/>
                       <a:r>
-                        <a:rPr lang="en-GB" sz="1500" dirty="0" smtClean="0"/>
+                        <a:rPr lang="en-GB" sz="1500" dirty="0"/>
                         <a:t>119</a:t>
                       </a:r>
-                      <a:endParaRPr lang="en-GB" sz="1500" dirty="0"/>
                     </a:p>
                   </a:txBody>
                   <a:tcPr marL="78287" marR="78287" marT="39144" marB="39144" anchor="b">
@@ -23116,10 +23085,9 @@
                     <a:p>
                       <a:pPr algn="r"/>
                       <a:r>
-                        <a:rPr lang="en-GB" sz="1500" dirty="0" smtClean="0"/>
+                        <a:rPr lang="en-GB" sz="1500" dirty="0"/>
                         <a:t>126</a:t>
                       </a:r>
-                      <a:endParaRPr lang="en-GB" sz="1500" dirty="0"/>
                     </a:p>
                   </a:txBody>
                   <a:tcPr marL="78287" marR="78287" marT="39144" marB="39144" anchor="b">
@@ -23171,10 +23139,9 @@
                     <a:p>
                       <a:pPr algn="r"/>
                       <a:r>
-                        <a:rPr lang="en-GB" sz="1500" dirty="0" smtClean="0"/>
+                        <a:rPr lang="en-GB" sz="1500" dirty="0"/>
                         <a:t>133</a:t>
                       </a:r>
-                      <a:endParaRPr lang="en-GB" sz="1500" dirty="0"/>
                     </a:p>
                   </a:txBody>
                   <a:tcPr marL="78287" marR="78287" marT="39144" marB="39144" anchor="b">
@@ -23226,10 +23193,9 @@
                     <a:p>
                       <a:pPr algn="r"/>
                       <a:r>
-                        <a:rPr lang="en-GB" sz="1500" dirty="0" smtClean="0"/>
+                        <a:rPr lang="en-GB" sz="1500" dirty="0"/>
                         <a:t>140</a:t>
                       </a:r>
-                      <a:endParaRPr lang="en-GB" sz="1500" dirty="0"/>
                     </a:p>
                   </a:txBody>
                   <a:tcPr marL="78287" marR="78287" marT="39144" marB="39144" anchor="b">
@@ -23281,10 +23247,9 @@
                     <a:p>
                       <a:pPr algn="r"/>
                       <a:r>
-                        <a:rPr lang="en-GB" sz="1500" dirty="0" smtClean="0"/>
+                        <a:rPr lang="en-GB" sz="1500" dirty="0"/>
                         <a:t>147</a:t>
                       </a:r>
-                      <a:endParaRPr lang="en-GB" sz="1500" dirty="0"/>
                     </a:p>
                   </a:txBody>
                   <a:tcPr marL="78287" marR="78287" marT="39144" marB="39144" anchor="b">
@@ -23362,10 +23327,9 @@
           <a:lstStyle/>
           <a:p>
             <a:r>
-              <a:rPr lang="en-GB" sz="2400" dirty="0" smtClean="0"/>
+              <a:rPr lang="en-GB" sz="2400" dirty="0"/>
               <a:t>Human wins per set ⬇️</a:t>
             </a:r>
-            <a:endParaRPr lang="en-GB" sz="2400" dirty="0"/>
           </a:p>
         </p:txBody>
       </p:sp>
@@ -23421,7 +23385,7 @@
           <a:lstStyle/>
           <a:p>
             <a:r>
-              <a:rPr lang="en-GB" sz="3200" dirty="0" smtClean="0"/>
+              <a:rPr lang="en-GB" sz="3200" dirty="0"/>
               <a:t>Cheltenham Science Festival: June 2018</a:t>
             </a:r>
           </a:p>
@@ -27524,7 +27488,7 @@
                     <a:p>
                       <a:pPr algn="r"/>
                       <a:r>
-                        <a:rPr lang="en-GB" sz="2400" smtClean="0"/>
+                        <a:rPr lang="en-GB" sz="2400"/>
                         <a:t>7</a:t>
                       </a:r>
                       <a:endParaRPr lang="en-GB" sz="2400" dirty="0"/>
@@ -27579,7 +27543,7 @@
                     <a:p>
                       <a:pPr algn="r"/>
                       <a:r>
-                        <a:rPr lang="en-GB" sz="2400" smtClean="0"/>
+                        <a:rPr lang="en-GB" sz="2400"/>
                         <a:t>14</a:t>
                       </a:r>
                       <a:endParaRPr lang="en-GB" sz="2400" dirty="0"/>
@@ -27634,7 +27598,7 @@
                     <a:p>
                       <a:pPr algn="r"/>
                       <a:r>
-                        <a:rPr lang="en-GB" sz="2400" smtClean="0"/>
+                        <a:rPr lang="en-GB" sz="2400"/>
                         <a:t>21</a:t>
                       </a:r>
                       <a:endParaRPr lang="en-GB" sz="2400" dirty="0"/>
@@ -27689,7 +27653,7 @@
                     <a:p>
                       <a:pPr algn="r"/>
                       <a:r>
-                        <a:rPr lang="en-GB" sz="2400" smtClean="0"/>
+                        <a:rPr lang="en-GB" sz="2400"/>
                         <a:t>28</a:t>
                       </a:r>
                       <a:endParaRPr lang="en-GB" sz="2400" dirty="0"/>
@@ -27744,7 +27708,7 @@
                     <a:p>
                       <a:pPr algn="r"/>
                       <a:r>
-                        <a:rPr lang="en-GB" sz="2400" smtClean="0"/>
+                        <a:rPr lang="en-GB" sz="2400"/>
                         <a:t>35</a:t>
                       </a:r>
                       <a:endParaRPr lang="en-GB" sz="2400" dirty="0"/>
@@ -27799,10 +27763,9 @@
                     <a:p>
                       <a:pPr algn="r"/>
                       <a:r>
-                        <a:rPr lang="en-GB" sz="2400" dirty="0" smtClean="0"/>
+                        <a:rPr lang="en-GB" sz="2400" dirty="0"/>
                         <a:t>42</a:t>
                       </a:r>
-                      <a:endParaRPr lang="en-GB" sz="2400" dirty="0"/>
                     </a:p>
                   </a:txBody>
                   <a:tcPr marL="123950" marR="123950" marT="61976" marB="61976" anchor="b">
@@ -27854,7 +27817,7 @@
                     <a:p>
                       <a:pPr algn="r"/>
                       <a:r>
-                        <a:rPr lang="en-GB" sz="2400" smtClean="0"/>
+                        <a:rPr lang="en-GB" sz="2400"/>
                         <a:t>49</a:t>
                       </a:r>
                       <a:endParaRPr lang="en-GB" sz="2400" dirty="0"/>
@@ -27909,7 +27872,7 @@
                     <a:p>
                       <a:pPr algn="r"/>
                       <a:r>
-                        <a:rPr lang="en-GB" sz="2400" smtClean="0"/>
+                        <a:rPr lang="en-GB" sz="2400"/>
                         <a:t>56</a:t>
                       </a:r>
                       <a:endParaRPr lang="en-GB" sz="2400" dirty="0"/>
@@ -27964,7 +27927,7 @@
                     <a:p>
                       <a:pPr algn="r"/>
                       <a:r>
-                        <a:rPr lang="en-GB" sz="2400" smtClean="0"/>
+                        <a:rPr lang="en-GB" sz="2400"/>
                         <a:t>63</a:t>
                       </a:r>
                       <a:endParaRPr lang="en-GB" sz="2400" dirty="0"/>
@@ -28019,7 +27982,7 @@
                     <a:p>
                       <a:pPr algn="r"/>
                       <a:r>
-                        <a:rPr lang="en-GB" sz="2400" smtClean="0"/>
+                        <a:rPr lang="en-GB" sz="2400"/>
                         <a:t>70</a:t>
                       </a:r>
                       <a:endParaRPr lang="en-GB" sz="2400" dirty="0"/>
@@ -28074,10 +28037,9 @@
                     <a:p>
                       <a:pPr algn="r"/>
                       <a:r>
-                        <a:rPr lang="en-GB" sz="2400" dirty="0" smtClean="0"/>
+                        <a:rPr lang="en-GB" sz="2400" dirty="0"/>
                         <a:t>77</a:t>
                       </a:r>
-                      <a:endParaRPr lang="en-GB" sz="2400" dirty="0"/>
                     </a:p>
                   </a:txBody>
                   <a:tcPr marL="123950" marR="123950" marT="61976" marB="61976" anchor="b">
@@ -28129,10 +28091,9 @@
                     <a:p>
                       <a:pPr algn="r"/>
                       <a:r>
-                        <a:rPr lang="en-GB" sz="2400" dirty="0" smtClean="0"/>
+                        <a:rPr lang="en-GB" sz="2400" dirty="0"/>
                         <a:t>84</a:t>
                       </a:r>
-                      <a:endParaRPr lang="en-GB" sz="2400" dirty="0"/>
                     </a:p>
                   </a:txBody>
                   <a:tcPr marL="123950" marR="123950" marT="61976" marB="61976" anchor="b">
@@ -28184,10 +28145,9 @@
                     <a:p>
                       <a:pPr algn="r"/>
                       <a:r>
-                        <a:rPr lang="en-GB" sz="2400" dirty="0" smtClean="0"/>
+                        <a:rPr lang="en-GB" sz="2400" dirty="0"/>
                         <a:t>91</a:t>
                       </a:r>
-                      <a:endParaRPr lang="en-GB" sz="2400" dirty="0"/>
                     </a:p>
                   </a:txBody>
                   <a:tcPr marL="123950" marR="123950" marT="61976" marB="61976" anchor="b">
@@ -28265,10 +28225,9 @@
           <a:lstStyle/>
           <a:p>
             <a:r>
-              <a:rPr lang="en-GB" sz="2400" dirty="0" smtClean="0"/>
+              <a:rPr lang="en-GB" sz="2400" dirty="0"/>
               <a:t>Human wins per set ⬇️</a:t>
             </a:r>
-            <a:endParaRPr lang="en-GB" sz="2400" dirty="0"/>
           </a:p>
         </p:txBody>
       </p:sp>
@@ -28324,7 +28283,7 @@
           <a:lstStyle/>
           <a:p>
             <a:r>
-              <a:rPr lang="en-GB" sz="3200" dirty="0" smtClean="0"/>
+              <a:rPr lang="en-GB" sz="3200" dirty="0"/>
               <a:t>Southampton Science and Engineering Day: March 2019</a:t>
             </a:r>
           </a:p>
@@ -28334,6 +28293,4541 @@
     <p:extLst>
       <p:ext uri="{BB962C8B-B14F-4D97-AF65-F5344CB8AC3E}">
         <p14:creationId xmlns:p14="http://schemas.microsoft.com/office/powerpoint/2010/main" val="2035486885"/>
+      </p:ext>
+    </p:extLst>
+  </p:cSld>
+  <p:clrMapOvr>
+    <a:masterClrMapping/>
+  </p:clrMapOvr>
+</p:sld>
+</file>
+
+<file path=ppt/slides/slide5.xml><?xml version="1.0" encoding="utf-8"?>
+<p:sld xmlns:a="http://schemas.openxmlformats.org/drawingml/2006/main" xmlns:r="http://schemas.openxmlformats.org/officeDocument/2006/relationships" xmlns:p="http://schemas.openxmlformats.org/presentationml/2006/main">
+  <p:cSld>
+    <p:spTree>
+      <p:nvGrpSpPr>
+        <p:cNvPr id="1" name=""/>
+        <p:cNvGrpSpPr/>
+        <p:nvPr/>
+      </p:nvGrpSpPr>
+      <p:grpSpPr>
+        <a:xfrm>
+          <a:off x="0" y="0"/>
+          <a:ext cx="0" cy="0"/>
+          <a:chOff x="0" y="0"/>
+          <a:chExt cx="0" cy="0"/>
+        </a:xfrm>
+      </p:grpSpPr>
+      <p:graphicFrame>
+        <p:nvGraphicFramePr>
+          <p:cNvPr id="4" name="Table 3"/>
+          <p:cNvGraphicFramePr>
+            <a:graphicFrameLocks noGrp="1"/>
+          </p:cNvGraphicFramePr>
+          <p:nvPr>
+            <p:extLst>
+              <p:ext uri="{D42A27DB-BD31-4B8C-83A1-F6EECF244321}">
+                <p14:modId xmlns:p14="http://schemas.microsoft.com/office/powerpoint/2010/main" val="1823835310"/>
+              </p:ext>
+            </p:extLst>
+          </p:nvPr>
+        </p:nvGraphicFramePr>
+        <p:xfrm>
+          <a:off x="408963" y="1956954"/>
+          <a:ext cx="11061852" cy="6029576"/>
+        </p:xfrm>
+        <a:graphic>
+          <a:graphicData uri="http://schemas.openxmlformats.org/drawingml/2006/table">
+            <a:tbl>
+              <a:tblPr firstRow="1" bandRow="1">
+                <a:tableStyleId>{5C22544A-7EE6-4342-B048-85BDC9FD1C3A}</a:tableStyleId>
+              </a:tblPr>
+              <a:tblGrid>
+                <a:gridCol w="921821">
+                  <a:extLst>
+                    <a:ext uri="{9D8B030D-6E8A-4147-A177-3AD203B41FA5}">
+                      <a16:colId xmlns:a16="http://schemas.microsoft.com/office/drawing/2014/main" val="821370350"/>
+                    </a:ext>
+                  </a:extLst>
+                </a:gridCol>
+                <a:gridCol w="921821">
+                  <a:extLst>
+                    <a:ext uri="{9D8B030D-6E8A-4147-A177-3AD203B41FA5}">
+                      <a16:colId xmlns:a16="http://schemas.microsoft.com/office/drawing/2014/main" val="1310115540"/>
+                    </a:ext>
+                  </a:extLst>
+                </a:gridCol>
+                <a:gridCol w="921821">
+                  <a:extLst>
+                    <a:ext uri="{9D8B030D-6E8A-4147-A177-3AD203B41FA5}">
+                      <a16:colId xmlns:a16="http://schemas.microsoft.com/office/drawing/2014/main" val="2618816696"/>
+                    </a:ext>
+                  </a:extLst>
+                </a:gridCol>
+                <a:gridCol w="921821">
+                  <a:extLst>
+                    <a:ext uri="{9D8B030D-6E8A-4147-A177-3AD203B41FA5}">
+                      <a16:colId xmlns:a16="http://schemas.microsoft.com/office/drawing/2014/main" val="3866533842"/>
+                    </a:ext>
+                  </a:extLst>
+                </a:gridCol>
+                <a:gridCol w="921821">
+                  <a:extLst>
+                    <a:ext uri="{9D8B030D-6E8A-4147-A177-3AD203B41FA5}">
+                      <a16:colId xmlns:a16="http://schemas.microsoft.com/office/drawing/2014/main" val="2080242003"/>
+                    </a:ext>
+                  </a:extLst>
+                </a:gridCol>
+                <a:gridCol w="921821">
+                  <a:extLst>
+                    <a:ext uri="{9D8B030D-6E8A-4147-A177-3AD203B41FA5}">
+                      <a16:colId xmlns:a16="http://schemas.microsoft.com/office/drawing/2014/main" val="548629002"/>
+                    </a:ext>
+                  </a:extLst>
+                </a:gridCol>
+                <a:gridCol w="921821">
+                  <a:extLst>
+                    <a:ext uri="{9D8B030D-6E8A-4147-A177-3AD203B41FA5}">
+                      <a16:colId xmlns:a16="http://schemas.microsoft.com/office/drawing/2014/main" val="3002865789"/>
+                    </a:ext>
+                  </a:extLst>
+                </a:gridCol>
+                <a:gridCol w="921821">
+                  <a:extLst>
+                    <a:ext uri="{9D8B030D-6E8A-4147-A177-3AD203B41FA5}">
+                      <a16:colId xmlns:a16="http://schemas.microsoft.com/office/drawing/2014/main" val="649477760"/>
+                    </a:ext>
+                  </a:extLst>
+                </a:gridCol>
+                <a:gridCol w="921821">
+                  <a:extLst>
+                    <a:ext uri="{9D8B030D-6E8A-4147-A177-3AD203B41FA5}">
+                      <a16:colId xmlns:a16="http://schemas.microsoft.com/office/drawing/2014/main" val="4271219397"/>
+                    </a:ext>
+                  </a:extLst>
+                </a:gridCol>
+                <a:gridCol w="921821">
+                  <a:extLst>
+                    <a:ext uri="{9D8B030D-6E8A-4147-A177-3AD203B41FA5}">
+                      <a16:colId xmlns:a16="http://schemas.microsoft.com/office/drawing/2014/main" val="2725550712"/>
+                    </a:ext>
+                  </a:extLst>
+                </a:gridCol>
+                <a:gridCol w="921821">
+                  <a:extLst>
+                    <a:ext uri="{9D8B030D-6E8A-4147-A177-3AD203B41FA5}">
+                      <a16:colId xmlns:a16="http://schemas.microsoft.com/office/drawing/2014/main" val="1544077189"/>
+                    </a:ext>
+                  </a:extLst>
+                </a:gridCol>
+                <a:gridCol w="921821">
+                  <a:extLst>
+                    <a:ext uri="{9D8B030D-6E8A-4147-A177-3AD203B41FA5}">
+                      <a16:colId xmlns:a16="http://schemas.microsoft.com/office/drawing/2014/main" val="1395920855"/>
+                    </a:ext>
+                  </a:extLst>
+                </a:gridCol>
+              </a:tblGrid>
+              <a:tr h="861368">
+                <a:tc>
+                  <a:txBody>
+                    <a:bodyPr/>
+                    <a:lstStyle/>
+                    <a:p>
+                      <a:endParaRPr lang="en-GB" sz="2400" dirty="0"/>
+                    </a:p>
+                  </a:txBody>
+                  <a:tcPr marL="123950" marR="123950" marT="61976" marB="61976">
+                    <a:lnL w="12700" cap="flat" cmpd="sng" algn="ctr">
+                      <a:solidFill>
+                        <a:schemeClr val="tx1"/>
+                      </a:solidFill>
+                      <a:prstDash val="solid"/>
+                      <a:round/>
+                      <a:headEnd type="none" w="med" len="med"/>
+                      <a:tailEnd type="none" w="med" len="med"/>
+                    </a:lnL>
+                    <a:lnR w="12700" cap="flat" cmpd="sng" algn="ctr">
+                      <a:solidFill>
+                        <a:schemeClr val="tx1"/>
+                      </a:solidFill>
+                      <a:prstDash val="solid"/>
+                      <a:round/>
+                      <a:headEnd type="none" w="med" len="med"/>
+                      <a:tailEnd type="none" w="med" len="med"/>
+                    </a:lnR>
+                    <a:lnT w="12700" cap="flat" cmpd="sng" algn="ctr">
+                      <a:solidFill>
+                        <a:schemeClr val="tx1"/>
+                      </a:solidFill>
+                      <a:prstDash val="solid"/>
+                      <a:round/>
+                      <a:headEnd type="none" w="med" len="med"/>
+                      <a:tailEnd type="none" w="med" len="med"/>
+                    </a:lnT>
+                    <a:lnB w="12700" cap="flat" cmpd="sng" algn="ctr">
+                      <a:solidFill>
+                        <a:schemeClr val="tx1"/>
+                      </a:solidFill>
+                      <a:prstDash val="solid"/>
+                      <a:round/>
+                      <a:headEnd type="none" w="med" len="med"/>
+                      <a:tailEnd type="none" w="med" len="med"/>
+                    </a:lnB>
+                    <a:solidFill>
+                      <a:srgbClr val="FBA305"/>
+                    </a:solidFill>
+                  </a:tcPr>
+                </a:tc>
+                <a:tc>
+                  <a:txBody>
+                    <a:bodyPr/>
+                    <a:lstStyle/>
+                    <a:p>
+                      <a:endParaRPr lang="en-GB" sz="2400" dirty="0"/>
+                    </a:p>
+                  </a:txBody>
+                  <a:tcPr marL="123950" marR="123950" marT="61976" marB="61976">
+                    <a:lnL w="12700" cap="flat" cmpd="sng" algn="ctr">
+                      <a:solidFill>
+                        <a:schemeClr val="tx1"/>
+                      </a:solidFill>
+                      <a:prstDash val="solid"/>
+                      <a:round/>
+                      <a:headEnd type="none" w="med" len="med"/>
+                      <a:tailEnd type="none" w="med" len="med"/>
+                    </a:lnL>
+                    <a:lnR w="12700" cap="flat" cmpd="sng" algn="ctr">
+                      <a:solidFill>
+                        <a:schemeClr val="tx1"/>
+                      </a:solidFill>
+                      <a:prstDash val="solid"/>
+                      <a:round/>
+                      <a:headEnd type="none" w="med" len="med"/>
+                      <a:tailEnd type="none" w="med" len="med"/>
+                    </a:lnR>
+                    <a:lnT w="12700" cap="flat" cmpd="sng" algn="ctr">
+                      <a:solidFill>
+                        <a:schemeClr val="tx1"/>
+                      </a:solidFill>
+                      <a:prstDash val="solid"/>
+                      <a:round/>
+                      <a:headEnd type="none" w="med" len="med"/>
+                      <a:tailEnd type="none" w="med" len="med"/>
+                    </a:lnT>
+                    <a:lnB w="12700" cap="flat" cmpd="sng" algn="ctr">
+                      <a:solidFill>
+                        <a:schemeClr val="tx1"/>
+                      </a:solidFill>
+                      <a:prstDash val="solid"/>
+                      <a:round/>
+                      <a:headEnd type="none" w="med" len="med"/>
+                      <a:tailEnd type="none" w="med" len="med"/>
+                    </a:lnB>
+                    <a:solidFill>
+                      <a:srgbClr val="FBA305"/>
+                    </a:solidFill>
+                  </a:tcPr>
+                </a:tc>
+                <a:tc>
+                  <a:txBody>
+                    <a:bodyPr/>
+                    <a:lstStyle/>
+                    <a:p>
+                      <a:endParaRPr lang="en-GB" sz="2400" dirty="0"/>
+                    </a:p>
+                  </a:txBody>
+                  <a:tcPr marL="123950" marR="123950" marT="61976" marB="61976">
+                    <a:lnL w="12700" cap="flat" cmpd="sng" algn="ctr">
+                      <a:solidFill>
+                        <a:schemeClr val="tx1"/>
+                      </a:solidFill>
+                      <a:prstDash val="solid"/>
+                      <a:round/>
+                      <a:headEnd type="none" w="med" len="med"/>
+                      <a:tailEnd type="none" w="med" len="med"/>
+                    </a:lnL>
+                    <a:lnR w="12700" cap="flat" cmpd="sng" algn="ctr">
+                      <a:solidFill>
+                        <a:schemeClr val="tx1"/>
+                      </a:solidFill>
+                      <a:prstDash val="solid"/>
+                      <a:round/>
+                      <a:headEnd type="none" w="med" len="med"/>
+                      <a:tailEnd type="none" w="med" len="med"/>
+                    </a:lnR>
+                    <a:lnT w="12700" cap="flat" cmpd="sng" algn="ctr">
+                      <a:solidFill>
+                        <a:schemeClr val="tx1"/>
+                      </a:solidFill>
+                      <a:prstDash val="solid"/>
+                      <a:round/>
+                      <a:headEnd type="none" w="med" len="med"/>
+                      <a:tailEnd type="none" w="med" len="med"/>
+                    </a:lnT>
+                    <a:lnB w="12700" cap="flat" cmpd="sng" algn="ctr">
+                      <a:solidFill>
+                        <a:schemeClr val="tx1"/>
+                      </a:solidFill>
+                      <a:prstDash val="solid"/>
+                      <a:round/>
+                      <a:headEnd type="none" w="med" len="med"/>
+                      <a:tailEnd type="none" w="med" len="med"/>
+                    </a:lnB>
+                    <a:solidFill>
+                      <a:srgbClr val="FBA305"/>
+                    </a:solidFill>
+                  </a:tcPr>
+                </a:tc>
+                <a:tc>
+                  <a:txBody>
+                    <a:bodyPr/>
+                    <a:lstStyle/>
+                    <a:p>
+                      <a:endParaRPr lang="en-GB" sz="2400" dirty="0"/>
+                    </a:p>
+                  </a:txBody>
+                  <a:tcPr marL="123950" marR="123950" marT="61976" marB="61976">
+                    <a:lnL w="12700" cap="flat" cmpd="sng" algn="ctr">
+                      <a:solidFill>
+                        <a:schemeClr val="tx1"/>
+                      </a:solidFill>
+                      <a:prstDash val="solid"/>
+                      <a:round/>
+                      <a:headEnd type="none" w="med" len="med"/>
+                      <a:tailEnd type="none" w="med" len="med"/>
+                    </a:lnL>
+                    <a:lnR w="12700" cap="flat" cmpd="sng" algn="ctr">
+                      <a:solidFill>
+                        <a:schemeClr val="tx1"/>
+                      </a:solidFill>
+                      <a:prstDash val="solid"/>
+                      <a:round/>
+                      <a:headEnd type="none" w="med" len="med"/>
+                      <a:tailEnd type="none" w="med" len="med"/>
+                    </a:lnR>
+                    <a:lnT w="12700" cap="flat" cmpd="sng" algn="ctr">
+                      <a:solidFill>
+                        <a:schemeClr val="tx1"/>
+                      </a:solidFill>
+                      <a:prstDash val="solid"/>
+                      <a:round/>
+                      <a:headEnd type="none" w="med" len="med"/>
+                      <a:tailEnd type="none" w="med" len="med"/>
+                    </a:lnT>
+                    <a:lnB w="12700" cap="flat" cmpd="sng" algn="ctr">
+                      <a:solidFill>
+                        <a:schemeClr val="tx1"/>
+                      </a:solidFill>
+                      <a:prstDash val="solid"/>
+                      <a:round/>
+                      <a:headEnd type="none" w="med" len="med"/>
+                      <a:tailEnd type="none" w="med" len="med"/>
+                    </a:lnB>
+                    <a:solidFill>
+                      <a:srgbClr val="FBA305"/>
+                    </a:solidFill>
+                  </a:tcPr>
+                </a:tc>
+                <a:tc>
+                  <a:txBody>
+                    <a:bodyPr/>
+                    <a:lstStyle/>
+                    <a:p>
+                      <a:endParaRPr lang="en-GB" sz="2400" dirty="0"/>
+                    </a:p>
+                  </a:txBody>
+                  <a:tcPr marL="123950" marR="123950" marT="61976" marB="61976">
+                    <a:lnL w="12700" cap="flat" cmpd="sng" algn="ctr">
+                      <a:solidFill>
+                        <a:schemeClr val="tx1"/>
+                      </a:solidFill>
+                      <a:prstDash val="solid"/>
+                      <a:round/>
+                      <a:headEnd type="none" w="med" len="med"/>
+                      <a:tailEnd type="none" w="med" len="med"/>
+                    </a:lnL>
+                    <a:lnR w="12700" cap="flat" cmpd="sng" algn="ctr">
+                      <a:solidFill>
+                        <a:schemeClr val="tx1"/>
+                      </a:solidFill>
+                      <a:prstDash val="solid"/>
+                      <a:round/>
+                      <a:headEnd type="none" w="med" len="med"/>
+                      <a:tailEnd type="none" w="med" len="med"/>
+                    </a:lnR>
+                    <a:lnT w="12700" cap="flat" cmpd="sng" algn="ctr">
+                      <a:solidFill>
+                        <a:schemeClr val="tx1"/>
+                      </a:solidFill>
+                      <a:prstDash val="solid"/>
+                      <a:round/>
+                      <a:headEnd type="none" w="med" len="med"/>
+                      <a:tailEnd type="none" w="med" len="med"/>
+                    </a:lnT>
+                    <a:lnB w="12700" cap="flat" cmpd="sng" algn="ctr">
+                      <a:solidFill>
+                        <a:schemeClr val="tx1"/>
+                      </a:solidFill>
+                      <a:prstDash val="solid"/>
+                      <a:round/>
+                      <a:headEnd type="none" w="med" len="med"/>
+                      <a:tailEnd type="none" w="med" len="med"/>
+                    </a:lnB>
+                    <a:solidFill>
+                      <a:srgbClr val="FBA305"/>
+                    </a:solidFill>
+                  </a:tcPr>
+                </a:tc>
+                <a:tc>
+                  <a:txBody>
+                    <a:bodyPr/>
+                    <a:lstStyle/>
+                    <a:p>
+                      <a:endParaRPr lang="en-GB" sz="2400" dirty="0"/>
+                    </a:p>
+                  </a:txBody>
+                  <a:tcPr marL="123950" marR="123950" marT="61976" marB="61976">
+                    <a:lnL w="12700" cap="flat" cmpd="sng" algn="ctr">
+                      <a:solidFill>
+                        <a:schemeClr val="tx1"/>
+                      </a:solidFill>
+                      <a:prstDash val="solid"/>
+                      <a:round/>
+                      <a:headEnd type="none" w="med" len="med"/>
+                      <a:tailEnd type="none" w="med" len="med"/>
+                    </a:lnL>
+                    <a:lnR w="12700" cap="flat" cmpd="sng" algn="ctr">
+                      <a:solidFill>
+                        <a:schemeClr val="tx1"/>
+                      </a:solidFill>
+                      <a:prstDash val="solid"/>
+                      <a:round/>
+                      <a:headEnd type="none" w="med" len="med"/>
+                      <a:tailEnd type="none" w="med" len="med"/>
+                    </a:lnR>
+                    <a:lnT w="12700" cap="flat" cmpd="sng" algn="ctr">
+                      <a:solidFill>
+                        <a:schemeClr val="tx1"/>
+                      </a:solidFill>
+                      <a:prstDash val="solid"/>
+                      <a:round/>
+                      <a:headEnd type="none" w="med" len="med"/>
+                      <a:tailEnd type="none" w="med" len="med"/>
+                    </a:lnT>
+                    <a:lnB w="12700" cap="flat" cmpd="sng" algn="ctr">
+                      <a:solidFill>
+                        <a:schemeClr val="tx1"/>
+                      </a:solidFill>
+                      <a:prstDash val="solid"/>
+                      <a:round/>
+                      <a:headEnd type="none" w="med" len="med"/>
+                      <a:tailEnd type="none" w="med" len="med"/>
+                    </a:lnB>
+                    <a:solidFill>
+                      <a:srgbClr val="FBA305"/>
+                    </a:solidFill>
+                  </a:tcPr>
+                </a:tc>
+                <a:tc>
+                  <a:txBody>
+                    <a:bodyPr/>
+                    <a:lstStyle/>
+                    <a:p>
+                      <a:endParaRPr lang="en-GB" sz="2400" dirty="0"/>
+                    </a:p>
+                  </a:txBody>
+                  <a:tcPr marL="123950" marR="123950" marT="61976" marB="61976">
+                    <a:lnL w="12700" cap="flat" cmpd="sng" algn="ctr">
+                      <a:solidFill>
+                        <a:schemeClr val="tx1"/>
+                      </a:solidFill>
+                      <a:prstDash val="solid"/>
+                      <a:round/>
+                      <a:headEnd type="none" w="med" len="med"/>
+                      <a:tailEnd type="none" w="med" len="med"/>
+                    </a:lnL>
+                    <a:lnR w="12700" cap="flat" cmpd="sng" algn="ctr">
+                      <a:solidFill>
+                        <a:schemeClr val="tx1"/>
+                      </a:solidFill>
+                      <a:prstDash val="solid"/>
+                      <a:round/>
+                      <a:headEnd type="none" w="med" len="med"/>
+                      <a:tailEnd type="none" w="med" len="med"/>
+                    </a:lnR>
+                    <a:lnT w="12700" cap="flat" cmpd="sng" algn="ctr">
+                      <a:solidFill>
+                        <a:schemeClr val="tx1"/>
+                      </a:solidFill>
+                      <a:prstDash val="solid"/>
+                      <a:round/>
+                      <a:headEnd type="none" w="med" len="med"/>
+                      <a:tailEnd type="none" w="med" len="med"/>
+                    </a:lnT>
+                    <a:lnB w="12700" cap="flat" cmpd="sng" algn="ctr">
+                      <a:solidFill>
+                        <a:schemeClr val="tx1"/>
+                      </a:solidFill>
+                      <a:prstDash val="solid"/>
+                      <a:round/>
+                      <a:headEnd type="none" w="med" len="med"/>
+                      <a:tailEnd type="none" w="med" len="med"/>
+                    </a:lnB>
+                    <a:solidFill>
+                      <a:srgbClr val="FBA305"/>
+                    </a:solidFill>
+                  </a:tcPr>
+                </a:tc>
+                <a:tc>
+                  <a:txBody>
+                    <a:bodyPr/>
+                    <a:lstStyle/>
+                    <a:p>
+                      <a:endParaRPr lang="en-GB" sz="2400" dirty="0"/>
+                    </a:p>
+                  </a:txBody>
+                  <a:tcPr marL="123950" marR="123950" marT="61976" marB="61976">
+                    <a:lnL w="12700" cap="flat" cmpd="sng" algn="ctr">
+                      <a:solidFill>
+                        <a:schemeClr val="tx1"/>
+                      </a:solidFill>
+                      <a:prstDash val="solid"/>
+                      <a:round/>
+                      <a:headEnd type="none" w="med" len="med"/>
+                      <a:tailEnd type="none" w="med" len="med"/>
+                    </a:lnL>
+                    <a:lnR w="12700" cap="flat" cmpd="sng" algn="ctr">
+                      <a:solidFill>
+                        <a:schemeClr val="tx1"/>
+                      </a:solidFill>
+                      <a:prstDash val="solid"/>
+                      <a:round/>
+                      <a:headEnd type="none" w="med" len="med"/>
+                      <a:tailEnd type="none" w="med" len="med"/>
+                    </a:lnR>
+                    <a:lnT w="12700" cap="flat" cmpd="sng" algn="ctr">
+                      <a:solidFill>
+                        <a:schemeClr val="tx1"/>
+                      </a:solidFill>
+                      <a:prstDash val="solid"/>
+                      <a:round/>
+                      <a:headEnd type="none" w="med" len="med"/>
+                      <a:tailEnd type="none" w="med" len="med"/>
+                    </a:lnT>
+                    <a:lnB w="12700" cap="flat" cmpd="sng" algn="ctr">
+                      <a:solidFill>
+                        <a:schemeClr val="tx1"/>
+                      </a:solidFill>
+                      <a:prstDash val="solid"/>
+                      <a:round/>
+                      <a:headEnd type="none" w="med" len="med"/>
+                      <a:tailEnd type="none" w="med" len="med"/>
+                    </a:lnB>
+                    <a:solidFill>
+                      <a:srgbClr val="FBA305"/>
+                    </a:solidFill>
+                  </a:tcPr>
+                </a:tc>
+                <a:tc>
+                  <a:txBody>
+                    <a:bodyPr/>
+                    <a:lstStyle/>
+                    <a:p>
+                      <a:endParaRPr lang="en-GB" sz="2400" dirty="0"/>
+                    </a:p>
+                  </a:txBody>
+                  <a:tcPr marL="123950" marR="123950" marT="61976" marB="61976">
+                    <a:lnL w="12700" cap="flat" cmpd="sng" algn="ctr">
+                      <a:solidFill>
+                        <a:schemeClr val="tx1"/>
+                      </a:solidFill>
+                      <a:prstDash val="solid"/>
+                      <a:round/>
+                      <a:headEnd type="none" w="med" len="med"/>
+                      <a:tailEnd type="none" w="med" len="med"/>
+                    </a:lnL>
+                    <a:lnR w="12700" cap="flat" cmpd="sng" algn="ctr">
+                      <a:solidFill>
+                        <a:schemeClr val="tx1"/>
+                      </a:solidFill>
+                      <a:prstDash val="solid"/>
+                      <a:round/>
+                      <a:headEnd type="none" w="med" len="med"/>
+                      <a:tailEnd type="none" w="med" len="med"/>
+                    </a:lnR>
+                    <a:lnT w="12700" cap="flat" cmpd="sng" algn="ctr">
+                      <a:solidFill>
+                        <a:schemeClr val="tx1"/>
+                      </a:solidFill>
+                      <a:prstDash val="solid"/>
+                      <a:round/>
+                      <a:headEnd type="none" w="med" len="med"/>
+                      <a:tailEnd type="none" w="med" len="med"/>
+                    </a:lnT>
+                    <a:lnB w="12700" cap="flat" cmpd="sng" algn="ctr">
+                      <a:solidFill>
+                        <a:schemeClr val="tx1"/>
+                      </a:solidFill>
+                      <a:prstDash val="solid"/>
+                      <a:round/>
+                      <a:headEnd type="none" w="med" len="med"/>
+                      <a:tailEnd type="none" w="med" len="med"/>
+                    </a:lnB>
+                    <a:solidFill>
+                      <a:srgbClr val="FBA305"/>
+                    </a:solidFill>
+                  </a:tcPr>
+                </a:tc>
+                <a:tc>
+                  <a:txBody>
+                    <a:bodyPr/>
+                    <a:lstStyle/>
+                    <a:p>
+                      <a:endParaRPr lang="en-GB" sz="2400" dirty="0"/>
+                    </a:p>
+                  </a:txBody>
+                  <a:tcPr marL="123950" marR="123950" marT="61976" marB="61976">
+                    <a:lnL w="12700" cap="flat" cmpd="sng" algn="ctr">
+                      <a:solidFill>
+                        <a:schemeClr val="tx1"/>
+                      </a:solidFill>
+                      <a:prstDash val="solid"/>
+                      <a:round/>
+                      <a:headEnd type="none" w="med" len="med"/>
+                      <a:tailEnd type="none" w="med" len="med"/>
+                    </a:lnL>
+                    <a:lnR w="12700" cap="flat" cmpd="sng" algn="ctr">
+                      <a:solidFill>
+                        <a:schemeClr val="tx1"/>
+                      </a:solidFill>
+                      <a:prstDash val="solid"/>
+                      <a:round/>
+                      <a:headEnd type="none" w="med" len="med"/>
+                      <a:tailEnd type="none" w="med" len="med"/>
+                    </a:lnR>
+                    <a:lnT w="12700" cap="flat" cmpd="sng" algn="ctr">
+                      <a:solidFill>
+                        <a:schemeClr val="tx1"/>
+                      </a:solidFill>
+                      <a:prstDash val="solid"/>
+                      <a:round/>
+                      <a:headEnd type="none" w="med" len="med"/>
+                      <a:tailEnd type="none" w="med" len="med"/>
+                    </a:lnT>
+                    <a:lnB w="12700" cap="flat" cmpd="sng" algn="ctr">
+                      <a:solidFill>
+                        <a:schemeClr val="tx1"/>
+                      </a:solidFill>
+                      <a:prstDash val="solid"/>
+                      <a:round/>
+                      <a:headEnd type="none" w="med" len="med"/>
+                      <a:tailEnd type="none" w="med" len="med"/>
+                    </a:lnB>
+                    <a:solidFill>
+                      <a:srgbClr val="FBA305"/>
+                    </a:solidFill>
+                  </a:tcPr>
+                </a:tc>
+                <a:tc>
+                  <a:txBody>
+                    <a:bodyPr/>
+                    <a:lstStyle/>
+                    <a:p>
+                      <a:endParaRPr lang="en-GB" sz="2400" dirty="0"/>
+                    </a:p>
+                  </a:txBody>
+                  <a:tcPr marL="123950" marR="123950" marT="61976" marB="61976">
+                    <a:lnL w="12700" cap="flat" cmpd="sng" algn="ctr">
+                      <a:solidFill>
+                        <a:schemeClr val="tx1"/>
+                      </a:solidFill>
+                      <a:prstDash val="solid"/>
+                      <a:round/>
+                      <a:headEnd type="none" w="med" len="med"/>
+                      <a:tailEnd type="none" w="med" len="med"/>
+                    </a:lnL>
+                    <a:lnR w="12700" cap="flat" cmpd="sng" algn="ctr">
+                      <a:solidFill>
+                        <a:schemeClr val="tx1"/>
+                      </a:solidFill>
+                      <a:prstDash val="solid"/>
+                      <a:round/>
+                      <a:headEnd type="none" w="med" len="med"/>
+                      <a:tailEnd type="none" w="med" len="med"/>
+                    </a:lnR>
+                    <a:lnT w="12700" cap="flat" cmpd="sng" algn="ctr">
+                      <a:solidFill>
+                        <a:schemeClr val="tx1"/>
+                      </a:solidFill>
+                      <a:prstDash val="solid"/>
+                      <a:round/>
+                      <a:headEnd type="none" w="med" len="med"/>
+                      <a:tailEnd type="none" w="med" len="med"/>
+                    </a:lnT>
+                    <a:lnB w="12700" cap="flat" cmpd="sng" algn="ctr">
+                      <a:solidFill>
+                        <a:schemeClr val="tx1"/>
+                      </a:solidFill>
+                      <a:prstDash val="solid"/>
+                      <a:round/>
+                      <a:headEnd type="none" w="med" len="med"/>
+                      <a:tailEnd type="none" w="med" len="med"/>
+                    </a:lnB>
+                    <a:solidFill>
+                      <a:srgbClr val="FBA305"/>
+                    </a:solidFill>
+                  </a:tcPr>
+                </a:tc>
+                <a:tc>
+                  <a:txBody>
+                    <a:bodyPr/>
+                    <a:lstStyle/>
+                    <a:p>
+                      <a:endParaRPr lang="en-GB" sz="2400" dirty="0"/>
+                    </a:p>
+                  </a:txBody>
+                  <a:tcPr marL="123950" marR="123950" marT="61976" marB="61976">
+                    <a:lnL w="12700" cap="flat" cmpd="sng" algn="ctr">
+                      <a:solidFill>
+                        <a:schemeClr val="tx1"/>
+                      </a:solidFill>
+                      <a:prstDash val="solid"/>
+                      <a:round/>
+                      <a:headEnd type="none" w="med" len="med"/>
+                      <a:tailEnd type="none" w="med" len="med"/>
+                    </a:lnL>
+                    <a:lnR w="12700" cap="flat" cmpd="sng" algn="ctr">
+                      <a:solidFill>
+                        <a:schemeClr val="tx1"/>
+                      </a:solidFill>
+                      <a:prstDash val="solid"/>
+                      <a:round/>
+                      <a:headEnd type="none" w="med" len="med"/>
+                      <a:tailEnd type="none" w="med" len="med"/>
+                    </a:lnR>
+                    <a:lnT w="12700" cap="flat" cmpd="sng" algn="ctr">
+                      <a:solidFill>
+                        <a:schemeClr val="tx1"/>
+                      </a:solidFill>
+                      <a:prstDash val="solid"/>
+                      <a:round/>
+                      <a:headEnd type="none" w="med" len="med"/>
+                      <a:tailEnd type="none" w="med" len="med"/>
+                    </a:lnT>
+                    <a:lnB w="12700" cap="flat" cmpd="sng" algn="ctr">
+                      <a:solidFill>
+                        <a:schemeClr val="tx1"/>
+                      </a:solidFill>
+                      <a:prstDash val="solid"/>
+                      <a:round/>
+                      <a:headEnd type="none" w="med" len="med"/>
+                      <a:tailEnd type="none" w="med" len="med"/>
+                    </a:lnB>
+                    <a:solidFill>
+                      <a:schemeClr val="bg1"/>
+                    </a:solidFill>
+                  </a:tcPr>
+                </a:tc>
+                <a:extLst>
+                  <a:ext uri="{0D108BD9-81ED-4DB2-BD59-A6C34878D82A}">
+                    <a16:rowId xmlns:a16="http://schemas.microsoft.com/office/drawing/2014/main" val="3720855473"/>
+                  </a:ext>
+                </a:extLst>
+              </a:tr>
+              <a:tr h="861368">
+                <a:tc>
+                  <a:txBody>
+                    <a:bodyPr/>
+                    <a:lstStyle/>
+                    <a:p>
+                      <a:endParaRPr lang="en-GB" sz="2400" dirty="0"/>
+                    </a:p>
+                  </a:txBody>
+                  <a:tcPr marL="123950" marR="123950" marT="61976" marB="61976">
+                    <a:lnL w="12700" cap="flat" cmpd="sng" algn="ctr">
+                      <a:solidFill>
+                        <a:schemeClr val="tx1"/>
+                      </a:solidFill>
+                      <a:prstDash val="solid"/>
+                      <a:round/>
+                      <a:headEnd type="none" w="med" len="med"/>
+                      <a:tailEnd type="none" w="med" len="med"/>
+                    </a:lnL>
+                    <a:lnR w="12700" cap="flat" cmpd="sng" algn="ctr">
+                      <a:solidFill>
+                        <a:schemeClr val="tx1"/>
+                      </a:solidFill>
+                      <a:prstDash val="solid"/>
+                      <a:round/>
+                      <a:headEnd type="none" w="med" len="med"/>
+                      <a:tailEnd type="none" w="med" len="med"/>
+                    </a:lnR>
+                    <a:lnT w="12700" cap="flat" cmpd="sng" algn="ctr">
+                      <a:solidFill>
+                        <a:schemeClr val="tx1"/>
+                      </a:solidFill>
+                      <a:prstDash val="solid"/>
+                      <a:round/>
+                      <a:headEnd type="none" w="med" len="med"/>
+                      <a:tailEnd type="none" w="med" len="med"/>
+                    </a:lnT>
+                    <a:lnB w="12700" cap="flat" cmpd="sng" algn="ctr">
+                      <a:solidFill>
+                        <a:schemeClr val="tx1"/>
+                      </a:solidFill>
+                      <a:prstDash val="solid"/>
+                      <a:round/>
+                      <a:headEnd type="none" w="med" len="med"/>
+                      <a:tailEnd type="none" w="med" len="med"/>
+                    </a:lnB>
+                    <a:solidFill>
+                      <a:srgbClr val="FBA305"/>
+                    </a:solidFill>
+                  </a:tcPr>
+                </a:tc>
+                <a:tc>
+                  <a:txBody>
+                    <a:bodyPr/>
+                    <a:lstStyle/>
+                    <a:p>
+                      <a:endParaRPr lang="en-GB" sz="2400" dirty="0"/>
+                    </a:p>
+                  </a:txBody>
+                  <a:tcPr marL="123950" marR="123950" marT="61976" marB="61976">
+                    <a:lnL w="12700" cap="flat" cmpd="sng" algn="ctr">
+                      <a:solidFill>
+                        <a:schemeClr val="tx1"/>
+                      </a:solidFill>
+                      <a:prstDash val="solid"/>
+                      <a:round/>
+                      <a:headEnd type="none" w="med" len="med"/>
+                      <a:tailEnd type="none" w="med" len="med"/>
+                    </a:lnL>
+                    <a:lnR w="12700" cap="flat" cmpd="sng" algn="ctr">
+                      <a:solidFill>
+                        <a:schemeClr val="tx1"/>
+                      </a:solidFill>
+                      <a:prstDash val="solid"/>
+                      <a:round/>
+                      <a:headEnd type="none" w="med" len="med"/>
+                      <a:tailEnd type="none" w="med" len="med"/>
+                    </a:lnR>
+                    <a:lnT w="12700" cap="flat" cmpd="sng" algn="ctr">
+                      <a:solidFill>
+                        <a:schemeClr val="tx1"/>
+                      </a:solidFill>
+                      <a:prstDash val="solid"/>
+                      <a:round/>
+                      <a:headEnd type="none" w="med" len="med"/>
+                      <a:tailEnd type="none" w="med" len="med"/>
+                    </a:lnT>
+                    <a:lnB w="12700" cap="flat" cmpd="sng" algn="ctr">
+                      <a:solidFill>
+                        <a:schemeClr val="tx1"/>
+                      </a:solidFill>
+                      <a:prstDash val="solid"/>
+                      <a:round/>
+                      <a:headEnd type="none" w="med" len="med"/>
+                      <a:tailEnd type="none" w="med" len="med"/>
+                    </a:lnB>
+                    <a:solidFill>
+                      <a:srgbClr val="FBA305"/>
+                    </a:solidFill>
+                  </a:tcPr>
+                </a:tc>
+                <a:tc>
+                  <a:txBody>
+                    <a:bodyPr/>
+                    <a:lstStyle/>
+                    <a:p>
+                      <a:endParaRPr lang="en-GB" sz="2400" dirty="0"/>
+                    </a:p>
+                  </a:txBody>
+                  <a:tcPr marL="123950" marR="123950" marT="61976" marB="61976">
+                    <a:lnL w="12700" cap="flat" cmpd="sng" algn="ctr">
+                      <a:solidFill>
+                        <a:schemeClr val="tx1"/>
+                      </a:solidFill>
+                      <a:prstDash val="solid"/>
+                      <a:round/>
+                      <a:headEnd type="none" w="med" len="med"/>
+                      <a:tailEnd type="none" w="med" len="med"/>
+                    </a:lnL>
+                    <a:lnR w="12700" cap="flat" cmpd="sng" algn="ctr">
+                      <a:solidFill>
+                        <a:schemeClr val="tx1"/>
+                      </a:solidFill>
+                      <a:prstDash val="solid"/>
+                      <a:round/>
+                      <a:headEnd type="none" w="med" len="med"/>
+                      <a:tailEnd type="none" w="med" len="med"/>
+                    </a:lnR>
+                    <a:lnT w="12700" cap="flat" cmpd="sng" algn="ctr">
+                      <a:solidFill>
+                        <a:schemeClr val="tx1"/>
+                      </a:solidFill>
+                      <a:prstDash val="solid"/>
+                      <a:round/>
+                      <a:headEnd type="none" w="med" len="med"/>
+                      <a:tailEnd type="none" w="med" len="med"/>
+                    </a:lnT>
+                    <a:lnB w="12700" cap="flat" cmpd="sng" algn="ctr">
+                      <a:solidFill>
+                        <a:schemeClr val="tx1"/>
+                      </a:solidFill>
+                      <a:prstDash val="solid"/>
+                      <a:round/>
+                      <a:headEnd type="none" w="med" len="med"/>
+                      <a:tailEnd type="none" w="med" len="med"/>
+                    </a:lnB>
+                    <a:solidFill>
+                      <a:srgbClr val="FBA305"/>
+                    </a:solidFill>
+                  </a:tcPr>
+                </a:tc>
+                <a:tc>
+                  <a:txBody>
+                    <a:bodyPr/>
+                    <a:lstStyle/>
+                    <a:p>
+                      <a:endParaRPr lang="en-GB" sz="2400" dirty="0"/>
+                    </a:p>
+                  </a:txBody>
+                  <a:tcPr marL="123950" marR="123950" marT="61976" marB="61976">
+                    <a:lnL w="12700" cap="flat" cmpd="sng" algn="ctr">
+                      <a:solidFill>
+                        <a:schemeClr val="tx1"/>
+                      </a:solidFill>
+                      <a:prstDash val="solid"/>
+                      <a:round/>
+                      <a:headEnd type="none" w="med" len="med"/>
+                      <a:tailEnd type="none" w="med" len="med"/>
+                    </a:lnL>
+                    <a:lnR w="12700" cap="flat" cmpd="sng" algn="ctr">
+                      <a:solidFill>
+                        <a:schemeClr val="tx1"/>
+                      </a:solidFill>
+                      <a:prstDash val="solid"/>
+                      <a:round/>
+                      <a:headEnd type="none" w="med" len="med"/>
+                      <a:tailEnd type="none" w="med" len="med"/>
+                    </a:lnR>
+                    <a:lnT w="12700" cap="flat" cmpd="sng" algn="ctr">
+                      <a:solidFill>
+                        <a:schemeClr val="tx1"/>
+                      </a:solidFill>
+                      <a:prstDash val="solid"/>
+                      <a:round/>
+                      <a:headEnd type="none" w="med" len="med"/>
+                      <a:tailEnd type="none" w="med" len="med"/>
+                    </a:lnT>
+                    <a:lnB w="12700" cap="flat" cmpd="sng" algn="ctr">
+                      <a:solidFill>
+                        <a:schemeClr val="tx1"/>
+                      </a:solidFill>
+                      <a:prstDash val="solid"/>
+                      <a:round/>
+                      <a:headEnd type="none" w="med" len="med"/>
+                      <a:tailEnd type="none" w="med" len="med"/>
+                    </a:lnB>
+                    <a:solidFill>
+                      <a:srgbClr val="FBA305"/>
+                    </a:solidFill>
+                  </a:tcPr>
+                </a:tc>
+                <a:tc>
+                  <a:txBody>
+                    <a:bodyPr/>
+                    <a:lstStyle/>
+                    <a:p>
+                      <a:endParaRPr lang="en-GB" sz="2400" dirty="0"/>
+                    </a:p>
+                  </a:txBody>
+                  <a:tcPr marL="123950" marR="123950" marT="61976" marB="61976">
+                    <a:lnL w="12700" cap="flat" cmpd="sng" algn="ctr">
+                      <a:solidFill>
+                        <a:schemeClr val="tx1"/>
+                      </a:solidFill>
+                      <a:prstDash val="solid"/>
+                      <a:round/>
+                      <a:headEnd type="none" w="med" len="med"/>
+                      <a:tailEnd type="none" w="med" len="med"/>
+                    </a:lnL>
+                    <a:lnR w="12700" cap="flat" cmpd="sng" algn="ctr">
+                      <a:solidFill>
+                        <a:schemeClr val="tx1"/>
+                      </a:solidFill>
+                      <a:prstDash val="solid"/>
+                      <a:round/>
+                      <a:headEnd type="none" w="med" len="med"/>
+                      <a:tailEnd type="none" w="med" len="med"/>
+                    </a:lnR>
+                    <a:lnT w="12700" cap="flat" cmpd="sng" algn="ctr">
+                      <a:solidFill>
+                        <a:schemeClr val="tx1"/>
+                      </a:solidFill>
+                      <a:prstDash val="solid"/>
+                      <a:round/>
+                      <a:headEnd type="none" w="med" len="med"/>
+                      <a:tailEnd type="none" w="med" len="med"/>
+                    </a:lnT>
+                    <a:lnB w="12700" cap="flat" cmpd="sng" algn="ctr">
+                      <a:solidFill>
+                        <a:schemeClr val="tx1"/>
+                      </a:solidFill>
+                      <a:prstDash val="solid"/>
+                      <a:round/>
+                      <a:headEnd type="none" w="med" len="med"/>
+                      <a:tailEnd type="none" w="med" len="med"/>
+                    </a:lnB>
+                    <a:solidFill>
+                      <a:srgbClr val="FBA305"/>
+                    </a:solidFill>
+                  </a:tcPr>
+                </a:tc>
+                <a:tc>
+                  <a:txBody>
+                    <a:bodyPr/>
+                    <a:lstStyle/>
+                    <a:p>
+                      <a:endParaRPr lang="en-GB" sz="2400" dirty="0"/>
+                    </a:p>
+                  </a:txBody>
+                  <a:tcPr marL="123950" marR="123950" marT="61976" marB="61976">
+                    <a:lnL w="12700" cap="flat" cmpd="sng" algn="ctr">
+                      <a:solidFill>
+                        <a:schemeClr val="tx1"/>
+                      </a:solidFill>
+                      <a:prstDash val="solid"/>
+                      <a:round/>
+                      <a:headEnd type="none" w="med" len="med"/>
+                      <a:tailEnd type="none" w="med" len="med"/>
+                    </a:lnL>
+                    <a:lnR w="12700" cap="flat" cmpd="sng" algn="ctr">
+                      <a:solidFill>
+                        <a:schemeClr val="tx1"/>
+                      </a:solidFill>
+                      <a:prstDash val="solid"/>
+                      <a:round/>
+                      <a:headEnd type="none" w="med" len="med"/>
+                      <a:tailEnd type="none" w="med" len="med"/>
+                    </a:lnR>
+                    <a:lnT w="12700" cap="flat" cmpd="sng" algn="ctr">
+                      <a:solidFill>
+                        <a:schemeClr val="tx1"/>
+                      </a:solidFill>
+                      <a:prstDash val="solid"/>
+                      <a:round/>
+                      <a:headEnd type="none" w="med" len="med"/>
+                      <a:tailEnd type="none" w="med" len="med"/>
+                    </a:lnT>
+                    <a:lnB w="12700" cap="flat" cmpd="sng" algn="ctr">
+                      <a:solidFill>
+                        <a:schemeClr val="tx1"/>
+                      </a:solidFill>
+                      <a:prstDash val="solid"/>
+                      <a:round/>
+                      <a:headEnd type="none" w="med" len="med"/>
+                      <a:tailEnd type="none" w="med" len="med"/>
+                    </a:lnB>
+                    <a:solidFill>
+                      <a:srgbClr val="FBA305"/>
+                    </a:solidFill>
+                  </a:tcPr>
+                </a:tc>
+                <a:tc>
+                  <a:txBody>
+                    <a:bodyPr/>
+                    <a:lstStyle/>
+                    <a:p>
+                      <a:endParaRPr lang="en-GB" sz="2400" dirty="0"/>
+                    </a:p>
+                  </a:txBody>
+                  <a:tcPr marL="123950" marR="123950" marT="61976" marB="61976">
+                    <a:lnL w="12700" cap="flat" cmpd="sng" algn="ctr">
+                      <a:solidFill>
+                        <a:schemeClr val="tx1"/>
+                      </a:solidFill>
+                      <a:prstDash val="solid"/>
+                      <a:round/>
+                      <a:headEnd type="none" w="med" len="med"/>
+                      <a:tailEnd type="none" w="med" len="med"/>
+                    </a:lnL>
+                    <a:lnR w="12700" cap="flat" cmpd="sng" algn="ctr">
+                      <a:solidFill>
+                        <a:schemeClr val="tx1"/>
+                      </a:solidFill>
+                      <a:prstDash val="solid"/>
+                      <a:round/>
+                      <a:headEnd type="none" w="med" len="med"/>
+                      <a:tailEnd type="none" w="med" len="med"/>
+                    </a:lnR>
+                    <a:lnT w="12700" cap="flat" cmpd="sng" algn="ctr">
+                      <a:solidFill>
+                        <a:schemeClr val="tx1"/>
+                      </a:solidFill>
+                      <a:prstDash val="solid"/>
+                      <a:round/>
+                      <a:headEnd type="none" w="med" len="med"/>
+                      <a:tailEnd type="none" w="med" len="med"/>
+                    </a:lnT>
+                    <a:lnB w="12700" cap="flat" cmpd="sng" algn="ctr">
+                      <a:solidFill>
+                        <a:schemeClr val="tx1"/>
+                      </a:solidFill>
+                      <a:prstDash val="solid"/>
+                      <a:round/>
+                      <a:headEnd type="none" w="med" len="med"/>
+                      <a:tailEnd type="none" w="med" len="med"/>
+                    </a:lnB>
+                    <a:solidFill>
+                      <a:srgbClr val="FBA305"/>
+                    </a:solidFill>
+                  </a:tcPr>
+                </a:tc>
+                <a:tc>
+                  <a:txBody>
+                    <a:bodyPr/>
+                    <a:lstStyle/>
+                    <a:p>
+                      <a:endParaRPr lang="en-GB" sz="2400" dirty="0"/>
+                    </a:p>
+                  </a:txBody>
+                  <a:tcPr marL="123950" marR="123950" marT="61976" marB="61976">
+                    <a:lnL w="12700" cap="flat" cmpd="sng" algn="ctr">
+                      <a:solidFill>
+                        <a:schemeClr val="tx1"/>
+                      </a:solidFill>
+                      <a:prstDash val="solid"/>
+                      <a:round/>
+                      <a:headEnd type="none" w="med" len="med"/>
+                      <a:tailEnd type="none" w="med" len="med"/>
+                    </a:lnL>
+                    <a:lnR w="12700" cap="flat" cmpd="sng" algn="ctr">
+                      <a:solidFill>
+                        <a:schemeClr val="tx1"/>
+                      </a:solidFill>
+                      <a:prstDash val="solid"/>
+                      <a:round/>
+                      <a:headEnd type="none" w="med" len="med"/>
+                      <a:tailEnd type="none" w="med" len="med"/>
+                    </a:lnR>
+                    <a:lnT w="12700" cap="flat" cmpd="sng" algn="ctr">
+                      <a:solidFill>
+                        <a:schemeClr val="tx1"/>
+                      </a:solidFill>
+                      <a:prstDash val="solid"/>
+                      <a:round/>
+                      <a:headEnd type="none" w="med" len="med"/>
+                      <a:tailEnd type="none" w="med" len="med"/>
+                    </a:lnT>
+                    <a:lnB w="12700" cap="flat" cmpd="sng" algn="ctr">
+                      <a:solidFill>
+                        <a:schemeClr val="tx1"/>
+                      </a:solidFill>
+                      <a:prstDash val="solid"/>
+                      <a:round/>
+                      <a:headEnd type="none" w="med" len="med"/>
+                      <a:tailEnd type="none" w="med" len="med"/>
+                    </a:lnB>
+                    <a:solidFill>
+                      <a:srgbClr val="FBA305"/>
+                    </a:solidFill>
+                  </a:tcPr>
+                </a:tc>
+                <a:tc>
+                  <a:txBody>
+                    <a:bodyPr/>
+                    <a:lstStyle/>
+                    <a:p>
+                      <a:endParaRPr lang="en-GB" sz="2400" dirty="0"/>
+                    </a:p>
+                  </a:txBody>
+                  <a:tcPr marL="123950" marR="123950" marT="61976" marB="61976">
+                    <a:lnL w="12700" cap="flat" cmpd="sng" algn="ctr">
+                      <a:solidFill>
+                        <a:schemeClr val="tx1"/>
+                      </a:solidFill>
+                      <a:prstDash val="solid"/>
+                      <a:round/>
+                      <a:headEnd type="none" w="med" len="med"/>
+                      <a:tailEnd type="none" w="med" len="med"/>
+                    </a:lnL>
+                    <a:lnR w="12700" cap="flat" cmpd="sng" algn="ctr">
+                      <a:solidFill>
+                        <a:schemeClr val="tx1"/>
+                      </a:solidFill>
+                      <a:prstDash val="solid"/>
+                      <a:round/>
+                      <a:headEnd type="none" w="med" len="med"/>
+                      <a:tailEnd type="none" w="med" len="med"/>
+                    </a:lnR>
+                    <a:lnT w="12700" cap="flat" cmpd="sng" algn="ctr">
+                      <a:solidFill>
+                        <a:schemeClr val="tx1"/>
+                      </a:solidFill>
+                      <a:prstDash val="solid"/>
+                      <a:round/>
+                      <a:headEnd type="none" w="med" len="med"/>
+                      <a:tailEnd type="none" w="med" len="med"/>
+                    </a:lnT>
+                    <a:lnB w="12700" cap="flat" cmpd="sng" algn="ctr">
+                      <a:solidFill>
+                        <a:schemeClr val="tx1"/>
+                      </a:solidFill>
+                      <a:prstDash val="solid"/>
+                      <a:round/>
+                      <a:headEnd type="none" w="med" len="med"/>
+                      <a:tailEnd type="none" w="med" len="med"/>
+                    </a:lnB>
+                    <a:solidFill>
+                      <a:srgbClr val="FBA305"/>
+                    </a:solidFill>
+                  </a:tcPr>
+                </a:tc>
+                <a:tc>
+                  <a:txBody>
+                    <a:bodyPr/>
+                    <a:lstStyle/>
+                    <a:p>
+                      <a:endParaRPr lang="en-GB" sz="2400" dirty="0"/>
+                    </a:p>
+                  </a:txBody>
+                  <a:tcPr marL="123950" marR="123950" marT="61976" marB="61976">
+                    <a:lnL w="12700" cap="flat" cmpd="sng" algn="ctr">
+                      <a:solidFill>
+                        <a:schemeClr val="tx1"/>
+                      </a:solidFill>
+                      <a:prstDash val="solid"/>
+                      <a:round/>
+                      <a:headEnd type="none" w="med" len="med"/>
+                      <a:tailEnd type="none" w="med" len="med"/>
+                    </a:lnL>
+                    <a:lnR w="12700" cap="flat" cmpd="sng" algn="ctr">
+                      <a:solidFill>
+                        <a:schemeClr val="tx1"/>
+                      </a:solidFill>
+                      <a:prstDash val="solid"/>
+                      <a:round/>
+                      <a:headEnd type="none" w="med" len="med"/>
+                      <a:tailEnd type="none" w="med" len="med"/>
+                    </a:lnR>
+                    <a:lnT w="12700" cap="flat" cmpd="sng" algn="ctr">
+                      <a:solidFill>
+                        <a:schemeClr val="tx1"/>
+                      </a:solidFill>
+                      <a:prstDash val="solid"/>
+                      <a:round/>
+                      <a:headEnd type="none" w="med" len="med"/>
+                      <a:tailEnd type="none" w="med" len="med"/>
+                    </a:lnT>
+                    <a:lnB w="12700" cap="flat" cmpd="sng" algn="ctr">
+                      <a:solidFill>
+                        <a:schemeClr val="tx1"/>
+                      </a:solidFill>
+                      <a:prstDash val="solid"/>
+                      <a:round/>
+                      <a:headEnd type="none" w="med" len="med"/>
+                      <a:tailEnd type="none" w="med" len="med"/>
+                    </a:lnB>
+                    <a:solidFill>
+                      <a:srgbClr val="FBA305"/>
+                    </a:solidFill>
+                  </a:tcPr>
+                </a:tc>
+                <a:tc>
+                  <a:txBody>
+                    <a:bodyPr/>
+                    <a:lstStyle/>
+                    <a:p>
+                      <a:endParaRPr lang="en-GB" sz="2400" dirty="0"/>
+                    </a:p>
+                  </a:txBody>
+                  <a:tcPr marL="123950" marR="123950" marT="61976" marB="61976">
+                    <a:lnL w="12700" cap="flat" cmpd="sng" algn="ctr">
+                      <a:solidFill>
+                        <a:schemeClr val="tx1"/>
+                      </a:solidFill>
+                      <a:prstDash val="solid"/>
+                      <a:round/>
+                      <a:headEnd type="none" w="med" len="med"/>
+                      <a:tailEnd type="none" w="med" len="med"/>
+                    </a:lnL>
+                    <a:lnR w="12700" cap="flat" cmpd="sng" algn="ctr">
+                      <a:solidFill>
+                        <a:schemeClr val="tx1"/>
+                      </a:solidFill>
+                      <a:prstDash val="solid"/>
+                      <a:round/>
+                      <a:headEnd type="none" w="med" len="med"/>
+                      <a:tailEnd type="none" w="med" len="med"/>
+                    </a:lnR>
+                    <a:lnT w="12700" cap="flat" cmpd="sng" algn="ctr">
+                      <a:solidFill>
+                        <a:schemeClr val="tx1"/>
+                      </a:solidFill>
+                      <a:prstDash val="solid"/>
+                      <a:round/>
+                      <a:headEnd type="none" w="med" len="med"/>
+                      <a:tailEnd type="none" w="med" len="med"/>
+                    </a:lnT>
+                    <a:lnB w="12700" cap="flat" cmpd="sng" algn="ctr">
+                      <a:solidFill>
+                        <a:schemeClr val="tx1"/>
+                      </a:solidFill>
+                      <a:prstDash val="solid"/>
+                      <a:round/>
+                      <a:headEnd type="none" w="med" len="med"/>
+                      <a:tailEnd type="none" w="med" len="med"/>
+                    </a:lnB>
+                    <a:solidFill>
+                      <a:schemeClr val="bg1"/>
+                    </a:solidFill>
+                  </a:tcPr>
+                </a:tc>
+                <a:tc>
+                  <a:txBody>
+                    <a:bodyPr/>
+                    <a:lstStyle/>
+                    <a:p>
+                      <a:endParaRPr lang="en-GB" sz="2400" dirty="0"/>
+                    </a:p>
+                  </a:txBody>
+                  <a:tcPr marL="123950" marR="123950" marT="61976" marB="61976">
+                    <a:lnL w="12700" cap="flat" cmpd="sng" algn="ctr">
+                      <a:solidFill>
+                        <a:schemeClr val="tx1"/>
+                      </a:solidFill>
+                      <a:prstDash val="solid"/>
+                      <a:round/>
+                      <a:headEnd type="none" w="med" len="med"/>
+                      <a:tailEnd type="none" w="med" len="med"/>
+                    </a:lnL>
+                    <a:lnR w="12700" cap="flat" cmpd="sng" algn="ctr">
+                      <a:solidFill>
+                        <a:schemeClr val="tx1"/>
+                      </a:solidFill>
+                      <a:prstDash val="solid"/>
+                      <a:round/>
+                      <a:headEnd type="none" w="med" len="med"/>
+                      <a:tailEnd type="none" w="med" len="med"/>
+                    </a:lnR>
+                    <a:lnT w="12700" cap="flat" cmpd="sng" algn="ctr">
+                      <a:solidFill>
+                        <a:schemeClr val="tx1"/>
+                      </a:solidFill>
+                      <a:prstDash val="solid"/>
+                      <a:round/>
+                      <a:headEnd type="none" w="med" len="med"/>
+                      <a:tailEnd type="none" w="med" len="med"/>
+                    </a:lnT>
+                    <a:lnB w="12700" cap="flat" cmpd="sng" algn="ctr">
+                      <a:solidFill>
+                        <a:schemeClr val="tx1"/>
+                      </a:solidFill>
+                      <a:prstDash val="solid"/>
+                      <a:round/>
+                      <a:headEnd type="none" w="med" len="med"/>
+                      <a:tailEnd type="none" w="med" len="med"/>
+                    </a:lnB>
+                    <a:solidFill>
+                      <a:schemeClr val="bg1"/>
+                    </a:solidFill>
+                  </a:tcPr>
+                </a:tc>
+                <a:extLst>
+                  <a:ext uri="{0D108BD9-81ED-4DB2-BD59-A6C34878D82A}">
+                    <a16:rowId xmlns:a16="http://schemas.microsoft.com/office/drawing/2014/main" val="688501460"/>
+                  </a:ext>
+                </a:extLst>
+              </a:tr>
+              <a:tr h="861368">
+                <a:tc>
+                  <a:txBody>
+                    <a:bodyPr/>
+                    <a:lstStyle/>
+                    <a:p>
+                      <a:endParaRPr lang="en-GB" sz="2400" dirty="0"/>
+                    </a:p>
+                  </a:txBody>
+                  <a:tcPr marL="123950" marR="123950" marT="61976" marB="61976">
+                    <a:lnL w="12700" cap="flat" cmpd="sng" algn="ctr">
+                      <a:solidFill>
+                        <a:schemeClr val="tx1"/>
+                      </a:solidFill>
+                      <a:prstDash val="solid"/>
+                      <a:round/>
+                      <a:headEnd type="none" w="med" len="med"/>
+                      <a:tailEnd type="none" w="med" len="med"/>
+                    </a:lnL>
+                    <a:lnR w="12700" cap="flat" cmpd="sng" algn="ctr">
+                      <a:solidFill>
+                        <a:schemeClr val="tx1"/>
+                      </a:solidFill>
+                      <a:prstDash val="solid"/>
+                      <a:round/>
+                      <a:headEnd type="none" w="med" len="med"/>
+                      <a:tailEnd type="none" w="med" len="med"/>
+                    </a:lnR>
+                    <a:lnT w="12700" cap="flat" cmpd="sng" algn="ctr">
+                      <a:solidFill>
+                        <a:schemeClr val="tx1"/>
+                      </a:solidFill>
+                      <a:prstDash val="solid"/>
+                      <a:round/>
+                      <a:headEnd type="none" w="med" len="med"/>
+                      <a:tailEnd type="none" w="med" len="med"/>
+                    </a:lnT>
+                    <a:lnB w="12700" cap="flat" cmpd="sng" algn="ctr">
+                      <a:solidFill>
+                        <a:schemeClr val="tx1"/>
+                      </a:solidFill>
+                      <a:prstDash val="solid"/>
+                      <a:round/>
+                      <a:headEnd type="none" w="med" len="med"/>
+                      <a:tailEnd type="none" w="med" len="med"/>
+                    </a:lnB>
+                    <a:solidFill>
+                      <a:srgbClr val="FBA305"/>
+                    </a:solidFill>
+                  </a:tcPr>
+                </a:tc>
+                <a:tc>
+                  <a:txBody>
+                    <a:bodyPr/>
+                    <a:lstStyle/>
+                    <a:p>
+                      <a:endParaRPr lang="en-GB" sz="2400" dirty="0"/>
+                    </a:p>
+                  </a:txBody>
+                  <a:tcPr marL="123950" marR="123950" marT="61976" marB="61976">
+                    <a:lnL w="12700" cap="flat" cmpd="sng" algn="ctr">
+                      <a:solidFill>
+                        <a:schemeClr val="tx1"/>
+                      </a:solidFill>
+                      <a:prstDash val="solid"/>
+                      <a:round/>
+                      <a:headEnd type="none" w="med" len="med"/>
+                      <a:tailEnd type="none" w="med" len="med"/>
+                    </a:lnL>
+                    <a:lnR w="12700" cap="flat" cmpd="sng" algn="ctr">
+                      <a:solidFill>
+                        <a:schemeClr val="tx1"/>
+                      </a:solidFill>
+                      <a:prstDash val="solid"/>
+                      <a:round/>
+                      <a:headEnd type="none" w="med" len="med"/>
+                      <a:tailEnd type="none" w="med" len="med"/>
+                    </a:lnR>
+                    <a:lnT w="12700" cap="flat" cmpd="sng" algn="ctr">
+                      <a:solidFill>
+                        <a:schemeClr val="tx1"/>
+                      </a:solidFill>
+                      <a:prstDash val="solid"/>
+                      <a:round/>
+                      <a:headEnd type="none" w="med" len="med"/>
+                      <a:tailEnd type="none" w="med" len="med"/>
+                    </a:lnT>
+                    <a:lnB w="12700" cap="flat" cmpd="sng" algn="ctr">
+                      <a:solidFill>
+                        <a:schemeClr val="tx1"/>
+                      </a:solidFill>
+                      <a:prstDash val="solid"/>
+                      <a:round/>
+                      <a:headEnd type="none" w="med" len="med"/>
+                      <a:tailEnd type="none" w="med" len="med"/>
+                    </a:lnB>
+                    <a:solidFill>
+                      <a:srgbClr val="FBA305"/>
+                    </a:solidFill>
+                  </a:tcPr>
+                </a:tc>
+                <a:tc>
+                  <a:txBody>
+                    <a:bodyPr/>
+                    <a:lstStyle/>
+                    <a:p>
+                      <a:endParaRPr lang="en-GB" sz="2400" dirty="0"/>
+                    </a:p>
+                  </a:txBody>
+                  <a:tcPr marL="123950" marR="123950" marT="61976" marB="61976">
+                    <a:lnL w="12700" cap="flat" cmpd="sng" algn="ctr">
+                      <a:solidFill>
+                        <a:schemeClr val="tx1"/>
+                      </a:solidFill>
+                      <a:prstDash val="solid"/>
+                      <a:round/>
+                      <a:headEnd type="none" w="med" len="med"/>
+                      <a:tailEnd type="none" w="med" len="med"/>
+                    </a:lnL>
+                    <a:lnR w="12700" cap="flat" cmpd="sng" algn="ctr">
+                      <a:solidFill>
+                        <a:schemeClr val="tx1"/>
+                      </a:solidFill>
+                      <a:prstDash val="solid"/>
+                      <a:round/>
+                      <a:headEnd type="none" w="med" len="med"/>
+                      <a:tailEnd type="none" w="med" len="med"/>
+                    </a:lnR>
+                    <a:lnT w="12700" cap="flat" cmpd="sng" algn="ctr">
+                      <a:solidFill>
+                        <a:schemeClr val="tx1"/>
+                      </a:solidFill>
+                      <a:prstDash val="solid"/>
+                      <a:round/>
+                      <a:headEnd type="none" w="med" len="med"/>
+                      <a:tailEnd type="none" w="med" len="med"/>
+                    </a:lnT>
+                    <a:lnB w="12700" cap="flat" cmpd="sng" algn="ctr">
+                      <a:solidFill>
+                        <a:schemeClr val="tx1"/>
+                      </a:solidFill>
+                      <a:prstDash val="solid"/>
+                      <a:round/>
+                      <a:headEnd type="none" w="med" len="med"/>
+                      <a:tailEnd type="none" w="med" len="med"/>
+                    </a:lnB>
+                    <a:solidFill>
+                      <a:srgbClr val="00B050"/>
+                    </a:solidFill>
+                  </a:tcPr>
+                </a:tc>
+                <a:tc>
+                  <a:txBody>
+                    <a:bodyPr/>
+                    <a:lstStyle/>
+                    <a:p>
+                      <a:endParaRPr lang="en-GB" sz="2400" dirty="0"/>
+                    </a:p>
+                  </a:txBody>
+                  <a:tcPr marL="123950" marR="123950" marT="61976" marB="61976">
+                    <a:lnL w="12700" cap="flat" cmpd="sng" algn="ctr">
+                      <a:solidFill>
+                        <a:schemeClr val="tx1"/>
+                      </a:solidFill>
+                      <a:prstDash val="solid"/>
+                      <a:round/>
+                      <a:headEnd type="none" w="med" len="med"/>
+                      <a:tailEnd type="none" w="med" len="med"/>
+                    </a:lnL>
+                    <a:lnR w="12700" cap="flat" cmpd="sng" algn="ctr">
+                      <a:solidFill>
+                        <a:schemeClr val="tx1"/>
+                      </a:solidFill>
+                      <a:prstDash val="solid"/>
+                      <a:round/>
+                      <a:headEnd type="none" w="med" len="med"/>
+                      <a:tailEnd type="none" w="med" len="med"/>
+                    </a:lnR>
+                    <a:lnT w="12700" cap="flat" cmpd="sng" algn="ctr">
+                      <a:solidFill>
+                        <a:schemeClr val="tx1"/>
+                      </a:solidFill>
+                      <a:prstDash val="solid"/>
+                      <a:round/>
+                      <a:headEnd type="none" w="med" len="med"/>
+                      <a:tailEnd type="none" w="med" len="med"/>
+                    </a:lnT>
+                    <a:lnB w="12700" cap="flat" cmpd="sng" algn="ctr">
+                      <a:solidFill>
+                        <a:schemeClr val="tx1"/>
+                      </a:solidFill>
+                      <a:prstDash val="solid"/>
+                      <a:round/>
+                      <a:headEnd type="none" w="med" len="med"/>
+                      <a:tailEnd type="none" w="med" len="med"/>
+                    </a:lnB>
+                    <a:solidFill>
+                      <a:srgbClr val="FBA305"/>
+                    </a:solidFill>
+                  </a:tcPr>
+                </a:tc>
+                <a:tc>
+                  <a:txBody>
+                    <a:bodyPr/>
+                    <a:lstStyle/>
+                    <a:p>
+                      <a:endParaRPr lang="en-GB" sz="2400" dirty="0"/>
+                    </a:p>
+                  </a:txBody>
+                  <a:tcPr marL="123950" marR="123950" marT="61976" marB="61976">
+                    <a:lnL w="12700" cap="flat" cmpd="sng" algn="ctr">
+                      <a:solidFill>
+                        <a:schemeClr val="tx1"/>
+                      </a:solidFill>
+                      <a:prstDash val="solid"/>
+                      <a:round/>
+                      <a:headEnd type="none" w="med" len="med"/>
+                      <a:tailEnd type="none" w="med" len="med"/>
+                    </a:lnL>
+                    <a:lnR w="12700" cap="flat" cmpd="sng" algn="ctr">
+                      <a:solidFill>
+                        <a:schemeClr val="tx1"/>
+                      </a:solidFill>
+                      <a:prstDash val="solid"/>
+                      <a:round/>
+                      <a:headEnd type="none" w="med" len="med"/>
+                      <a:tailEnd type="none" w="med" len="med"/>
+                    </a:lnR>
+                    <a:lnT w="12700" cap="flat" cmpd="sng" algn="ctr">
+                      <a:solidFill>
+                        <a:schemeClr val="tx1"/>
+                      </a:solidFill>
+                      <a:prstDash val="solid"/>
+                      <a:round/>
+                      <a:headEnd type="none" w="med" len="med"/>
+                      <a:tailEnd type="none" w="med" len="med"/>
+                    </a:lnT>
+                    <a:lnB w="12700" cap="flat" cmpd="sng" algn="ctr">
+                      <a:solidFill>
+                        <a:schemeClr val="tx1"/>
+                      </a:solidFill>
+                      <a:prstDash val="solid"/>
+                      <a:round/>
+                      <a:headEnd type="none" w="med" len="med"/>
+                      <a:tailEnd type="none" w="med" len="med"/>
+                    </a:lnB>
+                    <a:solidFill>
+                      <a:srgbClr val="FBA305"/>
+                    </a:solidFill>
+                  </a:tcPr>
+                </a:tc>
+                <a:tc>
+                  <a:txBody>
+                    <a:bodyPr/>
+                    <a:lstStyle/>
+                    <a:p>
+                      <a:endParaRPr lang="en-GB" sz="2400" dirty="0"/>
+                    </a:p>
+                  </a:txBody>
+                  <a:tcPr marL="123950" marR="123950" marT="61976" marB="61976">
+                    <a:lnL w="12700" cap="flat" cmpd="sng" algn="ctr">
+                      <a:solidFill>
+                        <a:schemeClr val="tx1"/>
+                      </a:solidFill>
+                      <a:prstDash val="solid"/>
+                      <a:round/>
+                      <a:headEnd type="none" w="med" len="med"/>
+                      <a:tailEnd type="none" w="med" len="med"/>
+                    </a:lnL>
+                    <a:lnR w="12700" cap="flat" cmpd="sng" algn="ctr">
+                      <a:solidFill>
+                        <a:schemeClr val="tx1"/>
+                      </a:solidFill>
+                      <a:prstDash val="solid"/>
+                      <a:round/>
+                      <a:headEnd type="none" w="med" len="med"/>
+                      <a:tailEnd type="none" w="med" len="med"/>
+                    </a:lnR>
+                    <a:lnT w="12700" cap="flat" cmpd="sng" algn="ctr">
+                      <a:solidFill>
+                        <a:schemeClr val="tx1"/>
+                      </a:solidFill>
+                      <a:prstDash val="solid"/>
+                      <a:round/>
+                      <a:headEnd type="none" w="med" len="med"/>
+                      <a:tailEnd type="none" w="med" len="med"/>
+                    </a:lnT>
+                    <a:lnB w="12700" cap="flat" cmpd="sng" algn="ctr">
+                      <a:solidFill>
+                        <a:schemeClr val="tx1"/>
+                      </a:solidFill>
+                      <a:prstDash val="solid"/>
+                      <a:round/>
+                      <a:headEnd type="none" w="med" len="med"/>
+                      <a:tailEnd type="none" w="med" len="med"/>
+                    </a:lnB>
+                    <a:solidFill>
+                      <a:srgbClr val="FBA305"/>
+                    </a:solidFill>
+                  </a:tcPr>
+                </a:tc>
+                <a:tc>
+                  <a:txBody>
+                    <a:bodyPr/>
+                    <a:lstStyle/>
+                    <a:p>
+                      <a:endParaRPr lang="en-GB" sz="2400" dirty="0"/>
+                    </a:p>
+                  </a:txBody>
+                  <a:tcPr marL="123950" marR="123950" marT="61976" marB="61976">
+                    <a:lnL w="12700" cap="flat" cmpd="sng" algn="ctr">
+                      <a:solidFill>
+                        <a:schemeClr val="tx1"/>
+                      </a:solidFill>
+                      <a:prstDash val="solid"/>
+                      <a:round/>
+                      <a:headEnd type="none" w="med" len="med"/>
+                      <a:tailEnd type="none" w="med" len="med"/>
+                    </a:lnL>
+                    <a:lnR w="12700" cap="flat" cmpd="sng" algn="ctr">
+                      <a:solidFill>
+                        <a:schemeClr val="tx1"/>
+                      </a:solidFill>
+                      <a:prstDash val="solid"/>
+                      <a:round/>
+                      <a:headEnd type="none" w="med" len="med"/>
+                      <a:tailEnd type="none" w="med" len="med"/>
+                    </a:lnR>
+                    <a:lnT w="12700" cap="flat" cmpd="sng" algn="ctr">
+                      <a:solidFill>
+                        <a:schemeClr val="tx1"/>
+                      </a:solidFill>
+                      <a:prstDash val="solid"/>
+                      <a:round/>
+                      <a:headEnd type="none" w="med" len="med"/>
+                      <a:tailEnd type="none" w="med" len="med"/>
+                    </a:lnT>
+                    <a:lnB w="12700" cap="flat" cmpd="sng" algn="ctr">
+                      <a:solidFill>
+                        <a:schemeClr val="tx1"/>
+                      </a:solidFill>
+                      <a:prstDash val="solid"/>
+                      <a:round/>
+                      <a:headEnd type="none" w="med" len="med"/>
+                      <a:tailEnd type="none" w="med" len="med"/>
+                    </a:lnB>
+                    <a:solidFill>
+                      <a:srgbClr val="00B050"/>
+                    </a:solidFill>
+                  </a:tcPr>
+                </a:tc>
+                <a:tc>
+                  <a:txBody>
+                    <a:bodyPr/>
+                    <a:lstStyle/>
+                    <a:p>
+                      <a:endParaRPr lang="en-GB" sz="2400" dirty="0"/>
+                    </a:p>
+                  </a:txBody>
+                  <a:tcPr marL="123950" marR="123950" marT="61976" marB="61976">
+                    <a:lnL w="12700" cap="flat" cmpd="sng" algn="ctr">
+                      <a:solidFill>
+                        <a:schemeClr val="tx1"/>
+                      </a:solidFill>
+                      <a:prstDash val="solid"/>
+                      <a:round/>
+                      <a:headEnd type="none" w="med" len="med"/>
+                      <a:tailEnd type="none" w="med" len="med"/>
+                    </a:lnL>
+                    <a:lnR w="12700" cap="flat" cmpd="sng" algn="ctr">
+                      <a:solidFill>
+                        <a:schemeClr val="tx1"/>
+                      </a:solidFill>
+                      <a:prstDash val="solid"/>
+                      <a:round/>
+                      <a:headEnd type="none" w="med" len="med"/>
+                      <a:tailEnd type="none" w="med" len="med"/>
+                    </a:lnR>
+                    <a:lnT w="12700" cap="flat" cmpd="sng" algn="ctr">
+                      <a:solidFill>
+                        <a:schemeClr val="tx1"/>
+                      </a:solidFill>
+                      <a:prstDash val="solid"/>
+                      <a:round/>
+                      <a:headEnd type="none" w="med" len="med"/>
+                      <a:tailEnd type="none" w="med" len="med"/>
+                    </a:lnT>
+                    <a:lnB w="12700" cap="flat" cmpd="sng" algn="ctr">
+                      <a:solidFill>
+                        <a:schemeClr val="tx1"/>
+                      </a:solidFill>
+                      <a:prstDash val="solid"/>
+                      <a:round/>
+                      <a:headEnd type="none" w="med" len="med"/>
+                      <a:tailEnd type="none" w="med" len="med"/>
+                    </a:lnB>
+                    <a:solidFill>
+                      <a:srgbClr val="FBA305"/>
+                    </a:solidFill>
+                  </a:tcPr>
+                </a:tc>
+                <a:tc>
+                  <a:txBody>
+                    <a:bodyPr/>
+                    <a:lstStyle/>
+                    <a:p>
+                      <a:endParaRPr lang="en-GB" sz="2400" dirty="0"/>
+                    </a:p>
+                  </a:txBody>
+                  <a:tcPr marL="123950" marR="123950" marT="61976" marB="61976">
+                    <a:lnL w="12700" cap="flat" cmpd="sng" algn="ctr">
+                      <a:solidFill>
+                        <a:schemeClr val="tx1"/>
+                      </a:solidFill>
+                      <a:prstDash val="solid"/>
+                      <a:round/>
+                      <a:headEnd type="none" w="med" len="med"/>
+                      <a:tailEnd type="none" w="med" len="med"/>
+                    </a:lnL>
+                    <a:lnR w="12700" cap="flat" cmpd="sng" algn="ctr">
+                      <a:solidFill>
+                        <a:schemeClr val="tx1"/>
+                      </a:solidFill>
+                      <a:prstDash val="solid"/>
+                      <a:round/>
+                      <a:headEnd type="none" w="med" len="med"/>
+                      <a:tailEnd type="none" w="med" len="med"/>
+                    </a:lnR>
+                    <a:lnT w="12700" cap="flat" cmpd="sng" algn="ctr">
+                      <a:solidFill>
+                        <a:schemeClr val="tx1"/>
+                      </a:solidFill>
+                      <a:prstDash val="solid"/>
+                      <a:round/>
+                      <a:headEnd type="none" w="med" len="med"/>
+                      <a:tailEnd type="none" w="med" len="med"/>
+                    </a:lnT>
+                    <a:lnB w="12700" cap="flat" cmpd="sng" algn="ctr">
+                      <a:solidFill>
+                        <a:schemeClr val="tx1"/>
+                      </a:solidFill>
+                      <a:prstDash val="solid"/>
+                      <a:round/>
+                      <a:headEnd type="none" w="med" len="med"/>
+                      <a:tailEnd type="none" w="med" len="med"/>
+                    </a:lnB>
+                    <a:solidFill>
+                      <a:srgbClr val="00B050"/>
+                    </a:solidFill>
+                  </a:tcPr>
+                </a:tc>
+                <a:tc>
+                  <a:txBody>
+                    <a:bodyPr/>
+                    <a:lstStyle/>
+                    <a:p>
+                      <a:endParaRPr lang="en-GB" sz="2400" dirty="0"/>
+                    </a:p>
+                  </a:txBody>
+                  <a:tcPr marL="123950" marR="123950" marT="61976" marB="61976">
+                    <a:lnL w="12700" cap="flat" cmpd="sng" algn="ctr">
+                      <a:solidFill>
+                        <a:schemeClr val="tx1"/>
+                      </a:solidFill>
+                      <a:prstDash val="solid"/>
+                      <a:round/>
+                      <a:headEnd type="none" w="med" len="med"/>
+                      <a:tailEnd type="none" w="med" len="med"/>
+                    </a:lnL>
+                    <a:lnR w="12700" cap="flat" cmpd="sng" algn="ctr">
+                      <a:solidFill>
+                        <a:schemeClr val="tx1"/>
+                      </a:solidFill>
+                      <a:prstDash val="solid"/>
+                      <a:round/>
+                      <a:headEnd type="none" w="med" len="med"/>
+                      <a:tailEnd type="none" w="med" len="med"/>
+                    </a:lnR>
+                    <a:lnT w="12700" cap="flat" cmpd="sng" algn="ctr">
+                      <a:solidFill>
+                        <a:schemeClr val="tx1"/>
+                      </a:solidFill>
+                      <a:prstDash val="solid"/>
+                      <a:round/>
+                      <a:headEnd type="none" w="med" len="med"/>
+                      <a:tailEnd type="none" w="med" len="med"/>
+                    </a:lnT>
+                    <a:lnB w="12700" cap="flat" cmpd="sng" algn="ctr">
+                      <a:solidFill>
+                        <a:schemeClr val="tx1"/>
+                      </a:solidFill>
+                      <a:prstDash val="solid"/>
+                      <a:round/>
+                      <a:headEnd type="none" w="med" len="med"/>
+                      <a:tailEnd type="none" w="med" len="med"/>
+                    </a:lnB>
+                    <a:solidFill>
+                      <a:srgbClr val="FBA305"/>
+                    </a:solidFill>
+                  </a:tcPr>
+                </a:tc>
+                <a:tc>
+                  <a:txBody>
+                    <a:bodyPr/>
+                    <a:lstStyle/>
+                    <a:p>
+                      <a:endParaRPr lang="en-GB" sz="2400" dirty="0"/>
+                    </a:p>
+                  </a:txBody>
+                  <a:tcPr marL="123950" marR="123950" marT="61976" marB="61976">
+                    <a:lnL w="12700" cap="flat" cmpd="sng" algn="ctr">
+                      <a:solidFill>
+                        <a:schemeClr val="tx1"/>
+                      </a:solidFill>
+                      <a:prstDash val="solid"/>
+                      <a:round/>
+                      <a:headEnd type="none" w="med" len="med"/>
+                      <a:tailEnd type="none" w="med" len="med"/>
+                    </a:lnL>
+                    <a:lnR w="12700" cap="flat" cmpd="sng" algn="ctr">
+                      <a:solidFill>
+                        <a:schemeClr val="tx1"/>
+                      </a:solidFill>
+                      <a:prstDash val="solid"/>
+                      <a:round/>
+                      <a:headEnd type="none" w="med" len="med"/>
+                      <a:tailEnd type="none" w="med" len="med"/>
+                    </a:lnR>
+                    <a:lnT w="12700" cap="flat" cmpd="sng" algn="ctr">
+                      <a:solidFill>
+                        <a:schemeClr val="tx1"/>
+                      </a:solidFill>
+                      <a:prstDash val="solid"/>
+                      <a:round/>
+                      <a:headEnd type="none" w="med" len="med"/>
+                      <a:tailEnd type="none" w="med" len="med"/>
+                    </a:lnT>
+                    <a:lnB w="12700" cap="flat" cmpd="sng" algn="ctr">
+                      <a:solidFill>
+                        <a:schemeClr val="tx1"/>
+                      </a:solidFill>
+                      <a:prstDash val="solid"/>
+                      <a:round/>
+                      <a:headEnd type="none" w="med" len="med"/>
+                      <a:tailEnd type="none" w="med" len="med"/>
+                    </a:lnB>
+                    <a:solidFill>
+                      <a:schemeClr val="bg1"/>
+                    </a:solidFill>
+                  </a:tcPr>
+                </a:tc>
+                <a:tc>
+                  <a:txBody>
+                    <a:bodyPr/>
+                    <a:lstStyle/>
+                    <a:p>
+                      <a:endParaRPr lang="en-GB" sz="2400" dirty="0"/>
+                    </a:p>
+                  </a:txBody>
+                  <a:tcPr marL="123950" marR="123950" marT="61976" marB="61976">
+                    <a:lnL w="12700" cap="flat" cmpd="sng" algn="ctr">
+                      <a:solidFill>
+                        <a:schemeClr val="tx1"/>
+                      </a:solidFill>
+                      <a:prstDash val="solid"/>
+                      <a:round/>
+                      <a:headEnd type="none" w="med" len="med"/>
+                      <a:tailEnd type="none" w="med" len="med"/>
+                    </a:lnL>
+                    <a:lnR w="12700" cap="flat" cmpd="sng" algn="ctr">
+                      <a:solidFill>
+                        <a:schemeClr val="tx1"/>
+                      </a:solidFill>
+                      <a:prstDash val="solid"/>
+                      <a:round/>
+                      <a:headEnd type="none" w="med" len="med"/>
+                      <a:tailEnd type="none" w="med" len="med"/>
+                    </a:lnR>
+                    <a:lnT w="12700" cap="flat" cmpd="sng" algn="ctr">
+                      <a:solidFill>
+                        <a:schemeClr val="tx1"/>
+                      </a:solidFill>
+                      <a:prstDash val="solid"/>
+                      <a:round/>
+                      <a:headEnd type="none" w="med" len="med"/>
+                      <a:tailEnd type="none" w="med" len="med"/>
+                    </a:lnT>
+                    <a:lnB w="12700" cap="flat" cmpd="sng" algn="ctr">
+                      <a:solidFill>
+                        <a:schemeClr val="tx1"/>
+                      </a:solidFill>
+                      <a:prstDash val="solid"/>
+                      <a:round/>
+                      <a:headEnd type="none" w="med" len="med"/>
+                      <a:tailEnd type="none" w="med" len="med"/>
+                    </a:lnB>
+                    <a:solidFill>
+                      <a:schemeClr val="bg1"/>
+                    </a:solidFill>
+                  </a:tcPr>
+                </a:tc>
+                <a:extLst>
+                  <a:ext uri="{0D108BD9-81ED-4DB2-BD59-A6C34878D82A}">
+                    <a16:rowId xmlns:a16="http://schemas.microsoft.com/office/drawing/2014/main" val="2180073286"/>
+                  </a:ext>
+                </a:extLst>
+              </a:tr>
+              <a:tr h="861368">
+                <a:tc>
+                  <a:txBody>
+                    <a:bodyPr/>
+                    <a:lstStyle/>
+                    <a:p>
+                      <a:endParaRPr lang="en-GB" sz="2400" dirty="0"/>
+                    </a:p>
+                  </a:txBody>
+                  <a:tcPr marL="123950" marR="123950" marT="61976" marB="61976">
+                    <a:lnL w="12700" cap="flat" cmpd="sng" algn="ctr">
+                      <a:solidFill>
+                        <a:schemeClr val="tx1"/>
+                      </a:solidFill>
+                      <a:prstDash val="solid"/>
+                      <a:round/>
+                      <a:headEnd type="none" w="med" len="med"/>
+                      <a:tailEnd type="none" w="med" len="med"/>
+                    </a:lnL>
+                    <a:lnR w="12700" cap="flat" cmpd="sng" algn="ctr">
+                      <a:solidFill>
+                        <a:schemeClr val="tx1"/>
+                      </a:solidFill>
+                      <a:prstDash val="solid"/>
+                      <a:round/>
+                      <a:headEnd type="none" w="med" len="med"/>
+                      <a:tailEnd type="none" w="med" len="med"/>
+                    </a:lnR>
+                    <a:lnT w="12700" cap="flat" cmpd="sng" algn="ctr">
+                      <a:solidFill>
+                        <a:schemeClr val="tx1"/>
+                      </a:solidFill>
+                      <a:prstDash val="solid"/>
+                      <a:round/>
+                      <a:headEnd type="none" w="med" len="med"/>
+                      <a:tailEnd type="none" w="med" len="med"/>
+                    </a:lnT>
+                    <a:lnB w="12700" cap="flat" cmpd="sng" algn="ctr">
+                      <a:solidFill>
+                        <a:schemeClr val="tx1"/>
+                      </a:solidFill>
+                      <a:prstDash val="solid"/>
+                      <a:round/>
+                      <a:headEnd type="none" w="med" len="med"/>
+                      <a:tailEnd type="none" w="med" len="med"/>
+                    </a:lnB>
+                    <a:solidFill>
+                      <a:srgbClr val="FBA305"/>
+                    </a:solidFill>
+                  </a:tcPr>
+                </a:tc>
+                <a:tc>
+                  <a:txBody>
+                    <a:bodyPr/>
+                    <a:lstStyle/>
+                    <a:p>
+                      <a:endParaRPr lang="en-GB" sz="2400" dirty="0"/>
+                    </a:p>
+                  </a:txBody>
+                  <a:tcPr marL="123950" marR="123950" marT="61976" marB="61976">
+                    <a:lnL w="12700" cap="flat" cmpd="sng" algn="ctr">
+                      <a:solidFill>
+                        <a:schemeClr val="tx1"/>
+                      </a:solidFill>
+                      <a:prstDash val="solid"/>
+                      <a:round/>
+                      <a:headEnd type="none" w="med" len="med"/>
+                      <a:tailEnd type="none" w="med" len="med"/>
+                    </a:lnL>
+                    <a:lnR w="12700" cap="flat" cmpd="sng" algn="ctr">
+                      <a:solidFill>
+                        <a:schemeClr val="tx1"/>
+                      </a:solidFill>
+                      <a:prstDash val="solid"/>
+                      <a:round/>
+                      <a:headEnd type="none" w="med" len="med"/>
+                      <a:tailEnd type="none" w="med" len="med"/>
+                    </a:lnR>
+                    <a:lnT w="12700" cap="flat" cmpd="sng" algn="ctr">
+                      <a:solidFill>
+                        <a:schemeClr val="tx1"/>
+                      </a:solidFill>
+                      <a:prstDash val="solid"/>
+                      <a:round/>
+                      <a:headEnd type="none" w="med" len="med"/>
+                      <a:tailEnd type="none" w="med" len="med"/>
+                    </a:lnT>
+                    <a:lnB w="12700" cap="flat" cmpd="sng" algn="ctr">
+                      <a:solidFill>
+                        <a:schemeClr val="tx1"/>
+                      </a:solidFill>
+                      <a:prstDash val="solid"/>
+                      <a:round/>
+                      <a:headEnd type="none" w="med" len="med"/>
+                      <a:tailEnd type="none" w="med" len="med"/>
+                    </a:lnB>
+                    <a:solidFill>
+                      <a:srgbClr val="FBA305"/>
+                    </a:solidFill>
+                  </a:tcPr>
+                </a:tc>
+                <a:tc>
+                  <a:txBody>
+                    <a:bodyPr/>
+                    <a:lstStyle/>
+                    <a:p>
+                      <a:endParaRPr lang="en-GB" sz="2400" dirty="0"/>
+                    </a:p>
+                  </a:txBody>
+                  <a:tcPr marL="123950" marR="123950" marT="61976" marB="61976">
+                    <a:lnL w="12700" cap="flat" cmpd="sng" algn="ctr">
+                      <a:solidFill>
+                        <a:schemeClr val="tx1"/>
+                      </a:solidFill>
+                      <a:prstDash val="solid"/>
+                      <a:round/>
+                      <a:headEnd type="none" w="med" len="med"/>
+                      <a:tailEnd type="none" w="med" len="med"/>
+                    </a:lnL>
+                    <a:lnR w="12700" cap="flat" cmpd="sng" algn="ctr">
+                      <a:solidFill>
+                        <a:schemeClr val="tx1"/>
+                      </a:solidFill>
+                      <a:prstDash val="solid"/>
+                      <a:round/>
+                      <a:headEnd type="none" w="med" len="med"/>
+                      <a:tailEnd type="none" w="med" len="med"/>
+                    </a:lnR>
+                    <a:lnT w="12700" cap="flat" cmpd="sng" algn="ctr">
+                      <a:solidFill>
+                        <a:schemeClr val="tx1"/>
+                      </a:solidFill>
+                      <a:prstDash val="solid"/>
+                      <a:round/>
+                      <a:headEnd type="none" w="med" len="med"/>
+                      <a:tailEnd type="none" w="med" len="med"/>
+                    </a:lnT>
+                    <a:lnB w="12700" cap="flat" cmpd="sng" algn="ctr">
+                      <a:solidFill>
+                        <a:schemeClr val="tx1"/>
+                      </a:solidFill>
+                      <a:prstDash val="solid"/>
+                      <a:round/>
+                      <a:headEnd type="none" w="med" len="med"/>
+                      <a:tailEnd type="none" w="med" len="med"/>
+                    </a:lnB>
+                    <a:solidFill>
+                      <a:srgbClr val="00B050"/>
+                    </a:solidFill>
+                  </a:tcPr>
+                </a:tc>
+                <a:tc>
+                  <a:txBody>
+                    <a:bodyPr/>
+                    <a:lstStyle/>
+                    <a:p>
+                      <a:endParaRPr lang="en-GB" sz="2400" dirty="0"/>
+                    </a:p>
+                  </a:txBody>
+                  <a:tcPr marL="123950" marR="123950" marT="61976" marB="61976">
+                    <a:lnL w="12700" cap="flat" cmpd="sng" algn="ctr">
+                      <a:solidFill>
+                        <a:schemeClr val="tx1"/>
+                      </a:solidFill>
+                      <a:prstDash val="solid"/>
+                      <a:round/>
+                      <a:headEnd type="none" w="med" len="med"/>
+                      <a:tailEnd type="none" w="med" len="med"/>
+                    </a:lnL>
+                    <a:lnR w="12700" cap="flat" cmpd="sng" algn="ctr">
+                      <a:solidFill>
+                        <a:schemeClr val="tx1"/>
+                      </a:solidFill>
+                      <a:prstDash val="solid"/>
+                      <a:round/>
+                      <a:headEnd type="none" w="med" len="med"/>
+                      <a:tailEnd type="none" w="med" len="med"/>
+                    </a:lnR>
+                    <a:lnT w="12700" cap="flat" cmpd="sng" algn="ctr">
+                      <a:solidFill>
+                        <a:schemeClr val="tx1"/>
+                      </a:solidFill>
+                      <a:prstDash val="solid"/>
+                      <a:round/>
+                      <a:headEnd type="none" w="med" len="med"/>
+                      <a:tailEnd type="none" w="med" len="med"/>
+                    </a:lnT>
+                    <a:lnB w="12700" cap="flat" cmpd="sng" algn="ctr">
+                      <a:solidFill>
+                        <a:schemeClr val="tx1"/>
+                      </a:solidFill>
+                      <a:prstDash val="solid"/>
+                      <a:round/>
+                      <a:headEnd type="none" w="med" len="med"/>
+                      <a:tailEnd type="none" w="med" len="med"/>
+                    </a:lnB>
+                    <a:solidFill>
+                      <a:srgbClr val="FBA305"/>
+                    </a:solidFill>
+                  </a:tcPr>
+                </a:tc>
+                <a:tc>
+                  <a:txBody>
+                    <a:bodyPr/>
+                    <a:lstStyle/>
+                    <a:p>
+                      <a:endParaRPr lang="en-GB" sz="2400" dirty="0"/>
+                    </a:p>
+                  </a:txBody>
+                  <a:tcPr marL="123950" marR="123950" marT="61976" marB="61976">
+                    <a:lnL w="12700" cap="flat" cmpd="sng" algn="ctr">
+                      <a:solidFill>
+                        <a:schemeClr val="tx1"/>
+                      </a:solidFill>
+                      <a:prstDash val="solid"/>
+                      <a:round/>
+                      <a:headEnd type="none" w="med" len="med"/>
+                      <a:tailEnd type="none" w="med" len="med"/>
+                    </a:lnL>
+                    <a:lnR w="12700" cap="flat" cmpd="sng" algn="ctr">
+                      <a:solidFill>
+                        <a:schemeClr val="tx1"/>
+                      </a:solidFill>
+                      <a:prstDash val="solid"/>
+                      <a:round/>
+                      <a:headEnd type="none" w="med" len="med"/>
+                      <a:tailEnd type="none" w="med" len="med"/>
+                    </a:lnR>
+                    <a:lnT w="12700" cap="flat" cmpd="sng" algn="ctr">
+                      <a:solidFill>
+                        <a:schemeClr val="tx1"/>
+                      </a:solidFill>
+                      <a:prstDash val="solid"/>
+                      <a:round/>
+                      <a:headEnd type="none" w="med" len="med"/>
+                      <a:tailEnd type="none" w="med" len="med"/>
+                    </a:lnT>
+                    <a:lnB w="12700" cap="flat" cmpd="sng" algn="ctr">
+                      <a:solidFill>
+                        <a:schemeClr val="tx1"/>
+                      </a:solidFill>
+                      <a:prstDash val="solid"/>
+                      <a:round/>
+                      <a:headEnd type="none" w="med" len="med"/>
+                      <a:tailEnd type="none" w="med" len="med"/>
+                    </a:lnB>
+                    <a:solidFill>
+                      <a:srgbClr val="FBA305"/>
+                    </a:solidFill>
+                  </a:tcPr>
+                </a:tc>
+                <a:tc>
+                  <a:txBody>
+                    <a:bodyPr/>
+                    <a:lstStyle/>
+                    <a:p>
+                      <a:endParaRPr lang="en-GB" sz="2400" dirty="0"/>
+                    </a:p>
+                  </a:txBody>
+                  <a:tcPr marL="123950" marR="123950" marT="61976" marB="61976">
+                    <a:lnL w="12700" cap="flat" cmpd="sng" algn="ctr">
+                      <a:solidFill>
+                        <a:schemeClr val="tx1"/>
+                      </a:solidFill>
+                      <a:prstDash val="solid"/>
+                      <a:round/>
+                      <a:headEnd type="none" w="med" len="med"/>
+                      <a:tailEnd type="none" w="med" len="med"/>
+                    </a:lnL>
+                    <a:lnR w="12700" cap="flat" cmpd="sng" algn="ctr">
+                      <a:solidFill>
+                        <a:schemeClr val="tx1"/>
+                      </a:solidFill>
+                      <a:prstDash val="solid"/>
+                      <a:round/>
+                      <a:headEnd type="none" w="med" len="med"/>
+                      <a:tailEnd type="none" w="med" len="med"/>
+                    </a:lnR>
+                    <a:lnT w="12700" cap="flat" cmpd="sng" algn="ctr">
+                      <a:solidFill>
+                        <a:schemeClr val="tx1"/>
+                      </a:solidFill>
+                      <a:prstDash val="solid"/>
+                      <a:round/>
+                      <a:headEnd type="none" w="med" len="med"/>
+                      <a:tailEnd type="none" w="med" len="med"/>
+                    </a:lnT>
+                    <a:lnB w="12700" cap="flat" cmpd="sng" algn="ctr">
+                      <a:solidFill>
+                        <a:schemeClr val="tx1"/>
+                      </a:solidFill>
+                      <a:prstDash val="solid"/>
+                      <a:round/>
+                      <a:headEnd type="none" w="med" len="med"/>
+                      <a:tailEnd type="none" w="med" len="med"/>
+                    </a:lnB>
+                    <a:solidFill>
+                      <a:srgbClr val="00B050"/>
+                    </a:solidFill>
+                  </a:tcPr>
+                </a:tc>
+                <a:tc>
+                  <a:txBody>
+                    <a:bodyPr/>
+                    <a:lstStyle/>
+                    <a:p>
+                      <a:endParaRPr lang="en-GB" sz="2400" dirty="0"/>
+                    </a:p>
+                  </a:txBody>
+                  <a:tcPr marL="123950" marR="123950" marT="61976" marB="61976">
+                    <a:lnL w="12700" cap="flat" cmpd="sng" algn="ctr">
+                      <a:solidFill>
+                        <a:schemeClr val="tx1"/>
+                      </a:solidFill>
+                      <a:prstDash val="solid"/>
+                      <a:round/>
+                      <a:headEnd type="none" w="med" len="med"/>
+                      <a:tailEnd type="none" w="med" len="med"/>
+                    </a:lnL>
+                    <a:lnR w="12700" cap="flat" cmpd="sng" algn="ctr">
+                      <a:solidFill>
+                        <a:schemeClr val="tx1"/>
+                      </a:solidFill>
+                      <a:prstDash val="solid"/>
+                      <a:round/>
+                      <a:headEnd type="none" w="med" len="med"/>
+                      <a:tailEnd type="none" w="med" len="med"/>
+                    </a:lnR>
+                    <a:lnT w="12700" cap="flat" cmpd="sng" algn="ctr">
+                      <a:solidFill>
+                        <a:schemeClr val="tx1"/>
+                      </a:solidFill>
+                      <a:prstDash val="solid"/>
+                      <a:round/>
+                      <a:headEnd type="none" w="med" len="med"/>
+                      <a:tailEnd type="none" w="med" len="med"/>
+                    </a:lnT>
+                    <a:lnB w="12700" cap="flat" cmpd="sng" algn="ctr">
+                      <a:solidFill>
+                        <a:schemeClr val="tx1"/>
+                      </a:solidFill>
+                      <a:prstDash val="solid"/>
+                      <a:round/>
+                      <a:headEnd type="none" w="med" len="med"/>
+                      <a:tailEnd type="none" w="med" len="med"/>
+                    </a:lnB>
+                    <a:solidFill>
+                      <a:srgbClr val="00B050"/>
+                    </a:solidFill>
+                  </a:tcPr>
+                </a:tc>
+                <a:tc>
+                  <a:txBody>
+                    <a:bodyPr/>
+                    <a:lstStyle/>
+                    <a:p>
+                      <a:endParaRPr lang="en-GB" sz="2400" dirty="0"/>
+                    </a:p>
+                  </a:txBody>
+                  <a:tcPr marL="123950" marR="123950" marT="61976" marB="61976">
+                    <a:lnL w="12700" cap="flat" cmpd="sng" algn="ctr">
+                      <a:solidFill>
+                        <a:schemeClr val="tx1"/>
+                      </a:solidFill>
+                      <a:prstDash val="solid"/>
+                      <a:round/>
+                      <a:headEnd type="none" w="med" len="med"/>
+                      <a:tailEnd type="none" w="med" len="med"/>
+                    </a:lnL>
+                    <a:lnR w="12700" cap="flat" cmpd="sng" algn="ctr">
+                      <a:solidFill>
+                        <a:schemeClr val="tx1"/>
+                      </a:solidFill>
+                      <a:prstDash val="solid"/>
+                      <a:round/>
+                      <a:headEnd type="none" w="med" len="med"/>
+                      <a:tailEnd type="none" w="med" len="med"/>
+                    </a:lnR>
+                    <a:lnT w="12700" cap="flat" cmpd="sng" algn="ctr">
+                      <a:solidFill>
+                        <a:schemeClr val="tx1"/>
+                      </a:solidFill>
+                      <a:prstDash val="solid"/>
+                      <a:round/>
+                      <a:headEnd type="none" w="med" len="med"/>
+                      <a:tailEnd type="none" w="med" len="med"/>
+                    </a:lnT>
+                    <a:lnB w="12700" cap="flat" cmpd="sng" algn="ctr">
+                      <a:solidFill>
+                        <a:schemeClr val="tx1"/>
+                      </a:solidFill>
+                      <a:prstDash val="solid"/>
+                      <a:round/>
+                      <a:headEnd type="none" w="med" len="med"/>
+                      <a:tailEnd type="none" w="med" len="med"/>
+                    </a:lnB>
+                    <a:solidFill>
+                      <a:srgbClr val="00B050"/>
+                    </a:solidFill>
+                  </a:tcPr>
+                </a:tc>
+                <a:tc>
+                  <a:txBody>
+                    <a:bodyPr/>
+                    <a:lstStyle/>
+                    <a:p>
+                      <a:endParaRPr lang="en-GB" sz="2400" dirty="0"/>
+                    </a:p>
+                  </a:txBody>
+                  <a:tcPr marL="123950" marR="123950" marT="61976" marB="61976">
+                    <a:lnL w="12700" cap="flat" cmpd="sng" algn="ctr">
+                      <a:solidFill>
+                        <a:schemeClr val="tx1"/>
+                      </a:solidFill>
+                      <a:prstDash val="solid"/>
+                      <a:round/>
+                      <a:headEnd type="none" w="med" len="med"/>
+                      <a:tailEnd type="none" w="med" len="med"/>
+                    </a:lnL>
+                    <a:lnR w="12700" cap="flat" cmpd="sng" algn="ctr">
+                      <a:solidFill>
+                        <a:schemeClr val="tx1"/>
+                      </a:solidFill>
+                      <a:prstDash val="solid"/>
+                      <a:round/>
+                      <a:headEnd type="none" w="med" len="med"/>
+                      <a:tailEnd type="none" w="med" len="med"/>
+                    </a:lnR>
+                    <a:lnT w="12700" cap="flat" cmpd="sng" algn="ctr">
+                      <a:solidFill>
+                        <a:schemeClr val="tx1"/>
+                      </a:solidFill>
+                      <a:prstDash val="solid"/>
+                      <a:round/>
+                      <a:headEnd type="none" w="med" len="med"/>
+                      <a:tailEnd type="none" w="med" len="med"/>
+                    </a:lnT>
+                    <a:lnB w="12700" cap="flat" cmpd="sng" algn="ctr">
+                      <a:solidFill>
+                        <a:schemeClr val="tx1"/>
+                      </a:solidFill>
+                      <a:prstDash val="solid"/>
+                      <a:round/>
+                      <a:headEnd type="none" w="med" len="med"/>
+                      <a:tailEnd type="none" w="med" len="med"/>
+                    </a:lnB>
+                    <a:solidFill>
+                      <a:srgbClr val="00B050"/>
+                    </a:solidFill>
+                  </a:tcPr>
+                </a:tc>
+                <a:tc>
+                  <a:txBody>
+                    <a:bodyPr/>
+                    <a:lstStyle/>
+                    <a:p>
+                      <a:endParaRPr lang="en-GB" sz="2400" dirty="0"/>
+                    </a:p>
+                  </a:txBody>
+                  <a:tcPr marL="123950" marR="123950" marT="61976" marB="61976">
+                    <a:lnL w="12700" cap="flat" cmpd="sng" algn="ctr">
+                      <a:solidFill>
+                        <a:schemeClr val="tx1"/>
+                      </a:solidFill>
+                      <a:prstDash val="solid"/>
+                      <a:round/>
+                      <a:headEnd type="none" w="med" len="med"/>
+                      <a:tailEnd type="none" w="med" len="med"/>
+                    </a:lnL>
+                    <a:lnR w="12700" cap="flat" cmpd="sng" algn="ctr">
+                      <a:solidFill>
+                        <a:schemeClr val="tx1"/>
+                      </a:solidFill>
+                      <a:prstDash val="solid"/>
+                      <a:round/>
+                      <a:headEnd type="none" w="med" len="med"/>
+                      <a:tailEnd type="none" w="med" len="med"/>
+                    </a:lnR>
+                    <a:lnT w="12700" cap="flat" cmpd="sng" algn="ctr">
+                      <a:solidFill>
+                        <a:schemeClr val="tx1"/>
+                      </a:solidFill>
+                      <a:prstDash val="solid"/>
+                      <a:round/>
+                      <a:headEnd type="none" w="med" len="med"/>
+                      <a:tailEnd type="none" w="med" len="med"/>
+                    </a:lnT>
+                    <a:lnB w="12700" cap="flat" cmpd="sng" algn="ctr">
+                      <a:solidFill>
+                        <a:schemeClr val="tx1"/>
+                      </a:solidFill>
+                      <a:prstDash val="solid"/>
+                      <a:round/>
+                      <a:headEnd type="none" w="med" len="med"/>
+                      <a:tailEnd type="none" w="med" len="med"/>
+                    </a:lnB>
+                    <a:solidFill>
+                      <a:srgbClr val="00B050"/>
+                    </a:solidFill>
+                  </a:tcPr>
+                </a:tc>
+                <a:tc>
+                  <a:txBody>
+                    <a:bodyPr/>
+                    <a:lstStyle/>
+                    <a:p>
+                      <a:endParaRPr lang="en-GB" sz="2400" dirty="0"/>
+                    </a:p>
+                  </a:txBody>
+                  <a:tcPr marL="123950" marR="123950" marT="61976" marB="61976">
+                    <a:lnL w="12700" cap="flat" cmpd="sng" algn="ctr">
+                      <a:solidFill>
+                        <a:schemeClr val="tx1"/>
+                      </a:solidFill>
+                      <a:prstDash val="solid"/>
+                      <a:round/>
+                      <a:headEnd type="none" w="med" len="med"/>
+                      <a:tailEnd type="none" w="med" len="med"/>
+                    </a:lnL>
+                    <a:lnR w="12700" cap="flat" cmpd="sng" algn="ctr">
+                      <a:solidFill>
+                        <a:schemeClr val="tx1"/>
+                      </a:solidFill>
+                      <a:prstDash val="solid"/>
+                      <a:round/>
+                      <a:headEnd type="none" w="med" len="med"/>
+                      <a:tailEnd type="none" w="med" len="med"/>
+                    </a:lnR>
+                    <a:lnT w="12700" cap="flat" cmpd="sng" algn="ctr">
+                      <a:solidFill>
+                        <a:schemeClr val="tx1"/>
+                      </a:solidFill>
+                      <a:prstDash val="solid"/>
+                      <a:round/>
+                      <a:headEnd type="none" w="med" len="med"/>
+                      <a:tailEnd type="none" w="med" len="med"/>
+                    </a:lnT>
+                    <a:lnB w="12700" cap="flat" cmpd="sng" algn="ctr">
+                      <a:solidFill>
+                        <a:schemeClr val="tx1"/>
+                      </a:solidFill>
+                      <a:prstDash val="solid"/>
+                      <a:round/>
+                      <a:headEnd type="none" w="med" len="med"/>
+                      <a:tailEnd type="none" w="med" len="med"/>
+                    </a:lnB>
+                    <a:solidFill>
+                      <a:srgbClr val="00B050"/>
+                    </a:solidFill>
+                  </a:tcPr>
+                </a:tc>
+                <a:tc>
+                  <a:txBody>
+                    <a:bodyPr/>
+                    <a:lstStyle/>
+                    <a:p>
+                      <a:endParaRPr lang="en-GB" sz="2400" dirty="0"/>
+                    </a:p>
+                  </a:txBody>
+                  <a:tcPr marL="123950" marR="123950" marT="61976" marB="61976">
+                    <a:lnL w="12700" cap="flat" cmpd="sng" algn="ctr">
+                      <a:solidFill>
+                        <a:schemeClr val="tx1"/>
+                      </a:solidFill>
+                      <a:prstDash val="solid"/>
+                      <a:round/>
+                      <a:headEnd type="none" w="med" len="med"/>
+                      <a:tailEnd type="none" w="med" len="med"/>
+                    </a:lnL>
+                    <a:lnR w="12700" cap="flat" cmpd="sng" algn="ctr">
+                      <a:solidFill>
+                        <a:schemeClr val="tx1"/>
+                      </a:solidFill>
+                      <a:prstDash val="solid"/>
+                      <a:round/>
+                      <a:headEnd type="none" w="med" len="med"/>
+                      <a:tailEnd type="none" w="med" len="med"/>
+                    </a:lnR>
+                    <a:lnT w="12700" cap="flat" cmpd="sng" algn="ctr">
+                      <a:solidFill>
+                        <a:schemeClr val="tx1"/>
+                      </a:solidFill>
+                      <a:prstDash val="solid"/>
+                      <a:round/>
+                      <a:headEnd type="none" w="med" len="med"/>
+                      <a:tailEnd type="none" w="med" len="med"/>
+                    </a:lnT>
+                    <a:lnB w="12700" cap="flat" cmpd="sng" algn="ctr">
+                      <a:solidFill>
+                        <a:schemeClr val="tx1"/>
+                      </a:solidFill>
+                      <a:prstDash val="solid"/>
+                      <a:round/>
+                      <a:headEnd type="none" w="med" len="med"/>
+                      <a:tailEnd type="none" w="med" len="med"/>
+                    </a:lnB>
+                    <a:solidFill>
+                      <a:schemeClr val="bg1"/>
+                    </a:solidFill>
+                  </a:tcPr>
+                </a:tc>
+                <a:extLst>
+                  <a:ext uri="{0D108BD9-81ED-4DB2-BD59-A6C34878D82A}">
+                    <a16:rowId xmlns:a16="http://schemas.microsoft.com/office/drawing/2014/main" val="2992135825"/>
+                  </a:ext>
+                </a:extLst>
+              </a:tr>
+              <a:tr h="861368">
+                <a:tc>
+                  <a:txBody>
+                    <a:bodyPr/>
+                    <a:lstStyle/>
+                    <a:p>
+                      <a:endParaRPr lang="en-GB" sz="2400" dirty="0"/>
+                    </a:p>
+                  </a:txBody>
+                  <a:tcPr marL="123950" marR="123950" marT="61976" marB="61976">
+                    <a:lnL w="12700" cap="flat" cmpd="sng" algn="ctr">
+                      <a:solidFill>
+                        <a:schemeClr val="tx1"/>
+                      </a:solidFill>
+                      <a:prstDash val="solid"/>
+                      <a:round/>
+                      <a:headEnd type="none" w="med" len="med"/>
+                      <a:tailEnd type="none" w="med" len="med"/>
+                    </a:lnL>
+                    <a:lnR w="12700" cap="flat" cmpd="sng" algn="ctr">
+                      <a:solidFill>
+                        <a:schemeClr val="tx1"/>
+                      </a:solidFill>
+                      <a:prstDash val="solid"/>
+                      <a:round/>
+                      <a:headEnd type="none" w="med" len="med"/>
+                      <a:tailEnd type="none" w="med" len="med"/>
+                    </a:lnR>
+                    <a:lnT w="12700" cap="flat" cmpd="sng" algn="ctr">
+                      <a:solidFill>
+                        <a:schemeClr val="tx1"/>
+                      </a:solidFill>
+                      <a:prstDash val="solid"/>
+                      <a:round/>
+                      <a:headEnd type="none" w="med" len="med"/>
+                      <a:tailEnd type="none" w="med" len="med"/>
+                    </a:lnT>
+                    <a:lnB w="12700" cap="flat" cmpd="sng" algn="ctr">
+                      <a:solidFill>
+                        <a:schemeClr val="tx1"/>
+                      </a:solidFill>
+                      <a:prstDash val="solid"/>
+                      <a:round/>
+                      <a:headEnd type="none" w="med" len="med"/>
+                      <a:tailEnd type="none" w="med" len="med"/>
+                    </a:lnB>
+                    <a:solidFill>
+                      <a:srgbClr val="FBA305"/>
+                    </a:solidFill>
+                  </a:tcPr>
+                </a:tc>
+                <a:tc>
+                  <a:txBody>
+                    <a:bodyPr/>
+                    <a:lstStyle/>
+                    <a:p>
+                      <a:endParaRPr lang="en-GB" sz="2400" dirty="0"/>
+                    </a:p>
+                  </a:txBody>
+                  <a:tcPr marL="123950" marR="123950" marT="61976" marB="61976">
+                    <a:lnL w="12700" cap="flat" cmpd="sng" algn="ctr">
+                      <a:solidFill>
+                        <a:schemeClr val="tx1"/>
+                      </a:solidFill>
+                      <a:prstDash val="solid"/>
+                      <a:round/>
+                      <a:headEnd type="none" w="med" len="med"/>
+                      <a:tailEnd type="none" w="med" len="med"/>
+                    </a:lnL>
+                    <a:lnR w="12700" cap="flat" cmpd="sng" algn="ctr">
+                      <a:solidFill>
+                        <a:schemeClr val="tx1"/>
+                      </a:solidFill>
+                      <a:prstDash val="solid"/>
+                      <a:round/>
+                      <a:headEnd type="none" w="med" len="med"/>
+                      <a:tailEnd type="none" w="med" len="med"/>
+                    </a:lnR>
+                    <a:lnT w="12700" cap="flat" cmpd="sng" algn="ctr">
+                      <a:solidFill>
+                        <a:schemeClr val="tx1"/>
+                      </a:solidFill>
+                      <a:prstDash val="solid"/>
+                      <a:round/>
+                      <a:headEnd type="none" w="med" len="med"/>
+                      <a:tailEnd type="none" w="med" len="med"/>
+                    </a:lnT>
+                    <a:lnB w="12700" cap="flat" cmpd="sng" algn="ctr">
+                      <a:solidFill>
+                        <a:schemeClr val="tx1"/>
+                      </a:solidFill>
+                      <a:prstDash val="solid"/>
+                      <a:round/>
+                      <a:headEnd type="none" w="med" len="med"/>
+                      <a:tailEnd type="none" w="med" len="med"/>
+                    </a:lnB>
+                    <a:solidFill>
+                      <a:srgbClr val="FBA305"/>
+                    </a:solidFill>
+                  </a:tcPr>
+                </a:tc>
+                <a:tc>
+                  <a:txBody>
+                    <a:bodyPr/>
+                    <a:lstStyle/>
+                    <a:p>
+                      <a:endParaRPr lang="en-GB" sz="2400" dirty="0"/>
+                    </a:p>
+                  </a:txBody>
+                  <a:tcPr marL="123950" marR="123950" marT="61976" marB="61976">
+                    <a:lnL w="12700" cap="flat" cmpd="sng" algn="ctr">
+                      <a:solidFill>
+                        <a:schemeClr val="tx1"/>
+                      </a:solidFill>
+                      <a:prstDash val="solid"/>
+                      <a:round/>
+                      <a:headEnd type="none" w="med" len="med"/>
+                      <a:tailEnd type="none" w="med" len="med"/>
+                    </a:lnL>
+                    <a:lnR w="12700" cap="flat" cmpd="sng" algn="ctr">
+                      <a:solidFill>
+                        <a:schemeClr val="tx1"/>
+                      </a:solidFill>
+                      <a:prstDash val="solid"/>
+                      <a:round/>
+                      <a:headEnd type="none" w="med" len="med"/>
+                      <a:tailEnd type="none" w="med" len="med"/>
+                    </a:lnR>
+                    <a:lnT w="12700" cap="flat" cmpd="sng" algn="ctr">
+                      <a:solidFill>
+                        <a:schemeClr val="tx1"/>
+                      </a:solidFill>
+                      <a:prstDash val="solid"/>
+                      <a:round/>
+                      <a:headEnd type="none" w="med" len="med"/>
+                      <a:tailEnd type="none" w="med" len="med"/>
+                    </a:lnT>
+                    <a:lnB w="12700" cap="flat" cmpd="sng" algn="ctr">
+                      <a:solidFill>
+                        <a:schemeClr val="tx1"/>
+                      </a:solidFill>
+                      <a:prstDash val="solid"/>
+                      <a:round/>
+                      <a:headEnd type="none" w="med" len="med"/>
+                      <a:tailEnd type="none" w="med" len="med"/>
+                    </a:lnB>
+                    <a:solidFill>
+                      <a:srgbClr val="00B050"/>
+                    </a:solidFill>
+                  </a:tcPr>
+                </a:tc>
+                <a:tc>
+                  <a:txBody>
+                    <a:bodyPr/>
+                    <a:lstStyle/>
+                    <a:p>
+                      <a:endParaRPr lang="en-GB" sz="2400"/>
+                    </a:p>
+                  </a:txBody>
+                  <a:tcPr marL="123950" marR="123950" marT="61976" marB="61976">
+                    <a:lnL w="12700" cap="flat" cmpd="sng" algn="ctr">
+                      <a:solidFill>
+                        <a:schemeClr val="tx1"/>
+                      </a:solidFill>
+                      <a:prstDash val="solid"/>
+                      <a:round/>
+                      <a:headEnd type="none" w="med" len="med"/>
+                      <a:tailEnd type="none" w="med" len="med"/>
+                    </a:lnL>
+                    <a:lnR w="12700" cap="flat" cmpd="sng" algn="ctr">
+                      <a:solidFill>
+                        <a:schemeClr val="tx1"/>
+                      </a:solidFill>
+                      <a:prstDash val="solid"/>
+                      <a:round/>
+                      <a:headEnd type="none" w="med" len="med"/>
+                      <a:tailEnd type="none" w="med" len="med"/>
+                    </a:lnR>
+                    <a:lnT w="12700" cap="flat" cmpd="sng" algn="ctr">
+                      <a:solidFill>
+                        <a:schemeClr val="tx1"/>
+                      </a:solidFill>
+                      <a:prstDash val="solid"/>
+                      <a:round/>
+                      <a:headEnd type="none" w="med" len="med"/>
+                      <a:tailEnd type="none" w="med" len="med"/>
+                    </a:lnT>
+                    <a:lnB w="12700" cap="flat" cmpd="sng" algn="ctr">
+                      <a:solidFill>
+                        <a:schemeClr val="tx1"/>
+                      </a:solidFill>
+                      <a:prstDash val="solid"/>
+                      <a:round/>
+                      <a:headEnd type="none" w="med" len="med"/>
+                      <a:tailEnd type="none" w="med" len="med"/>
+                    </a:lnB>
+                    <a:solidFill>
+                      <a:srgbClr val="00B050"/>
+                    </a:solidFill>
+                  </a:tcPr>
+                </a:tc>
+                <a:tc>
+                  <a:txBody>
+                    <a:bodyPr/>
+                    <a:lstStyle/>
+                    <a:p>
+                      <a:endParaRPr lang="en-GB" sz="2400" dirty="0"/>
+                    </a:p>
+                  </a:txBody>
+                  <a:tcPr marL="123950" marR="123950" marT="61976" marB="61976">
+                    <a:lnL w="12700" cap="flat" cmpd="sng" algn="ctr">
+                      <a:solidFill>
+                        <a:schemeClr val="tx1"/>
+                      </a:solidFill>
+                      <a:prstDash val="solid"/>
+                      <a:round/>
+                      <a:headEnd type="none" w="med" len="med"/>
+                      <a:tailEnd type="none" w="med" len="med"/>
+                    </a:lnL>
+                    <a:lnR w="12700" cap="flat" cmpd="sng" algn="ctr">
+                      <a:solidFill>
+                        <a:schemeClr val="tx1"/>
+                      </a:solidFill>
+                      <a:prstDash val="solid"/>
+                      <a:round/>
+                      <a:headEnd type="none" w="med" len="med"/>
+                      <a:tailEnd type="none" w="med" len="med"/>
+                    </a:lnR>
+                    <a:lnT w="12700" cap="flat" cmpd="sng" algn="ctr">
+                      <a:solidFill>
+                        <a:schemeClr val="tx1"/>
+                      </a:solidFill>
+                      <a:prstDash val="solid"/>
+                      <a:round/>
+                      <a:headEnd type="none" w="med" len="med"/>
+                      <a:tailEnd type="none" w="med" len="med"/>
+                    </a:lnT>
+                    <a:lnB w="12700" cap="flat" cmpd="sng" algn="ctr">
+                      <a:solidFill>
+                        <a:schemeClr val="tx1"/>
+                      </a:solidFill>
+                      <a:prstDash val="solid"/>
+                      <a:round/>
+                      <a:headEnd type="none" w="med" len="med"/>
+                      <a:tailEnd type="none" w="med" len="med"/>
+                    </a:lnB>
+                    <a:solidFill>
+                      <a:srgbClr val="00B050"/>
+                    </a:solidFill>
+                  </a:tcPr>
+                </a:tc>
+                <a:tc>
+                  <a:txBody>
+                    <a:bodyPr/>
+                    <a:lstStyle/>
+                    <a:p>
+                      <a:endParaRPr lang="en-GB" sz="2400" dirty="0"/>
+                    </a:p>
+                  </a:txBody>
+                  <a:tcPr marL="123950" marR="123950" marT="61976" marB="61976">
+                    <a:lnL w="12700" cap="flat" cmpd="sng" algn="ctr">
+                      <a:solidFill>
+                        <a:schemeClr val="tx1"/>
+                      </a:solidFill>
+                      <a:prstDash val="solid"/>
+                      <a:round/>
+                      <a:headEnd type="none" w="med" len="med"/>
+                      <a:tailEnd type="none" w="med" len="med"/>
+                    </a:lnL>
+                    <a:lnR w="12700" cap="flat" cmpd="sng" algn="ctr">
+                      <a:solidFill>
+                        <a:schemeClr val="tx1"/>
+                      </a:solidFill>
+                      <a:prstDash val="solid"/>
+                      <a:round/>
+                      <a:headEnd type="none" w="med" len="med"/>
+                      <a:tailEnd type="none" w="med" len="med"/>
+                    </a:lnR>
+                    <a:lnT w="12700" cap="flat" cmpd="sng" algn="ctr">
+                      <a:solidFill>
+                        <a:schemeClr val="tx1"/>
+                      </a:solidFill>
+                      <a:prstDash val="solid"/>
+                      <a:round/>
+                      <a:headEnd type="none" w="med" len="med"/>
+                      <a:tailEnd type="none" w="med" len="med"/>
+                    </a:lnT>
+                    <a:lnB w="12700" cap="flat" cmpd="sng" algn="ctr">
+                      <a:solidFill>
+                        <a:schemeClr val="tx1"/>
+                      </a:solidFill>
+                      <a:prstDash val="solid"/>
+                      <a:round/>
+                      <a:headEnd type="none" w="med" len="med"/>
+                      <a:tailEnd type="none" w="med" len="med"/>
+                    </a:lnB>
+                    <a:solidFill>
+                      <a:srgbClr val="00B050"/>
+                    </a:solidFill>
+                  </a:tcPr>
+                </a:tc>
+                <a:tc>
+                  <a:txBody>
+                    <a:bodyPr/>
+                    <a:lstStyle/>
+                    <a:p>
+                      <a:endParaRPr lang="en-GB" sz="2400" dirty="0"/>
+                    </a:p>
+                  </a:txBody>
+                  <a:tcPr marL="123950" marR="123950" marT="61976" marB="61976">
+                    <a:lnL w="12700" cap="flat" cmpd="sng" algn="ctr">
+                      <a:solidFill>
+                        <a:schemeClr val="tx1"/>
+                      </a:solidFill>
+                      <a:prstDash val="solid"/>
+                      <a:round/>
+                      <a:headEnd type="none" w="med" len="med"/>
+                      <a:tailEnd type="none" w="med" len="med"/>
+                    </a:lnL>
+                    <a:lnR w="12700" cap="flat" cmpd="sng" algn="ctr">
+                      <a:solidFill>
+                        <a:schemeClr val="tx1"/>
+                      </a:solidFill>
+                      <a:prstDash val="solid"/>
+                      <a:round/>
+                      <a:headEnd type="none" w="med" len="med"/>
+                      <a:tailEnd type="none" w="med" len="med"/>
+                    </a:lnR>
+                    <a:lnT w="12700" cap="flat" cmpd="sng" algn="ctr">
+                      <a:solidFill>
+                        <a:schemeClr val="tx1"/>
+                      </a:solidFill>
+                      <a:prstDash val="solid"/>
+                      <a:round/>
+                      <a:headEnd type="none" w="med" len="med"/>
+                      <a:tailEnd type="none" w="med" len="med"/>
+                    </a:lnT>
+                    <a:lnB w="12700" cap="flat" cmpd="sng" algn="ctr">
+                      <a:solidFill>
+                        <a:schemeClr val="tx1"/>
+                      </a:solidFill>
+                      <a:prstDash val="solid"/>
+                      <a:round/>
+                      <a:headEnd type="none" w="med" len="med"/>
+                      <a:tailEnd type="none" w="med" len="med"/>
+                    </a:lnB>
+                    <a:solidFill>
+                      <a:srgbClr val="00B050"/>
+                    </a:solidFill>
+                  </a:tcPr>
+                </a:tc>
+                <a:tc>
+                  <a:txBody>
+                    <a:bodyPr/>
+                    <a:lstStyle/>
+                    <a:p>
+                      <a:endParaRPr lang="en-GB" sz="2400" dirty="0"/>
+                    </a:p>
+                  </a:txBody>
+                  <a:tcPr marL="123950" marR="123950" marT="61976" marB="61976">
+                    <a:lnL w="12700" cap="flat" cmpd="sng" algn="ctr">
+                      <a:solidFill>
+                        <a:schemeClr val="tx1"/>
+                      </a:solidFill>
+                      <a:prstDash val="solid"/>
+                      <a:round/>
+                      <a:headEnd type="none" w="med" len="med"/>
+                      <a:tailEnd type="none" w="med" len="med"/>
+                    </a:lnL>
+                    <a:lnR w="12700" cap="flat" cmpd="sng" algn="ctr">
+                      <a:solidFill>
+                        <a:schemeClr val="tx1"/>
+                      </a:solidFill>
+                      <a:prstDash val="solid"/>
+                      <a:round/>
+                      <a:headEnd type="none" w="med" len="med"/>
+                      <a:tailEnd type="none" w="med" len="med"/>
+                    </a:lnR>
+                    <a:lnT w="12700" cap="flat" cmpd="sng" algn="ctr">
+                      <a:solidFill>
+                        <a:schemeClr val="tx1"/>
+                      </a:solidFill>
+                      <a:prstDash val="solid"/>
+                      <a:round/>
+                      <a:headEnd type="none" w="med" len="med"/>
+                      <a:tailEnd type="none" w="med" len="med"/>
+                    </a:lnT>
+                    <a:lnB w="12700" cap="flat" cmpd="sng" algn="ctr">
+                      <a:solidFill>
+                        <a:schemeClr val="tx1"/>
+                      </a:solidFill>
+                      <a:prstDash val="solid"/>
+                      <a:round/>
+                      <a:headEnd type="none" w="med" len="med"/>
+                      <a:tailEnd type="none" w="med" len="med"/>
+                    </a:lnB>
+                    <a:solidFill>
+                      <a:srgbClr val="00B050"/>
+                    </a:solidFill>
+                  </a:tcPr>
+                </a:tc>
+                <a:tc>
+                  <a:txBody>
+                    <a:bodyPr/>
+                    <a:lstStyle/>
+                    <a:p>
+                      <a:endParaRPr lang="en-GB" sz="2400" dirty="0"/>
+                    </a:p>
+                  </a:txBody>
+                  <a:tcPr marL="123950" marR="123950" marT="61976" marB="61976">
+                    <a:lnL w="12700" cap="flat" cmpd="sng" algn="ctr">
+                      <a:solidFill>
+                        <a:schemeClr val="tx1"/>
+                      </a:solidFill>
+                      <a:prstDash val="solid"/>
+                      <a:round/>
+                      <a:headEnd type="none" w="med" len="med"/>
+                      <a:tailEnd type="none" w="med" len="med"/>
+                    </a:lnL>
+                    <a:lnR w="12700" cap="flat" cmpd="sng" algn="ctr">
+                      <a:solidFill>
+                        <a:schemeClr val="tx1"/>
+                      </a:solidFill>
+                      <a:prstDash val="solid"/>
+                      <a:round/>
+                      <a:headEnd type="none" w="med" len="med"/>
+                      <a:tailEnd type="none" w="med" len="med"/>
+                    </a:lnR>
+                    <a:lnT w="12700" cap="flat" cmpd="sng" algn="ctr">
+                      <a:solidFill>
+                        <a:schemeClr val="tx1"/>
+                      </a:solidFill>
+                      <a:prstDash val="solid"/>
+                      <a:round/>
+                      <a:headEnd type="none" w="med" len="med"/>
+                      <a:tailEnd type="none" w="med" len="med"/>
+                    </a:lnT>
+                    <a:lnB w="12700" cap="flat" cmpd="sng" algn="ctr">
+                      <a:solidFill>
+                        <a:schemeClr val="tx1"/>
+                      </a:solidFill>
+                      <a:prstDash val="solid"/>
+                      <a:round/>
+                      <a:headEnd type="none" w="med" len="med"/>
+                      <a:tailEnd type="none" w="med" len="med"/>
+                    </a:lnB>
+                    <a:solidFill>
+                      <a:srgbClr val="00B050"/>
+                    </a:solidFill>
+                  </a:tcPr>
+                </a:tc>
+                <a:tc>
+                  <a:txBody>
+                    <a:bodyPr/>
+                    <a:lstStyle/>
+                    <a:p>
+                      <a:endParaRPr lang="en-GB" sz="2400" dirty="0"/>
+                    </a:p>
+                  </a:txBody>
+                  <a:tcPr marL="123950" marR="123950" marT="61976" marB="61976">
+                    <a:lnL w="12700" cap="flat" cmpd="sng" algn="ctr">
+                      <a:solidFill>
+                        <a:schemeClr val="tx1"/>
+                      </a:solidFill>
+                      <a:prstDash val="solid"/>
+                      <a:round/>
+                      <a:headEnd type="none" w="med" len="med"/>
+                      <a:tailEnd type="none" w="med" len="med"/>
+                    </a:lnL>
+                    <a:lnR w="12700" cap="flat" cmpd="sng" algn="ctr">
+                      <a:solidFill>
+                        <a:schemeClr val="tx1"/>
+                      </a:solidFill>
+                      <a:prstDash val="solid"/>
+                      <a:round/>
+                      <a:headEnd type="none" w="med" len="med"/>
+                      <a:tailEnd type="none" w="med" len="med"/>
+                    </a:lnR>
+                    <a:lnT w="12700" cap="flat" cmpd="sng" algn="ctr">
+                      <a:solidFill>
+                        <a:schemeClr val="tx1"/>
+                      </a:solidFill>
+                      <a:prstDash val="solid"/>
+                      <a:round/>
+                      <a:headEnd type="none" w="med" len="med"/>
+                      <a:tailEnd type="none" w="med" len="med"/>
+                    </a:lnT>
+                    <a:lnB w="12700" cap="flat" cmpd="sng" algn="ctr">
+                      <a:solidFill>
+                        <a:schemeClr val="tx1"/>
+                      </a:solidFill>
+                      <a:prstDash val="solid"/>
+                      <a:round/>
+                      <a:headEnd type="none" w="med" len="med"/>
+                      <a:tailEnd type="none" w="med" len="med"/>
+                    </a:lnB>
+                    <a:solidFill>
+                      <a:srgbClr val="00B050"/>
+                    </a:solidFill>
+                  </a:tcPr>
+                </a:tc>
+                <a:tc>
+                  <a:txBody>
+                    <a:bodyPr/>
+                    <a:lstStyle/>
+                    <a:p>
+                      <a:endParaRPr lang="en-GB" sz="2400" dirty="0"/>
+                    </a:p>
+                  </a:txBody>
+                  <a:tcPr marL="123950" marR="123950" marT="61976" marB="61976">
+                    <a:lnL w="12700" cap="flat" cmpd="sng" algn="ctr">
+                      <a:solidFill>
+                        <a:schemeClr val="tx1"/>
+                      </a:solidFill>
+                      <a:prstDash val="solid"/>
+                      <a:round/>
+                      <a:headEnd type="none" w="med" len="med"/>
+                      <a:tailEnd type="none" w="med" len="med"/>
+                    </a:lnL>
+                    <a:lnR w="12700" cap="flat" cmpd="sng" algn="ctr">
+                      <a:solidFill>
+                        <a:schemeClr val="tx1"/>
+                      </a:solidFill>
+                      <a:prstDash val="solid"/>
+                      <a:round/>
+                      <a:headEnd type="none" w="med" len="med"/>
+                      <a:tailEnd type="none" w="med" len="med"/>
+                    </a:lnR>
+                    <a:lnT w="12700" cap="flat" cmpd="sng" algn="ctr">
+                      <a:solidFill>
+                        <a:schemeClr val="tx1"/>
+                      </a:solidFill>
+                      <a:prstDash val="solid"/>
+                      <a:round/>
+                      <a:headEnd type="none" w="med" len="med"/>
+                      <a:tailEnd type="none" w="med" len="med"/>
+                    </a:lnT>
+                    <a:lnB w="12700" cap="flat" cmpd="sng" algn="ctr">
+                      <a:solidFill>
+                        <a:schemeClr val="tx1"/>
+                      </a:solidFill>
+                      <a:prstDash val="solid"/>
+                      <a:round/>
+                      <a:headEnd type="none" w="med" len="med"/>
+                      <a:tailEnd type="none" w="med" len="med"/>
+                    </a:lnB>
+                    <a:solidFill>
+                      <a:srgbClr val="00B050"/>
+                    </a:solidFill>
+                  </a:tcPr>
+                </a:tc>
+                <a:tc>
+                  <a:txBody>
+                    <a:bodyPr/>
+                    <a:lstStyle/>
+                    <a:p>
+                      <a:endParaRPr lang="en-GB" sz="2400" dirty="0"/>
+                    </a:p>
+                  </a:txBody>
+                  <a:tcPr marL="123950" marR="123950" marT="61976" marB="61976">
+                    <a:lnL w="12700" cap="flat" cmpd="sng" algn="ctr">
+                      <a:solidFill>
+                        <a:schemeClr val="tx1"/>
+                      </a:solidFill>
+                      <a:prstDash val="solid"/>
+                      <a:round/>
+                      <a:headEnd type="none" w="med" len="med"/>
+                      <a:tailEnd type="none" w="med" len="med"/>
+                    </a:lnL>
+                    <a:lnR w="12700" cap="flat" cmpd="sng" algn="ctr">
+                      <a:solidFill>
+                        <a:schemeClr val="tx1"/>
+                      </a:solidFill>
+                      <a:prstDash val="solid"/>
+                      <a:round/>
+                      <a:headEnd type="none" w="med" len="med"/>
+                      <a:tailEnd type="none" w="med" len="med"/>
+                    </a:lnR>
+                    <a:lnT w="12700" cap="flat" cmpd="sng" algn="ctr">
+                      <a:solidFill>
+                        <a:schemeClr val="tx1"/>
+                      </a:solidFill>
+                      <a:prstDash val="solid"/>
+                      <a:round/>
+                      <a:headEnd type="none" w="med" len="med"/>
+                      <a:tailEnd type="none" w="med" len="med"/>
+                    </a:lnT>
+                    <a:lnB w="12700" cap="flat" cmpd="sng" algn="ctr">
+                      <a:solidFill>
+                        <a:schemeClr val="tx1"/>
+                      </a:solidFill>
+                      <a:prstDash val="solid"/>
+                      <a:round/>
+                      <a:headEnd type="none" w="med" len="med"/>
+                      <a:tailEnd type="none" w="med" len="med"/>
+                    </a:lnB>
+                    <a:solidFill>
+                      <a:schemeClr val="bg1"/>
+                    </a:solidFill>
+                  </a:tcPr>
+                </a:tc>
+                <a:extLst>
+                  <a:ext uri="{0D108BD9-81ED-4DB2-BD59-A6C34878D82A}">
+                    <a16:rowId xmlns:a16="http://schemas.microsoft.com/office/drawing/2014/main" val="1644502099"/>
+                  </a:ext>
+                </a:extLst>
+              </a:tr>
+              <a:tr h="861368">
+                <a:tc>
+                  <a:txBody>
+                    <a:bodyPr/>
+                    <a:lstStyle/>
+                    <a:p>
+                      <a:endParaRPr lang="en-GB" sz="2400" dirty="0"/>
+                    </a:p>
+                  </a:txBody>
+                  <a:tcPr marL="123950" marR="123950" marT="61976" marB="61976">
+                    <a:lnL w="12700" cap="flat" cmpd="sng" algn="ctr">
+                      <a:solidFill>
+                        <a:schemeClr val="tx1"/>
+                      </a:solidFill>
+                      <a:prstDash val="solid"/>
+                      <a:round/>
+                      <a:headEnd type="none" w="med" len="med"/>
+                      <a:tailEnd type="none" w="med" len="med"/>
+                    </a:lnL>
+                    <a:lnR w="12700" cap="flat" cmpd="sng" algn="ctr">
+                      <a:solidFill>
+                        <a:schemeClr val="tx1"/>
+                      </a:solidFill>
+                      <a:prstDash val="solid"/>
+                      <a:round/>
+                      <a:headEnd type="none" w="med" len="med"/>
+                      <a:tailEnd type="none" w="med" len="med"/>
+                    </a:lnR>
+                    <a:lnT w="12700" cap="flat" cmpd="sng" algn="ctr">
+                      <a:solidFill>
+                        <a:schemeClr val="tx1"/>
+                      </a:solidFill>
+                      <a:prstDash val="solid"/>
+                      <a:round/>
+                      <a:headEnd type="none" w="med" len="med"/>
+                      <a:tailEnd type="none" w="med" len="med"/>
+                    </a:lnT>
+                    <a:lnB w="12700" cap="flat" cmpd="sng" algn="ctr">
+                      <a:solidFill>
+                        <a:schemeClr val="tx1"/>
+                      </a:solidFill>
+                      <a:prstDash val="solid"/>
+                      <a:round/>
+                      <a:headEnd type="none" w="med" len="med"/>
+                      <a:tailEnd type="none" w="med" len="med"/>
+                    </a:lnB>
+                    <a:solidFill>
+                      <a:srgbClr val="FBA305"/>
+                    </a:solidFill>
+                  </a:tcPr>
+                </a:tc>
+                <a:tc>
+                  <a:txBody>
+                    <a:bodyPr/>
+                    <a:lstStyle/>
+                    <a:p>
+                      <a:endParaRPr lang="en-GB" sz="2400" dirty="0"/>
+                    </a:p>
+                  </a:txBody>
+                  <a:tcPr marL="123950" marR="123950" marT="61976" marB="61976">
+                    <a:lnL w="12700" cap="flat" cmpd="sng" algn="ctr">
+                      <a:solidFill>
+                        <a:schemeClr val="tx1"/>
+                      </a:solidFill>
+                      <a:prstDash val="solid"/>
+                      <a:round/>
+                      <a:headEnd type="none" w="med" len="med"/>
+                      <a:tailEnd type="none" w="med" len="med"/>
+                    </a:lnL>
+                    <a:lnR w="12700" cap="flat" cmpd="sng" algn="ctr">
+                      <a:solidFill>
+                        <a:schemeClr val="tx1"/>
+                      </a:solidFill>
+                      <a:prstDash val="solid"/>
+                      <a:round/>
+                      <a:headEnd type="none" w="med" len="med"/>
+                      <a:tailEnd type="none" w="med" len="med"/>
+                    </a:lnR>
+                    <a:lnT w="12700" cap="flat" cmpd="sng" algn="ctr">
+                      <a:solidFill>
+                        <a:schemeClr val="tx1"/>
+                      </a:solidFill>
+                      <a:prstDash val="solid"/>
+                      <a:round/>
+                      <a:headEnd type="none" w="med" len="med"/>
+                      <a:tailEnd type="none" w="med" len="med"/>
+                    </a:lnT>
+                    <a:lnB w="12700" cap="flat" cmpd="sng" algn="ctr">
+                      <a:solidFill>
+                        <a:schemeClr val="tx1"/>
+                      </a:solidFill>
+                      <a:prstDash val="solid"/>
+                      <a:round/>
+                      <a:headEnd type="none" w="med" len="med"/>
+                      <a:tailEnd type="none" w="med" len="med"/>
+                    </a:lnB>
+                    <a:solidFill>
+                      <a:srgbClr val="FBA305"/>
+                    </a:solidFill>
+                  </a:tcPr>
+                </a:tc>
+                <a:tc>
+                  <a:txBody>
+                    <a:bodyPr/>
+                    <a:lstStyle/>
+                    <a:p>
+                      <a:endParaRPr lang="en-GB" sz="2400" dirty="0"/>
+                    </a:p>
+                  </a:txBody>
+                  <a:tcPr marL="123950" marR="123950" marT="61976" marB="61976">
+                    <a:lnL w="12700" cap="flat" cmpd="sng" algn="ctr">
+                      <a:solidFill>
+                        <a:schemeClr val="tx1"/>
+                      </a:solidFill>
+                      <a:prstDash val="solid"/>
+                      <a:round/>
+                      <a:headEnd type="none" w="med" len="med"/>
+                      <a:tailEnd type="none" w="med" len="med"/>
+                    </a:lnL>
+                    <a:lnR w="12700" cap="flat" cmpd="sng" algn="ctr">
+                      <a:solidFill>
+                        <a:schemeClr val="tx1"/>
+                      </a:solidFill>
+                      <a:prstDash val="solid"/>
+                      <a:round/>
+                      <a:headEnd type="none" w="med" len="med"/>
+                      <a:tailEnd type="none" w="med" len="med"/>
+                    </a:lnR>
+                    <a:lnT w="12700" cap="flat" cmpd="sng" algn="ctr">
+                      <a:solidFill>
+                        <a:schemeClr val="tx1"/>
+                      </a:solidFill>
+                      <a:prstDash val="solid"/>
+                      <a:round/>
+                      <a:headEnd type="none" w="med" len="med"/>
+                      <a:tailEnd type="none" w="med" len="med"/>
+                    </a:lnT>
+                    <a:lnB w="12700" cap="flat" cmpd="sng" algn="ctr">
+                      <a:solidFill>
+                        <a:schemeClr val="tx1"/>
+                      </a:solidFill>
+                      <a:prstDash val="solid"/>
+                      <a:round/>
+                      <a:headEnd type="none" w="med" len="med"/>
+                      <a:tailEnd type="none" w="med" len="med"/>
+                    </a:lnB>
+                    <a:solidFill>
+                      <a:srgbClr val="00B050"/>
+                    </a:solidFill>
+                  </a:tcPr>
+                </a:tc>
+                <a:tc>
+                  <a:txBody>
+                    <a:bodyPr/>
+                    <a:lstStyle/>
+                    <a:p>
+                      <a:endParaRPr lang="en-GB" sz="2400" dirty="0"/>
+                    </a:p>
+                  </a:txBody>
+                  <a:tcPr marL="123950" marR="123950" marT="61976" marB="61976">
+                    <a:lnL w="12700" cap="flat" cmpd="sng" algn="ctr">
+                      <a:solidFill>
+                        <a:schemeClr val="tx1"/>
+                      </a:solidFill>
+                      <a:prstDash val="solid"/>
+                      <a:round/>
+                      <a:headEnd type="none" w="med" len="med"/>
+                      <a:tailEnd type="none" w="med" len="med"/>
+                    </a:lnL>
+                    <a:lnR w="12700" cap="flat" cmpd="sng" algn="ctr">
+                      <a:solidFill>
+                        <a:schemeClr val="tx1"/>
+                      </a:solidFill>
+                      <a:prstDash val="solid"/>
+                      <a:round/>
+                      <a:headEnd type="none" w="med" len="med"/>
+                      <a:tailEnd type="none" w="med" len="med"/>
+                    </a:lnR>
+                    <a:lnT w="12700" cap="flat" cmpd="sng" algn="ctr">
+                      <a:solidFill>
+                        <a:schemeClr val="tx1"/>
+                      </a:solidFill>
+                      <a:prstDash val="solid"/>
+                      <a:round/>
+                      <a:headEnd type="none" w="med" len="med"/>
+                      <a:tailEnd type="none" w="med" len="med"/>
+                    </a:lnT>
+                    <a:lnB w="12700" cap="flat" cmpd="sng" algn="ctr">
+                      <a:solidFill>
+                        <a:schemeClr val="tx1"/>
+                      </a:solidFill>
+                      <a:prstDash val="solid"/>
+                      <a:round/>
+                      <a:headEnd type="none" w="med" len="med"/>
+                      <a:tailEnd type="none" w="med" len="med"/>
+                    </a:lnB>
+                    <a:solidFill>
+                      <a:srgbClr val="00B050"/>
+                    </a:solidFill>
+                  </a:tcPr>
+                </a:tc>
+                <a:tc>
+                  <a:txBody>
+                    <a:bodyPr/>
+                    <a:lstStyle/>
+                    <a:p>
+                      <a:endParaRPr lang="en-GB" sz="2400" dirty="0"/>
+                    </a:p>
+                  </a:txBody>
+                  <a:tcPr marL="123950" marR="123950" marT="61976" marB="61976">
+                    <a:lnL w="12700" cap="flat" cmpd="sng" algn="ctr">
+                      <a:solidFill>
+                        <a:schemeClr val="tx1"/>
+                      </a:solidFill>
+                      <a:prstDash val="solid"/>
+                      <a:round/>
+                      <a:headEnd type="none" w="med" len="med"/>
+                      <a:tailEnd type="none" w="med" len="med"/>
+                    </a:lnL>
+                    <a:lnR w="12700" cap="flat" cmpd="sng" algn="ctr">
+                      <a:solidFill>
+                        <a:schemeClr val="tx1"/>
+                      </a:solidFill>
+                      <a:prstDash val="solid"/>
+                      <a:round/>
+                      <a:headEnd type="none" w="med" len="med"/>
+                      <a:tailEnd type="none" w="med" len="med"/>
+                    </a:lnR>
+                    <a:lnT w="12700" cap="flat" cmpd="sng" algn="ctr">
+                      <a:solidFill>
+                        <a:schemeClr val="tx1"/>
+                      </a:solidFill>
+                      <a:prstDash val="solid"/>
+                      <a:round/>
+                      <a:headEnd type="none" w="med" len="med"/>
+                      <a:tailEnd type="none" w="med" len="med"/>
+                    </a:lnT>
+                    <a:lnB w="12700" cap="flat" cmpd="sng" algn="ctr">
+                      <a:solidFill>
+                        <a:schemeClr val="tx1"/>
+                      </a:solidFill>
+                      <a:prstDash val="solid"/>
+                      <a:round/>
+                      <a:headEnd type="none" w="med" len="med"/>
+                      <a:tailEnd type="none" w="med" len="med"/>
+                    </a:lnB>
+                    <a:solidFill>
+                      <a:srgbClr val="00B050"/>
+                    </a:solidFill>
+                  </a:tcPr>
+                </a:tc>
+                <a:tc>
+                  <a:txBody>
+                    <a:bodyPr/>
+                    <a:lstStyle/>
+                    <a:p>
+                      <a:endParaRPr lang="en-GB" sz="2400" dirty="0"/>
+                    </a:p>
+                  </a:txBody>
+                  <a:tcPr marL="123950" marR="123950" marT="61976" marB="61976">
+                    <a:lnL w="12700" cap="flat" cmpd="sng" algn="ctr">
+                      <a:solidFill>
+                        <a:schemeClr val="tx1"/>
+                      </a:solidFill>
+                      <a:prstDash val="solid"/>
+                      <a:round/>
+                      <a:headEnd type="none" w="med" len="med"/>
+                      <a:tailEnd type="none" w="med" len="med"/>
+                    </a:lnL>
+                    <a:lnR w="12700" cap="flat" cmpd="sng" algn="ctr">
+                      <a:solidFill>
+                        <a:schemeClr val="tx1"/>
+                      </a:solidFill>
+                      <a:prstDash val="solid"/>
+                      <a:round/>
+                      <a:headEnd type="none" w="med" len="med"/>
+                      <a:tailEnd type="none" w="med" len="med"/>
+                    </a:lnR>
+                    <a:lnT w="12700" cap="flat" cmpd="sng" algn="ctr">
+                      <a:solidFill>
+                        <a:schemeClr val="tx1"/>
+                      </a:solidFill>
+                      <a:prstDash val="solid"/>
+                      <a:round/>
+                      <a:headEnd type="none" w="med" len="med"/>
+                      <a:tailEnd type="none" w="med" len="med"/>
+                    </a:lnT>
+                    <a:lnB w="12700" cap="flat" cmpd="sng" algn="ctr">
+                      <a:solidFill>
+                        <a:schemeClr val="tx1"/>
+                      </a:solidFill>
+                      <a:prstDash val="solid"/>
+                      <a:round/>
+                      <a:headEnd type="none" w="med" len="med"/>
+                      <a:tailEnd type="none" w="med" len="med"/>
+                    </a:lnB>
+                    <a:solidFill>
+                      <a:srgbClr val="00B050"/>
+                    </a:solidFill>
+                  </a:tcPr>
+                </a:tc>
+                <a:tc>
+                  <a:txBody>
+                    <a:bodyPr/>
+                    <a:lstStyle/>
+                    <a:p>
+                      <a:endParaRPr lang="en-GB" sz="2400" dirty="0"/>
+                    </a:p>
+                  </a:txBody>
+                  <a:tcPr marL="123950" marR="123950" marT="61976" marB="61976">
+                    <a:lnL w="12700" cap="flat" cmpd="sng" algn="ctr">
+                      <a:solidFill>
+                        <a:schemeClr val="tx1"/>
+                      </a:solidFill>
+                      <a:prstDash val="solid"/>
+                      <a:round/>
+                      <a:headEnd type="none" w="med" len="med"/>
+                      <a:tailEnd type="none" w="med" len="med"/>
+                    </a:lnL>
+                    <a:lnR w="12700" cap="flat" cmpd="sng" algn="ctr">
+                      <a:solidFill>
+                        <a:schemeClr val="tx1"/>
+                      </a:solidFill>
+                      <a:prstDash val="solid"/>
+                      <a:round/>
+                      <a:headEnd type="none" w="med" len="med"/>
+                      <a:tailEnd type="none" w="med" len="med"/>
+                    </a:lnR>
+                    <a:lnT w="12700" cap="flat" cmpd="sng" algn="ctr">
+                      <a:solidFill>
+                        <a:schemeClr val="tx1"/>
+                      </a:solidFill>
+                      <a:prstDash val="solid"/>
+                      <a:round/>
+                      <a:headEnd type="none" w="med" len="med"/>
+                      <a:tailEnd type="none" w="med" len="med"/>
+                    </a:lnT>
+                    <a:lnB w="12700" cap="flat" cmpd="sng" algn="ctr">
+                      <a:solidFill>
+                        <a:schemeClr val="tx1"/>
+                      </a:solidFill>
+                      <a:prstDash val="solid"/>
+                      <a:round/>
+                      <a:headEnd type="none" w="med" len="med"/>
+                      <a:tailEnd type="none" w="med" len="med"/>
+                    </a:lnB>
+                    <a:solidFill>
+                      <a:srgbClr val="00B050"/>
+                    </a:solidFill>
+                  </a:tcPr>
+                </a:tc>
+                <a:tc>
+                  <a:txBody>
+                    <a:bodyPr/>
+                    <a:lstStyle/>
+                    <a:p>
+                      <a:endParaRPr lang="en-GB" sz="2400" dirty="0"/>
+                    </a:p>
+                  </a:txBody>
+                  <a:tcPr marL="123950" marR="123950" marT="61976" marB="61976">
+                    <a:lnL w="12700" cap="flat" cmpd="sng" algn="ctr">
+                      <a:solidFill>
+                        <a:schemeClr val="tx1"/>
+                      </a:solidFill>
+                      <a:prstDash val="solid"/>
+                      <a:round/>
+                      <a:headEnd type="none" w="med" len="med"/>
+                      <a:tailEnd type="none" w="med" len="med"/>
+                    </a:lnL>
+                    <a:lnR w="12700" cap="flat" cmpd="sng" algn="ctr">
+                      <a:solidFill>
+                        <a:schemeClr val="tx1"/>
+                      </a:solidFill>
+                      <a:prstDash val="solid"/>
+                      <a:round/>
+                      <a:headEnd type="none" w="med" len="med"/>
+                      <a:tailEnd type="none" w="med" len="med"/>
+                    </a:lnR>
+                    <a:lnT w="12700" cap="flat" cmpd="sng" algn="ctr">
+                      <a:solidFill>
+                        <a:schemeClr val="tx1"/>
+                      </a:solidFill>
+                      <a:prstDash val="solid"/>
+                      <a:round/>
+                      <a:headEnd type="none" w="med" len="med"/>
+                      <a:tailEnd type="none" w="med" len="med"/>
+                    </a:lnT>
+                    <a:lnB w="12700" cap="flat" cmpd="sng" algn="ctr">
+                      <a:solidFill>
+                        <a:schemeClr val="tx1"/>
+                      </a:solidFill>
+                      <a:prstDash val="solid"/>
+                      <a:round/>
+                      <a:headEnd type="none" w="med" len="med"/>
+                      <a:tailEnd type="none" w="med" len="med"/>
+                    </a:lnB>
+                    <a:solidFill>
+                      <a:srgbClr val="00B050"/>
+                    </a:solidFill>
+                  </a:tcPr>
+                </a:tc>
+                <a:tc>
+                  <a:txBody>
+                    <a:bodyPr/>
+                    <a:lstStyle/>
+                    <a:p>
+                      <a:endParaRPr lang="en-GB" sz="2400" dirty="0"/>
+                    </a:p>
+                  </a:txBody>
+                  <a:tcPr marL="123950" marR="123950" marT="61976" marB="61976">
+                    <a:lnL w="12700" cap="flat" cmpd="sng" algn="ctr">
+                      <a:solidFill>
+                        <a:schemeClr val="tx1"/>
+                      </a:solidFill>
+                      <a:prstDash val="solid"/>
+                      <a:round/>
+                      <a:headEnd type="none" w="med" len="med"/>
+                      <a:tailEnd type="none" w="med" len="med"/>
+                    </a:lnL>
+                    <a:lnR w="12700" cap="flat" cmpd="sng" algn="ctr">
+                      <a:solidFill>
+                        <a:schemeClr val="tx1"/>
+                      </a:solidFill>
+                      <a:prstDash val="solid"/>
+                      <a:round/>
+                      <a:headEnd type="none" w="med" len="med"/>
+                      <a:tailEnd type="none" w="med" len="med"/>
+                    </a:lnR>
+                    <a:lnT w="12700" cap="flat" cmpd="sng" algn="ctr">
+                      <a:solidFill>
+                        <a:schemeClr val="tx1"/>
+                      </a:solidFill>
+                      <a:prstDash val="solid"/>
+                      <a:round/>
+                      <a:headEnd type="none" w="med" len="med"/>
+                      <a:tailEnd type="none" w="med" len="med"/>
+                    </a:lnT>
+                    <a:lnB w="12700" cap="flat" cmpd="sng" algn="ctr">
+                      <a:solidFill>
+                        <a:schemeClr val="tx1"/>
+                      </a:solidFill>
+                      <a:prstDash val="solid"/>
+                      <a:round/>
+                      <a:headEnd type="none" w="med" len="med"/>
+                      <a:tailEnd type="none" w="med" len="med"/>
+                    </a:lnB>
+                    <a:solidFill>
+                      <a:srgbClr val="00B050"/>
+                    </a:solidFill>
+                  </a:tcPr>
+                </a:tc>
+                <a:tc>
+                  <a:txBody>
+                    <a:bodyPr/>
+                    <a:lstStyle/>
+                    <a:p>
+                      <a:endParaRPr lang="en-GB" sz="2400" dirty="0"/>
+                    </a:p>
+                  </a:txBody>
+                  <a:tcPr marL="123950" marR="123950" marT="61976" marB="61976">
+                    <a:lnL w="12700" cap="flat" cmpd="sng" algn="ctr">
+                      <a:solidFill>
+                        <a:schemeClr val="tx1"/>
+                      </a:solidFill>
+                      <a:prstDash val="solid"/>
+                      <a:round/>
+                      <a:headEnd type="none" w="med" len="med"/>
+                      <a:tailEnd type="none" w="med" len="med"/>
+                    </a:lnL>
+                    <a:lnR w="12700" cap="flat" cmpd="sng" algn="ctr">
+                      <a:solidFill>
+                        <a:schemeClr val="tx1"/>
+                      </a:solidFill>
+                      <a:prstDash val="solid"/>
+                      <a:round/>
+                      <a:headEnd type="none" w="med" len="med"/>
+                      <a:tailEnd type="none" w="med" len="med"/>
+                    </a:lnR>
+                    <a:lnT w="12700" cap="flat" cmpd="sng" algn="ctr">
+                      <a:solidFill>
+                        <a:schemeClr val="tx1"/>
+                      </a:solidFill>
+                      <a:prstDash val="solid"/>
+                      <a:round/>
+                      <a:headEnd type="none" w="med" len="med"/>
+                      <a:tailEnd type="none" w="med" len="med"/>
+                    </a:lnT>
+                    <a:lnB w="12700" cap="flat" cmpd="sng" algn="ctr">
+                      <a:solidFill>
+                        <a:schemeClr val="tx1"/>
+                      </a:solidFill>
+                      <a:prstDash val="solid"/>
+                      <a:round/>
+                      <a:headEnd type="none" w="med" len="med"/>
+                      <a:tailEnd type="none" w="med" len="med"/>
+                    </a:lnB>
+                    <a:solidFill>
+                      <a:srgbClr val="00B050"/>
+                    </a:solidFill>
+                  </a:tcPr>
+                </a:tc>
+                <a:tc>
+                  <a:txBody>
+                    <a:bodyPr/>
+                    <a:lstStyle/>
+                    <a:p>
+                      <a:endParaRPr lang="en-GB" sz="2400" dirty="0"/>
+                    </a:p>
+                  </a:txBody>
+                  <a:tcPr marL="123950" marR="123950" marT="61976" marB="61976">
+                    <a:lnL w="12700" cap="flat" cmpd="sng" algn="ctr">
+                      <a:solidFill>
+                        <a:schemeClr val="tx1"/>
+                      </a:solidFill>
+                      <a:prstDash val="solid"/>
+                      <a:round/>
+                      <a:headEnd type="none" w="med" len="med"/>
+                      <a:tailEnd type="none" w="med" len="med"/>
+                    </a:lnL>
+                    <a:lnR w="12700" cap="flat" cmpd="sng" algn="ctr">
+                      <a:solidFill>
+                        <a:schemeClr val="tx1"/>
+                      </a:solidFill>
+                      <a:prstDash val="solid"/>
+                      <a:round/>
+                      <a:headEnd type="none" w="med" len="med"/>
+                      <a:tailEnd type="none" w="med" len="med"/>
+                    </a:lnR>
+                    <a:lnT w="12700" cap="flat" cmpd="sng" algn="ctr">
+                      <a:solidFill>
+                        <a:schemeClr val="tx1"/>
+                      </a:solidFill>
+                      <a:prstDash val="solid"/>
+                      <a:round/>
+                      <a:headEnd type="none" w="med" len="med"/>
+                      <a:tailEnd type="none" w="med" len="med"/>
+                    </a:lnT>
+                    <a:lnB w="12700" cap="flat" cmpd="sng" algn="ctr">
+                      <a:solidFill>
+                        <a:schemeClr val="tx1"/>
+                      </a:solidFill>
+                      <a:prstDash val="solid"/>
+                      <a:round/>
+                      <a:headEnd type="none" w="med" len="med"/>
+                      <a:tailEnd type="none" w="med" len="med"/>
+                    </a:lnB>
+                    <a:solidFill>
+                      <a:srgbClr val="00B050"/>
+                    </a:solidFill>
+                  </a:tcPr>
+                </a:tc>
+                <a:tc>
+                  <a:txBody>
+                    <a:bodyPr/>
+                    <a:lstStyle/>
+                    <a:p>
+                      <a:endParaRPr lang="en-GB" sz="2400" dirty="0"/>
+                    </a:p>
+                  </a:txBody>
+                  <a:tcPr marL="123950" marR="123950" marT="61976" marB="61976">
+                    <a:lnL w="12700" cap="flat" cmpd="sng" algn="ctr">
+                      <a:solidFill>
+                        <a:schemeClr val="tx1"/>
+                      </a:solidFill>
+                      <a:prstDash val="solid"/>
+                      <a:round/>
+                      <a:headEnd type="none" w="med" len="med"/>
+                      <a:tailEnd type="none" w="med" len="med"/>
+                    </a:lnL>
+                    <a:lnR w="12700" cap="flat" cmpd="sng" algn="ctr">
+                      <a:solidFill>
+                        <a:schemeClr val="tx1"/>
+                      </a:solidFill>
+                      <a:prstDash val="solid"/>
+                      <a:round/>
+                      <a:headEnd type="none" w="med" len="med"/>
+                      <a:tailEnd type="none" w="med" len="med"/>
+                    </a:lnR>
+                    <a:lnT w="12700" cap="flat" cmpd="sng" algn="ctr">
+                      <a:solidFill>
+                        <a:schemeClr val="tx1"/>
+                      </a:solidFill>
+                      <a:prstDash val="solid"/>
+                      <a:round/>
+                      <a:headEnd type="none" w="med" len="med"/>
+                      <a:tailEnd type="none" w="med" len="med"/>
+                    </a:lnT>
+                    <a:lnB w="12700" cap="flat" cmpd="sng" algn="ctr">
+                      <a:solidFill>
+                        <a:schemeClr val="tx1"/>
+                      </a:solidFill>
+                      <a:prstDash val="solid"/>
+                      <a:round/>
+                      <a:headEnd type="none" w="med" len="med"/>
+                      <a:tailEnd type="none" w="med" len="med"/>
+                    </a:lnB>
+                    <a:solidFill>
+                      <a:schemeClr val="bg1"/>
+                    </a:solidFill>
+                  </a:tcPr>
+                </a:tc>
+                <a:extLst>
+                  <a:ext uri="{0D108BD9-81ED-4DB2-BD59-A6C34878D82A}">
+                    <a16:rowId xmlns:a16="http://schemas.microsoft.com/office/drawing/2014/main" val="3901532750"/>
+                  </a:ext>
+                </a:extLst>
+              </a:tr>
+              <a:tr h="861368">
+                <a:tc>
+                  <a:txBody>
+                    <a:bodyPr/>
+                    <a:lstStyle/>
+                    <a:p>
+                      <a:pPr algn="r"/>
+                      <a:r>
+                        <a:rPr lang="en-GB" sz="2400"/>
+                        <a:t>7</a:t>
+                      </a:r>
+                      <a:endParaRPr lang="en-GB" sz="2400" dirty="0"/>
+                    </a:p>
+                  </a:txBody>
+                  <a:tcPr marL="123950" marR="123950" marT="61976" marB="61976" anchor="b">
+                    <a:lnL w="12700" cap="flat" cmpd="sng" algn="ctr">
+                      <a:solidFill>
+                        <a:schemeClr val="tx1"/>
+                      </a:solidFill>
+                      <a:prstDash val="solid"/>
+                      <a:round/>
+                      <a:headEnd type="none" w="med" len="med"/>
+                      <a:tailEnd type="none" w="med" len="med"/>
+                    </a:lnL>
+                    <a:lnR w="12700" cap="flat" cmpd="sng" algn="ctr">
+                      <a:solidFill>
+                        <a:schemeClr val="tx1"/>
+                      </a:solidFill>
+                      <a:prstDash val="solid"/>
+                      <a:round/>
+                      <a:headEnd type="none" w="med" len="med"/>
+                      <a:tailEnd type="none" w="med" len="med"/>
+                    </a:lnR>
+                    <a:lnT w="12700" cap="flat" cmpd="sng" algn="ctr">
+                      <a:solidFill>
+                        <a:schemeClr val="tx1"/>
+                      </a:solidFill>
+                      <a:prstDash val="solid"/>
+                      <a:round/>
+                      <a:headEnd type="none" w="med" len="med"/>
+                      <a:tailEnd type="none" w="med" len="med"/>
+                    </a:lnT>
+                    <a:lnB w="12700" cap="flat" cmpd="sng" algn="ctr">
+                      <a:solidFill>
+                        <a:schemeClr val="tx1"/>
+                      </a:solidFill>
+                      <a:prstDash val="solid"/>
+                      <a:round/>
+                      <a:headEnd type="none" w="med" len="med"/>
+                      <a:tailEnd type="none" w="med" len="med"/>
+                    </a:lnB>
+                    <a:solidFill>
+                      <a:srgbClr val="00B050"/>
+                    </a:solidFill>
+                  </a:tcPr>
+                </a:tc>
+                <a:tc>
+                  <a:txBody>
+                    <a:bodyPr/>
+                    <a:lstStyle/>
+                    <a:p>
+                      <a:pPr algn="r"/>
+                      <a:r>
+                        <a:rPr lang="en-GB" sz="2400"/>
+                        <a:t>14</a:t>
+                      </a:r>
+                      <a:endParaRPr lang="en-GB" sz="2400" dirty="0"/>
+                    </a:p>
+                  </a:txBody>
+                  <a:tcPr marL="123950" marR="123950" marT="61976" marB="61976" anchor="b">
+                    <a:lnL w="12700" cap="flat" cmpd="sng" algn="ctr">
+                      <a:solidFill>
+                        <a:schemeClr val="tx1"/>
+                      </a:solidFill>
+                      <a:prstDash val="solid"/>
+                      <a:round/>
+                      <a:headEnd type="none" w="med" len="med"/>
+                      <a:tailEnd type="none" w="med" len="med"/>
+                    </a:lnL>
+                    <a:lnR w="12700" cap="flat" cmpd="sng" algn="ctr">
+                      <a:solidFill>
+                        <a:schemeClr val="tx1"/>
+                      </a:solidFill>
+                      <a:prstDash val="solid"/>
+                      <a:round/>
+                      <a:headEnd type="none" w="med" len="med"/>
+                      <a:tailEnd type="none" w="med" len="med"/>
+                    </a:lnR>
+                    <a:lnT w="12700" cap="flat" cmpd="sng" algn="ctr">
+                      <a:solidFill>
+                        <a:schemeClr val="tx1"/>
+                      </a:solidFill>
+                      <a:prstDash val="solid"/>
+                      <a:round/>
+                      <a:headEnd type="none" w="med" len="med"/>
+                      <a:tailEnd type="none" w="med" len="med"/>
+                    </a:lnT>
+                    <a:lnB w="12700" cap="flat" cmpd="sng" algn="ctr">
+                      <a:solidFill>
+                        <a:schemeClr val="tx1"/>
+                      </a:solidFill>
+                      <a:prstDash val="solid"/>
+                      <a:round/>
+                      <a:headEnd type="none" w="med" len="med"/>
+                      <a:tailEnd type="none" w="med" len="med"/>
+                    </a:lnB>
+                    <a:solidFill>
+                      <a:srgbClr val="00B050"/>
+                    </a:solidFill>
+                  </a:tcPr>
+                </a:tc>
+                <a:tc>
+                  <a:txBody>
+                    <a:bodyPr/>
+                    <a:lstStyle/>
+                    <a:p>
+                      <a:pPr algn="r"/>
+                      <a:r>
+                        <a:rPr lang="en-GB" sz="2400" dirty="0"/>
+                        <a:t>21</a:t>
+                      </a:r>
+                    </a:p>
+                  </a:txBody>
+                  <a:tcPr marL="123950" marR="123950" marT="61976" marB="61976" anchor="b">
+                    <a:lnL w="12700" cap="flat" cmpd="sng" algn="ctr">
+                      <a:solidFill>
+                        <a:schemeClr val="tx1"/>
+                      </a:solidFill>
+                      <a:prstDash val="solid"/>
+                      <a:round/>
+                      <a:headEnd type="none" w="med" len="med"/>
+                      <a:tailEnd type="none" w="med" len="med"/>
+                    </a:lnL>
+                    <a:lnR w="12700" cap="flat" cmpd="sng" algn="ctr">
+                      <a:solidFill>
+                        <a:schemeClr val="tx1"/>
+                      </a:solidFill>
+                      <a:prstDash val="solid"/>
+                      <a:round/>
+                      <a:headEnd type="none" w="med" len="med"/>
+                      <a:tailEnd type="none" w="med" len="med"/>
+                    </a:lnR>
+                    <a:lnT w="12700" cap="flat" cmpd="sng" algn="ctr">
+                      <a:solidFill>
+                        <a:schemeClr val="tx1"/>
+                      </a:solidFill>
+                      <a:prstDash val="solid"/>
+                      <a:round/>
+                      <a:headEnd type="none" w="med" len="med"/>
+                      <a:tailEnd type="none" w="med" len="med"/>
+                    </a:lnT>
+                    <a:lnB w="12700" cap="flat" cmpd="sng" algn="ctr">
+                      <a:solidFill>
+                        <a:schemeClr val="tx1"/>
+                      </a:solidFill>
+                      <a:prstDash val="solid"/>
+                      <a:round/>
+                      <a:headEnd type="none" w="med" len="med"/>
+                      <a:tailEnd type="none" w="med" len="med"/>
+                    </a:lnB>
+                    <a:solidFill>
+                      <a:srgbClr val="00B050"/>
+                    </a:solidFill>
+                  </a:tcPr>
+                </a:tc>
+                <a:tc>
+                  <a:txBody>
+                    <a:bodyPr/>
+                    <a:lstStyle/>
+                    <a:p>
+                      <a:pPr algn="r"/>
+                      <a:r>
+                        <a:rPr lang="en-GB" sz="2400"/>
+                        <a:t>28</a:t>
+                      </a:r>
+                      <a:endParaRPr lang="en-GB" sz="2400" dirty="0"/>
+                    </a:p>
+                  </a:txBody>
+                  <a:tcPr marL="123950" marR="123950" marT="61976" marB="61976" anchor="b">
+                    <a:lnL w="12700" cap="flat" cmpd="sng" algn="ctr">
+                      <a:solidFill>
+                        <a:schemeClr val="tx1"/>
+                      </a:solidFill>
+                      <a:prstDash val="solid"/>
+                      <a:round/>
+                      <a:headEnd type="none" w="med" len="med"/>
+                      <a:tailEnd type="none" w="med" len="med"/>
+                    </a:lnL>
+                    <a:lnR w="12700" cap="flat" cmpd="sng" algn="ctr">
+                      <a:solidFill>
+                        <a:schemeClr val="tx1"/>
+                      </a:solidFill>
+                      <a:prstDash val="solid"/>
+                      <a:round/>
+                      <a:headEnd type="none" w="med" len="med"/>
+                      <a:tailEnd type="none" w="med" len="med"/>
+                    </a:lnR>
+                    <a:lnT w="12700" cap="flat" cmpd="sng" algn="ctr">
+                      <a:solidFill>
+                        <a:schemeClr val="tx1"/>
+                      </a:solidFill>
+                      <a:prstDash val="solid"/>
+                      <a:round/>
+                      <a:headEnd type="none" w="med" len="med"/>
+                      <a:tailEnd type="none" w="med" len="med"/>
+                    </a:lnT>
+                    <a:lnB w="12700" cap="flat" cmpd="sng" algn="ctr">
+                      <a:solidFill>
+                        <a:schemeClr val="tx1"/>
+                      </a:solidFill>
+                      <a:prstDash val="solid"/>
+                      <a:round/>
+                      <a:headEnd type="none" w="med" len="med"/>
+                      <a:tailEnd type="none" w="med" len="med"/>
+                    </a:lnB>
+                    <a:solidFill>
+                      <a:srgbClr val="00B050"/>
+                    </a:solidFill>
+                  </a:tcPr>
+                </a:tc>
+                <a:tc>
+                  <a:txBody>
+                    <a:bodyPr/>
+                    <a:lstStyle/>
+                    <a:p>
+                      <a:pPr algn="r"/>
+                      <a:r>
+                        <a:rPr lang="en-GB" sz="2400"/>
+                        <a:t>35</a:t>
+                      </a:r>
+                      <a:endParaRPr lang="en-GB" sz="2400" dirty="0"/>
+                    </a:p>
+                  </a:txBody>
+                  <a:tcPr marL="123950" marR="123950" marT="61976" marB="61976" anchor="b">
+                    <a:lnL w="12700" cap="flat" cmpd="sng" algn="ctr">
+                      <a:solidFill>
+                        <a:schemeClr val="tx1"/>
+                      </a:solidFill>
+                      <a:prstDash val="solid"/>
+                      <a:round/>
+                      <a:headEnd type="none" w="med" len="med"/>
+                      <a:tailEnd type="none" w="med" len="med"/>
+                    </a:lnL>
+                    <a:lnR w="12700" cap="flat" cmpd="sng" algn="ctr">
+                      <a:solidFill>
+                        <a:schemeClr val="tx1"/>
+                      </a:solidFill>
+                      <a:prstDash val="solid"/>
+                      <a:round/>
+                      <a:headEnd type="none" w="med" len="med"/>
+                      <a:tailEnd type="none" w="med" len="med"/>
+                    </a:lnR>
+                    <a:lnT w="12700" cap="flat" cmpd="sng" algn="ctr">
+                      <a:solidFill>
+                        <a:schemeClr val="tx1"/>
+                      </a:solidFill>
+                      <a:prstDash val="solid"/>
+                      <a:round/>
+                      <a:headEnd type="none" w="med" len="med"/>
+                      <a:tailEnd type="none" w="med" len="med"/>
+                    </a:lnT>
+                    <a:lnB w="12700" cap="flat" cmpd="sng" algn="ctr">
+                      <a:solidFill>
+                        <a:schemeClr val="tx1"/>
+                      </a:solidFill>
+                      <a:prstDash val="solid"/>
+                      <a:round/>
+                      <a:headEnd type="none" w="med" len="med"/>
+                      <a:tailEnd type="none" w="med" len="med"/>
+                    </a:lnB>
+                    <a:solidFill>
+                      <a:srgbClr val="00B050"/>
+                    </a:solidFill>
+                  </a:tcPr>
+                </a:tc>
+                <a:tc>
+                  <a:txBody>
+                    <a:bodyPr/>
+                    <a:lstStyle/>
+                    <a:p>
+                      <a:pPr algn="r"/>
+                      <a:r>
+                        <a:rPr lang="en-GB" sz="2400" dirty="0"/>
+                        <a:t>42</a:t>
+                      </a:r>
+                    </a:p>
+                  </a:txBody>
+                  <a:tcPr marL="123950" marR="123950" marT="61976" marB="61976" anchor="b">
+                    <a:lnL w="12700" cap="flat" cmpd="sng" algn="ctr">
+                      <a:solidFill>
+                        <a:schemeClr val="tx1"/>
+                      </a:solidFill>
+                      <a:prstDash val="solid"/>
+                      <a:round/>
+                      <a:headEnd type="none" w="med" len="med"/>
+                      <a:tailEnd type="none" w="med" len="med"/>
+                    </a:lnL>
+                    <a:lnR w="12700" cap="flat" cmpd="sng" algn="ctr">
+                      <a:solidFill>
+                        <a:schemeClr val="tx1"/>
+                      </a:solidFill>
+                      <a:prstDash val="solid"/>
+                      <a:round/>
+                      <a:headEnd type="none" w="med" len="med"/>
+                      <a:tailEnd type="none" w="med" len="med"/>
+                    </a:lnR>
+                    <a:lnT w="12700" cap="flat" cmpd="sng" algn="ctr">
+                      <a:solidFill>
+                        <a:schemeClr val="tx1"/>
+                      </a:solidFill>
+                      <a:prstDash val="solid"/>
+                      <a:round/>
+                      <a:headEnd type="none" w="med" len="med"/>
+                      <a:tailEnd type="none" w="med" len="med"/>
+                    </a:lnT>
+                    <a:lnB w="12700" cap="flat" cmpd="sng" algn="ctr">
+                      <a:solidFill>
+                        <a:schemeClr val="tx1"/>
+                      </a:solidFill>
+                      <a:prstDash val="solid"/>
+                      <a:round/>
+                      <a:headEnd type="none" w="med" len="med"/>
+                      <a:tailEnd type="none" w="med" len="med"/>
+                    </a:lnB>
+                    <a:solidFill>
+                      <a:srgbClr val="00B050"/>
+                    </a:solidFill>
+                  </a:tcPr>
+                </a:tc>
+                <a:tc>
+                  <a:txBody>
+                    <a:bodyPr/>
+                    <a:lstStyle/>
+                    <a:p>
+                      <a:pPr algn="r"/>
+                      <a:r>
+                        <a:rPr lang="en-GB" sz="2400"/>
+                        <a:t>49</a:t>
+                      </a:r>
+                      <a:endParaRPr lang="en-GB" sz="2400" dirty="0"/>
+                    </a:p>
+                  </a:txBody>
+                  <a:tcPr marL="123950" marR="123950" marT="61976" marB="61976" anchor="b">
+                    <a:lnL w="12700" cap="flat" cmpd="sng" algn="ctr">
+                      <a:solidFill>
+                        <a:schemeClr val="tx1"/>
+                      </a:solidFill>
+                      <a:prstDash val="solid"/>
+                      <a:round/>
+                      <a:headEnd type="none" w="med" len="med"/>
+                      <a:tailEnd type="none" w="med" len="med"/>
+                    </a:lnL>
+                    <a:lnR w="12700" cap="flat" cmpd="sng" algn="ctr">
+                      <a:solidFill>
+                        <a:schemeClr val="tx1"/>
+                      </a:solidFill>
+                      <a:prstDash val="solid"/>
+                      <a:round/>
+                      <a:headEnd type="none" w="med" len="med"/>
+                      <a:tailEnd type="none" w="med" len="med"/>
+                    </a:lnR>
+                    <a:lnT w="12700" cap="flat" cmpd="sng" algn="ctr">
+                      <a:solidFill>
+                        <a:schemeClr val="tx1"/>
+                      </a:solidFill>
+                      <a:prstDash val="solid"/>
+                      <a:round/>
+                      <a:headEnd type="none" w="med" len="med"/>
+                      <a:tailEnd type="none" w="med" len="med"/>
+                    </a:lnT>
+                    <a:lnB w="12700" cap="flat" cmpd="sng" algn="ctr">
+                      <a:solidFill>
+                        <a:schemeClr val="tx1"/>
+                      </a:solidFill>
+                      <a:prstDash val="solid"/>
+                      <a:round/>
+                      <a:headEnd type="none" w="med" len="med"/>
+                      <a:tailEnd type="none" w="med" len="med"/>
+                    </a:lnB>
+                    <a:solidFill>
+                      <a:srgbClr val="00B050"/>
+                    </a:solidFill>
+                  </a:tcPr>
+                </a:tc>
+                <a:tc>
+                  <a:txBody>
+                    <a:bodyPr/>
+                    <a:lstStyle/>
+                    <a:p>
+                      <a:pPr algn="r"/>
+                      <a:r>
+                        <a:rPr lang="en-GB" sz="2400"/>
+                        <a:t>56</a:t>
+                      </a:r>
+                      <a:endParaRPr lang="en-GB" sz="2400" dirty="0"/>
+                    </a:p>
+                  </a:txBody>
+                  <a:tcPr marL="123950" marR="123950" marT="61976" marB="61976" anchor="b">
+                    <a:lnL w="12700" cap="flat" cmpd="sng" algn="ctr">
+                      <a:solidFill>
+                        <a:schemeClr val="tx1"/>
+                      </a:solidFill>
+                      <a:prstDash val="solid"/>
+                      <a:round/>
+                      <a:headEnd type="none" w="med" len="med"/>
+                      <a:tailEnd type="none" w="med" len="med"/>
+                    </a:lnL>
+                    <a:lnR w="12700" cap="flat" cmpd="sng" algn="ctr">
+                      <a:solidFill>
+                        <a:schemeClr val="tx1"/>
+                      </a:solidFill>
+                      <a:prstDash val="solid"/>
+                      <a:round/>
+                      <a:headEnd type="none" w="med" len="med"/>
+                      <a:tailEnd type="none" w="med" len="med"/>
+                    </a:lnR>
+                    <a:lnT w="12700" cap="flat" cmpd="sng" algn="ctr">
+                      <a:solidFill>
+                        <a:schemeClr val="tx1"/>
+                      </a:solidFill>
+                      <a:prstDash val="solid"/>
+                      <a:round/>
+                      <a:headEnd type="none" w="med" len="med"/>
+                      <a:tailEnd type="none" w="med" len="med"/>
+                    </a:lnT>
+                    <a:lnB w="12700" cap="flat" cmpd="sng" algn="ctr">
+                      <a:solidFill>
+                        <a:schemeClr val="tx1"/>
+                      </a:solidFill>
+                      <a:prstDash val="solid"/>
+                      <a:round/>
+                      <a:headEnd type="none" w="med" len="med"/>
+                      <a:tailEnd type="none" w="med" len="med"/>
+                    </a:lnB>
+                    <a:solidFill>
+                      <a:srgbClr val="00B050"/>
+                    </a:solidFill>
+                  </a:tcPr>
+                </a:tc>
+                <a:tc>
+                  <a:txBody>
+                    <a:bodyPr/>
+                    <a:lstStyle/>
+                    <a:p>
+                      <a:pPr algn="r"/>
+                      <a:r>
+                        <a:rPr lang="en-GB" sz="2400"/>
+                        <a:t>63</a:t>
+                      </a:r>
+                      <a:endParaRPr lang="en-GB" sz="2400" dirty="0"/>
+                    </a:p>
+                  </a:txBody>
+                  <a:tcPr marL="123950" marR="123950" marT="61976" marB="61976" anchor="b">
+                    <a:lnL w="12700" cap="flat" cmpd="sng" algn="ctr">
+                      <a:solidFill>
+                        <a:schemeClr val="tx1"/>
+                      </a:solidFill>
+                      <a:prstDash val="solid"/>
+                      <a:round/>
+                      <a:headEnd type="none" w="med" len="med"/>
+                      <a:tailEnd type="none" w="med" len="med"/>
+                    </a:lnL>
+                    <a:lnR w="12700" cap="flat" cmpd="sng" algn="ctr">
+                      <a:solidFill>
+                        <a:schemeClr val="tx1"/>
+                      </a:solidFill>
+                      <a:prstDash val="solid"/>
+                      <a:round/>
+                      <a:headEnd type="none" w="med" len="med"/>
+                      <a:tailEnd type="none" w="med" len="med"/>
+                    </a:lnR>
+                    <a:lnT w="12700" cap="flat" cmpd="sng" algn="ctr">
+                      <a:solidFill>
+                        <a:schemeClr val="tx1"/>
+                      </a:solidFill>
+                      <a:prstDash val="solid"/>
+                      <a:round/>
+                      <a:headEnd type="none" w="med" len="med"/>
+                      <a:tailEnd type="none" w="med" len="med"/>
+                    </a:lnT>
+                    <a:lnB w="12700" cap="flat" cmpd="sng" algn="ctr">
+                      <a:solidFill>
+                        <a:schemeClr val="tx1"/>
+                      </a:solidFill>
+                      <a:prstDash val="solid"/>
+                      <a:round/>
+                      <a:headEnd type="none" w="med" len="med"/>
+                      <a:tailEnd type="none" w="med" len="med"/>
+                    </a:lnB>
+                    <a:solidFill>
+                      <a:srgbClr val="00B050"/>
+                    </a:solidFill>
+                  </a:tcPr>
+                </a:tc>
+                <a:tc>
+                  <a:txBody>
+                    <a:bodyPr/>
+                    <a:lstStyle/>
+                    <a:p>
+                      <a:pPr algn="r"/>
+                      <a:r>
+                        <a:rPr lang="en-GB" sz="2400" dirty="0"/>
+                        <a:t>70</a:t>
+                      </a:r>
+                    </a:p>
+                  </a:txBody>
+                  <a:tcPr marL="123950" marR="123950" marT="61976" marB="61976" anchor="b">
+                    <a:lnL w="12700" cap="flat" cmpd="sng" algn="ctr">
+                      <a:solidFill>
+                        <a:schemeClr val="tx1"/>
+                      </a:solidFill>
+                      <a:prstDash val="solid"/>
+                      <a:round/>
+                      <a:headEnd type="none" w="med" len="med"/>
+                      <a:tailEnd type="none" w="med" len="med"/>
+                    </a:lnL>
+                    <a:lnR w="12700" cap="flat" cmpd="sng" algn="ctr">
+                      <a:solidFill>
+                        <a:schemeClr val="tx1"/>
+                      </a:solidFill>
+                      <a:prstDash val="solid"/>
+                      <a:round/>
+                      <a:headEnd type="none" w="med" len="med"/>
+                      <a:tailEnd type="none" w="med" len="med"/>
+                    </a:lnR>
+                    <a:lnT w="12700" cap="flat" cmpd="sng" algn="ctr">
+                      <a:solidFill>
+                        <a:schemeClr val="tx1"/>
+                      </a:solidFill>
+                      <a:prstDash val="solid"/>
+                      <a:round/>
+                      <a:headEnd type="none" w="med" len="med"/>
+                      <a:tailEnd type="none" w="med" len="med"/>
+                    </a:lnT>
+                    <a:lnB w="12700" cap="flat" cmpd="sng" algn="ctr">
+                      <a:solidFill>
+                        <a:schemeClr val="tx1"/>
+                      </a:solidFill>
+                      <a:prstDash val="solid"/>
+                      <a:round/>
+                      <a:headEnd type="none" w="med" len="med"/>
+                      <a:tailEnd type="none" w="med" len="med"/>
+                    </a:lnB>
+                    <a:solidFill>
+                      <a:srgbClr val="00B050"/>
+                    </a:solidFill>
+                  </a:tcPr>
+                </a:tc>
+                <a:tc>
+                  <a:txBody>
+                    <a:bodyPr/>
+                    <a:lstStyle/>
+                    <a:p>
+                      <a:pPr algn="r"/>
+                      <a:r>
+                        <a:rPr lang="en-GB" sz="2400" dirty="0"/>
+                        <a:t>77</a:t>
+                      </a:r>
+                    </a:p>
+                  </a:txBody>
+                  <a:tcPr marL="123950" marR="123950" marT="61976" marB="61976" anchor="b">
+                    <a:lnL w="12700" cap="flat" cmpd="sng" algn="ctr">
+                      <a:solidFill>
+                        <a:schemeClr val="tx1"/>
+                      </a:solidFill>
+                      <a:prstDash val="solid"/>
+                      <a:round/>
+                      <a:headEnd type="none" w="med" len="med"/>
+                      <a:tailEnd type="none" w="med" len="med"/>
+                    </a:lnL>
+                    <a:lnR w="12700" cap="flat" cmpd="sng" algn="ctr">
+                      <a:solidFill>
+                        <a:schemeClr val="tx1"/>
+                      </a:solidFill>
+                      <a:prstDash val="solid"/>
+                      <a:round/>
+                      <a:headEnd type="none" w="med" len="med"/>
+                      <a:tailEnd type="none" w="med" len="med"/>
+                    </a:lnR>
+                    <a:lnT w="12700" cap="flat" cmpd="sng" algn="ctr">
+                      <a:solidFill>
+                        <a:schemeClr val="tx1"/>
+                      </a:solidFill>
+                      <a:prstDash val="solid"/>
+                      <a:round/>
+                      <a:headEnd type="none" w="med" len="med"/>
+                      <a:tailEnd type="none" w="med" len="med"/>
+                    </a:lnT>
+                    <a:lnB w="12700" cap="flat" cmpd="sng" algn="ctr">
+                      <a:solidFill>
+                        <a:schemeClr val="tx1"/>
+                      </a:solidFill>
+                      <a:prstDash val="solid"/>
+                      <a:round/>
+                      <a:headEnd type="none" w="med" len="med"/>
+                      <a:tailEnd type="none" w="med" len="med"/>
+                    </a:lnB>
+                    <a:solidFill>
+                      <a:srgbClr val="00B050"/>
+                    </a:solidFill>
+                  </a:tcPr>
+                </a:tc>
+                <a:tc>
+                  <a:txBody>
+                    <a:bodyPr/>
+                    <a:lstStyle/>
+                    <a:p>
+                      <a:pPr algn="r"/>
+                      <a:r>
+                        <a:rPr lang="en-GB" sz="2400" dirty="0"/>
+                        <a:t>84</a:t>
+                      </a:r>
+                    </a:p>
+                  </a:txBody>
+                  <a:tcPr marL="123950" marR="123950" marT="61976" marB="61976" anchor="b">
+                    <a:lnL w="12700" cap="flat" cmpd="sng" algn="ctr">
+                      <a:solidFill>
+                        <a:schemeClr val="tx1"/>
+                      </a:solidFill>
+                      <a:prstDash val="solid"/>
+                      <a:round/>
+                      <a:headEnd type="none" w="med" len="med"/>
+                      <a:tailEnd type="none" w="med" len="med"/>
+                    </a:lnL>
+                    <a:lnR w="12700" cap="flat" cmpd="sng" algn="ctr">
+                      <a:solidFill>
+                        <a:schemeClr val="tx1"/>
+                      </a:solidFill>
+                      <a:prstDash val="solid"/>
+                      <a:round/>
+                      <a:headEnd type="none" w="med" len="med"/>
+                      <a:tailEnd type="none" w="med" len="med"/>
+                    </a:lnR>
+                    <a:lnT w="12700" cap="flat" cmpd="sng" algn="ctr">
+                      <a:solidFill>
+                        <a:schemeClr val="tx1"/>
+                      </a:solidFill>
+                      <a:prstDash val="solid"/>
+                      <a:round/>
+                      <a:headEnd type="none" w="med" len="med"/>
+                      <a:tailEnd type="none" w="med" len="med"/>
+                    </a:lnT>
+                    <a:lnB w="12700" cap="flat" cmpd="sng" algn="ctr">
+                      <a:solidFill>
+                        <a:schemeClr val="tx1"/>
+                      </a:solidFill>
+                      <a:prstDash val="solid"/>
+                      <a:round/>
+                      <a:headEnd type="none" w="med" len="med"/>
+                      <a:tailEnd type="none" w="med" len="med"/>
+                    </a:lnB>
+                    <a:solidFill>
+                      <a:schemeClr val="bg1"/>
+                    </a:solidFill>
+                  </a:tcPr>
+                </a:tc>
+                <a:extLst>
+                  <a:ext uri="{0D108BD9-81ED-4DB2-BD59-A6C34878D82A}">
+                    <a16:rowId xmlns:a16="http://schemas.microsoft.com/office/drawing/2014/main" val="3505002833"/>
+                  </a:ext>
+                </a:extLst>
+              </a:tr>
+            </a:tbl>
+          </a:graphicData>
+        </a:graphic>
+      </p:graphicFrame>
+      <p:sp>
+        <p:nvSpPr>
+          <p:cNvPr id="5" name="TextBox 4"/>
+          <p:cNvSpPr txBox="1"/>
+          <p:nvPr/>
+        </p:nvSpPr>
+        <p:spPr>
+          <a:xfrm>
+            <a:off x="428263" y="1435258"/>
+            <a:ext cx="3171464" cy="461665"/>
+          </a:xfrm>
+          <a:prstGeom prst="rect">
+            <a:avLst/>
+          </a:prstGeom>
+          <a:noFill/>
+        </p:spPr>
+        <p:txBody>
+          <a:bodyPr wrap="square" rtlCol="0">
+            <a:spAutoFit/>
+          </a:bodyPr>
+          <a:lstStyle/>
+          <a:p>
+            <a:r>
+              <a:rPr lang="en-GB" sz="2400" dirty="0"/>
+              <a:t>Human wins per set ⬇️</a:t>
+            </a:r>
+          </a:p>
+        </p:txBody>
+      </p:sp>
+      <p:sp>
+        <p:nvSpPr>
+          <p:cNvPr id="6" name="TextBox 5"/>
+          <p:cNvSpPr txBox="1"/>
+          <p:nvPr/>
+        </p:nvSpPr>
+        <p:spPr>
+          <a:xfrm>
+            <a:off x="407045" y="8069480"/>
+            <a:ext cx="3171464" cy="461665"/>
+          </a:xfrm>
+          <a:prstGeom prst="rect">
+            <a:avLst/>
+          </a:prstGeom>
+          <a:noFill/>
+        </p:spPr>
+        <p:txBody>
+          <a:bodyPr wrap="square" rtlCol="0">
+            <a:spAutoFit/>
+          </a:bodyPr>
+          <a:lstStyle/>
+          <a:p>
+            <a:r>
+              <a:rPr lang="en-GB" sz="2400" dirty="0"/>
+              <a:t>Chomp wins per set ⬆️</a:t>
+            </a:r>
+          </a:p>
+        </p:txBody>
+      </p:sp>
+      <p:sp>
+        <p:nvSpPr>
+          <p:cNvPr id="7" name="TextBox 6"/>
+          <p:cNvSpPr txBox="1"/>
+          <p:nvPr/>
+        </p:nvSpPr>
+        <p:spPr>
+          <a:xfrm>
+            <a:off x="312516" y="405114"/>
+            <a:ext cx="12393777" cy="584775"/>
+          </a:xfrm>
+          <a:prstGeom prst="rect">
+            <a:avLst/>
+          </a:prstGeom>
+          <a:noFill/>
+        </p:spPr>
+        <p:txBody>
+          <a:bodyPr wrap="none" rtlCol="0">
+            <a:spAutoFit/>
+          </a:bodyPr>
+          <a:lstStyle/>
+          <a:p>
+            <a:r>
+              <a:rPr lang="en-GB" sz="3200" dirty="0"/>
+              <a:t>Winchester Science Centre &amp; Science in Public Conference, Summer 2019</a:t>
+            </a:r>
+          </a:p>
+        </p:txBody>
+      </p:sp>
+    </p:spTree>
+    <p:extLst>
+      <p:ext uri="{BB962C8B-B14F-4D97-AF65-F5344CB8AC3E}">
+        <p14:creationId xmlns:p14="http://schemas.microsoft.com/office/powerpoint/2010/main" val="1911014860"/>
       </p:ext>
     </p:extLst>
   </p:cSld>
